--- a/slides/Intro to Multicore Navigator.pptx
+++ b/slides/Intro to Multicore Navigator.pptx
@@ -309,7 +309,7 @@
       </p:sp>
       <p:sp>
         <p:nvSpPr>
-          <p:cNvPr id="52228" name="Rectangle 4"/>
+          <p:cNvPr id="47108" name="Rectangle 4"/>
           <p:cNvSpPr>
             <a:spLocks noRot="1" noChangeArrowheads="1" noTextEdit="1"/>
           </p:cNvSpPr>
@@ -499,7 +499,7 @@
             <a:pPr>
               <a:defRPr/>
             </a:pPr>
-            <a:fld id="{5EB9CEA1-0BE5-48E2-94F1-5297DBA1EAC6}" type="slidenum">
+            <a:fld id="{32E7F0F2-7B87-411D-B9A5-C6A258836D84}" type="slidenum">
               <a:rPr lang="en-US"/>
               <a:pPr>
                 <a:defRPr/>
@@ -706,7 +706,7 @@
             <a:pPr>
               <a:defRPr/>
             </a:pPr>
-            <a:fld id="{5EB9CEA1-0BE5-48E2-94F1-5297DBA1EAC6}" type="slidenum">
+            <a:fld id="{32E7F0F2-7B87-411D-B9A5-C6A258836D84}" type="slidenum">
               <a:rPr lang="en-US" smtClean="0"/>
               <a:pPr>
                 <a:defRPr/>
@@ -793,7 +793,7 @@
             <a:pPr>
               <a:defRPr/>
             </a:pPr>
-            <a:fld id="{5EB9CEA1-0BE5-48E2-94F1-5297DBA1EAC6}" type="slidenum">
+            <a:fld id="{32E7F0F2-7B87-411D-B9A5-C6A258836D84}" type="slidenum">
               <a:rPr lang="en-US" smtClean="0"/>
               <a:pPr>
                 <a:defRPr/>
@@ -831,7 +831,7 @@
       </p:grpSpPr>
       <p:sp>
         <p:nvSpPr>
-          <p:cNvPr id="54274" name="Rectangle 2"/>
+          <p:cNvPr id="49154" name="Rectangle 2"/>
           <p:cNvSpPr>
             <a:spLocks noRot="1" noChangeArrowheads="1" noTextEdit="1"/>
           </p:cNvSpPr>
@@ -845,7 +845,7 @@
       </p:sp>
       <p:sp>
         <p:nvSpPr>
-          <p:cNvPr id="54275" name="Rectangle 3"/>
+          <p:cNvPr id="49155" name="Rectangle 3"/>
           <p:cNvSpPr>
             <a:spLocks noGrp="1" noChangeArrowheads="1"/>
           </p:cNvSpPr>
@@ -894,7 +894,7 @@
       </p:grpSpPr>
       <p:sp>
         <p:nvSpPr>
-          <p:cNvPr id="55298" name="Rectangle 2"/>
+          <p:cNvPr id="50178" name="Rectangle 2"/>
           <p:cNvSpPr>
             <a:spLocks noRot="1" noChangeArrowheads="1" noTextEdit="1"/>
           </p:cNvSpPr>
@@ -908,7 +908,7 @@
       </p:sp>
       <p:sp>
         <p:nvSpPr>
-          <p:cNvPr id="55299" name="Rectangle 3"/>
+          <p:cNvPr id="50179" name="Rectangle 3"/>
           <p:cNvSpPr>
             <a:spLocks noGrp="1" noChangeArrowheads="1"/>
           </p:cNvSpPr>
@@ -1006,7 +1006,7 @@
             <a:pPr>
               <a:defRPr/>
             </a:pPr>
-            <a:fld id="{5EB9CEA1-0BE5-48E2-94F1-5297DBA1EAC6}" type="slidenum">
+            <a:fld id="{32E7F0F2-7B87-411D-B9A5-C6A258836D84}" type="slidenum">
               <a:rPr lang="en-US" smtClean="0"/>
               <a:pPr>
                 <a:defRPr/>
@@ -1093,7 +1093,7 @@
             <a:pPr>
               <a:defRPr/>
             </a:pPr>
-            <a:fld id="{5EB9CEA1-0BE5-48E2-94F1-5297DBA1EAC6}" type="slidenum">
+            <a:fld id="{32E7F0F2-7B87-411D-B9A5-C6A258836D84}" type="slidenum">
               <a:rPr lang="en-US" smtClean="0"/>
               <a:pPr>
                 <a:defRPr/>
@@ -1131,7 +1131,7 @@
       </p:grpSpPr>
       <p:sp>
         <p:nvSpPr>
-          <p:cNvPr id="56322" name="Slide Image Placeholder 1"/>
+          <p:cNvPr id="51202" name="Slide Image Placeholder 1"/>
           <p:cNvSpPr>
             <a:spLocks noGrp="1" noRot="1" noChangeAspect="1" noTextEdit="1"/>
           </p:cNvSpPr>
@@ -1145,7 +1145,7 @@
       </p:sp>
       <p:sp>
         <p:nvSpPr>
-          <p:cNvPr id="56323" name="Notes Placeholder 2"/>
+          <p:cNvPr id="51203" name="Notes Placeholder 2"/>
           <p:cNvSpPr>
             <a:spLocks noGrp="1"/>
           </p:cNvSpPr>
@@ -1170,7 +1170,7 @@
       </p:sp>
       <p:sp>
         <p:nvSpPr>
-          <p:cNvPr id="56324" name="Slide Number Placeholder 3"/>
+          <p:cNvPr id="51204" name="Slide Number Placeholder 3"/>
           <p:cNvSpPr>
             <a:spLocks noGrp="1"/>
           </p:cNvSpPr>
@@ -1185,7 +1185,7 @@
           <a:bodyPr/>
           <a:lstStyle/>
           <a:p>
-            <a:fld id="{D69A0564-6A89-4EF3-B072-8DF4C196758E}" type="slidenum">
+            <a:fld id="{33DF9690-44B3-444D-BB9D-1068CE2C1403}" type="slidenum">
               <a:rPr lang="en-US" smtClean="0">
                 <a:latin typeface="Arial" charset="0"/>
               </a:rPr>
@@ -1225,7 +1225,7 @@
       </p:grpSpPr>
       <p:sp>
         <p:nvSpPr>
-          <p:cNvPr id="57346" name="Slide Image Placeholder 1"/>
+          <p:cNvPr id="52226" name="Slide Image Placeholder 1"/>
           <p:cNvSpPr>
             <a:spLocks noGrp="1" noRot="1" noChangeAspect="1" noTextEdit="1"/>
           </p:cNvSpPr>
@@ -1239,7 +1239,7 @@
       </p:sp>
       <p:sp>
         <p:nvSpPr>
-          <p:cNvPr id="57347" name="Notes Placeholder 2"/>
+          <p:cNvPr id="52227" name="Notes Placeholder 2"/>
           <p:cNvSpPr>
             <a:spLocks noGrp="1"/>
           </p:cNvSpPr>
@@ -1266,7 +1266,7 @@
       </p:sp>
       <p:sp>
         <p:nvSpPr>
-          <p:cNvPr id="57348" name="Slide Number Placeholder 3"/>
+          <p:cNvPr id="52228" name="Slide Number Placeholder 3"/>
           <p:cNvSpPr>
             <a:spLocks noGrp="1"/>
           </p:cNvSpPr>
@@ -1281,7 +1281,7 @@
           <a:bodyPr/>
           <a:lstStyle/>
           <a:p>
-            <a:fld id="{D803FA58-57E6-4E21-AE9F-D7ED66ACA437}" type="slidenum">
+            <a:fld id="{FE95819D-BA6A-4CFC-ABB8-DEFE230ADC9E}" type="slidenum">
               <a:rPr lang="en-US" smtClean="0">
                 <a:latin typeface="Arial" charset="0"/>
               </a:rPr>
@@ -1370,7 +1370,7 @@
             <a:pPr>
               <a:defRPr/>
             </a:pPr>
-            <a:fld id="{5EB9CEA1-0BE5-48E2-94F1-5297DBA1EAC6}" type="slidenum">
+            <a:fld id="{32E7F0F2-7B87-411D-B9A5-C6A258836D84}" type="slidenum">
               <a:rPr lang="en-US" smtClean="0"/>
               <a:pPr>
                 <a:defRPr/>
@@ -1457,7 +1457,7 @@
             <a:pPr>
               <a:defRPr/>
             </a:pPr>
-            <a:fld id="{5EB9CEA1-0BE5-48E2-94F1-5297DBA1EAC6}" type="slidenum">
+            <a:fld id="{32E7F0F2-7B87-411D-B9A5-C6A258836D84}" type="slidenum">
               <a:rPr lang="en-US" smtClean="0"/>
               <a:pPr>
                 <a:defRPr/>
@@ -1544,7 +1544,7 @@
             <a:pPr>
               <a:defRPr/>
             </a:pPr>
-            <a:fld id="{5EB9CEA1-0BE5-48E2-94F1-5297DBA1EAC6}" type="slidenum">
+            <a:fld id="{32E7F0F2-7B87-411D-B9A5-C6A258836D84}" type="slidenum">
               <a:rPr lang="en-US" smtClean="0"/>
               <a:pPr>
                 <a:defRPr/>
@@ -1631,7 +1631,7 @@
             <a:pPr>
               <a:defRPr/>
             </a:pPr>
-            <a:fld id="{5EB9CEA1-0BE5-48E2-94F1-5297DBA1EAC6}" type="slidenum">
+            <a:fld id="{32E7F0F2-7B87-411D-B9A5-C6A258836D84}" type="slidenum">
               <a:rPr lang="en-US" smtClean="0"/>
               <a:pPr>
                 <a:defRPr/>
@@ -1718,7 +1718,7 @@
             <a:pPr>
               <a:defRPr/>
             </a:pPr>
-            <a:fld id="{5EB9CEA1-0BE5-48E2-94F1-5297DBA1EAC6}" type="slidenum">
+            <a:fld id="{32E7F0F2-7B87-411D-B9A5-C6A258836D84}" type="slidenum">
               <a:rPr lang="en-US" smtClean="0"/>
               <a:pPr>
                 <a:defRPr/>
@@ -1756,7 +1756,7 @@
       </p:grpSpPr>
       <p:sp>
         <p:nvSpPr>
-          <p:cNvPr id="58370" name="Slide Image Placeholder 1"/>
+          <p:cNvPr id="53250" name="Slide Image Placeholder 1"/>
           <p:cNvSpPr>
             <a:spLocks noGrp="1" noRot="1" noChangeAspect="1" noTextEdit="1"/>
           </p:cNvSpPr>
@@ -1770,7 +1770,7 @@
       </p:sp>
       <p:sp>
         <p:nvSpPr>
-          <p:cNvPr id="58371" name="Notes Placeholder 2"/>
+          <p:cNvPr id="53251" name="Notes Placeholder 2"/>
           <p:cNvSpPr>
             <a:spLocks noGrp="1"/>
           </p:cNvSpPr>
@@ -1795,7 +1795,7 @@
       </p:sp>
       <p:sp>
         <p:nvSpPr>
-          <p:cNvPr id="58372" name="Slide Number Placeholder 3"/>
+          <p:cNvPr id="53252" name="Slide Number Placeholder 3"/>
           <p:cNvSpPr>
             <a:spLocks noGrp="1"/>
           </p:cNvSpPr>
@@ -1810,7 +1810,7 @@
           <a:bodyPr/>
           <a:lstStyle/>
           <a:p>
-            <a:fld id="{FA5DC46A-BEA1-4AF0-8F77-7F778BAA1D5A}" type="slidenum">
+            <a:fld id="{00587053-903A-43EF-8565-436E2615098E}" type="slidenum">
               <a:rPr lang="en-US" smtClean="0">
                 <a:latin typeface="Arial" charset="0"/>
               </a:rPr>
@@ -1850,7 +1850,7 @@
       </p:grpSpPr>
       <p:sp>
         <p:nvSpPr>
-          <p:cNvPr id="59394" name="Slide Image Placeholder 1"/>
+          <p:cNvPr id="54274" name="Slide Image Placeholder 1"/>
           <p:cNvSpPr>
             <a:spLocks noGrp="1" noRot="1" noChangeAspect="1" noTextEdit="1"/>
           </p:cNvSpPr>
@@ -1864,7 +1864,7 @@
       </p:sp>
       <p:sp>
         <p:nvSpPr>
-          <p:cNvPr id="59395" name="Notes Placeholder 2"/>
+          <p:cNvPr id="54275" name="Notes Placeholder 2"/>
           <p:cNvSpPr>
             <a:spLocks noGrp="1"/>
           </p:cNvSpPr>
@@ -1889,7 +1889,7 @@
       </p:sp>
       <p:sp>
         <p:nvSpPr>
-          <p:cNvPr id="59396" name="Slide Number Placeholder 3"/>
+          <p:cNvPr id="54276" name="Slide Number Placeholder 3"/>
           <p:cNvSpPr>
             <a:spLocks noGrp="1"/>
           </p:cNvSpPr>
@@ -1904,7 +1904,7 @@
           <a:bodyPr/>
           <a:lstStyle/>
           <a:p>
-            <a:fld id="{394B9123-6524-4282-B2CA-C5E11AEF3FBB}" type="slidenum">
+            <a:fld id="{7523466A-BBCD-4B33-BABE-8DECDE70EA0F}" type="slidenum">
               <a:rPr lang="en-US" smtClean="0">
                 <a:latin typeface="Arial" charset="0"/>
               </a:rPr>
@@ -1993,7 +1993,7 @@
             <a:pPr>
               <a:defRPr/>
             </a:pPr>
-            <a:fld id="{5EB9CEA1-0BE5-48E2-94F1-5297DBA1EAC6}" type="slidenum">
+            <a:fld id="{32E7F0F2-7B87-411D-B9A5-C6A258836D84}" type="slidenum">
               <a:rPr lang="en-US" smtClean="0"/>
               <a:pPr>
                 <a:defRPr/>
@@ -2080,7 +2080,7 @@
             <a:pPr>
               <a:defRPr/>
             </a:pPr>
-            <a:fld id="{5EB9CEA1-0BE5-48E2-94F1-5297DBA1EAC6}" type="slidenum">
+            <a:fld id="{32E7F0F2-7B87-411D-B9A5-C6A258836D84}" type="slidenum">
               <a:rPr lang="en-US" smtClean="0"/>
               <a:pPr>
                 <a:defRPr/>
@@ -2167,7 +2167,7 @@
             <a:pPr>
               <a:defRPr/>
             </a:pPr>
-            <a:fld id="{5EB9CEA1-0BE5-48E2-94F1-5297DBA1EAC6}" type="slidenum">
+            <a:fld id="{32E7F0F2-7B87-411D-B9A5-C6A258836D84}" type="slidenum">
               <a:rPr lang="en-US" smtClean="0"/>
               <a:pPr>
                 <a:defRPr/>
@@ -2254,7 +2254,7 @@
             <a:pPr>
               <a:defRPr/>
             </a:pPr>
-            <a:fld id="{5EB9CEA1-0BE5-48E2-94F1-5297DBA1EAC6}" type="slidenum">
+            <a:fld id="{32E7F0F2-7B87-411D-B9A5-C6A258836D84}" type="slidenum">
               <a:rPr lang="en-US" smtClean="0"/>
               <a:pPr>
                 <a:defRPr/>
@@ -2292,7 +2292,7 @@
       </p:grpSpPr>
       <p:sp>
         <p:nvSpPr>
-          <p:cNvPr id="60418" name="Rectangle 2"/>
+          <p:cNvPr id="55298" name="Rectangle 2"/>
           <p:cNvSpPr>
             <a:spLocks noRot="1" noChangeArrowheads="1" noTextEdit="1"/>
           </p:cNvSpPr>
@@ -2306,7 +2306,7 @@
       </p:sp>
       <p:sp>
         <p:nvSpPr>
-          <p:cNvPr id="60419" name="Rectangle 3"/>
+          <p:cNvPr id="55299" name="Rectangle 3"/>
           <p:cNvSpPr>
             <a:spLocks noGrp="1" noChangeArrowheads="1"/>
           </p:cNvSpPr>
@@ -2355,7 +2355,7 @@
       </p:grpSpPr>
       <p:sp>
         <p:nvSpPr>
-          <p:cNvPr id="61442" name="Rectangle 2"/>
+          <p:cNvPr id="56322" name="Rectangle 2"/>
           <p:cNvSpPr>
             <a:spLocks noRot="1" noChangeArrowheads="1" noTextEdit="1"/>
           </p:cNvSpPr>
@@ -2369,7 +2369,7 @@
       </p:sp>
       <p:sp>
         <p:nvSpPr>
-          <p:cNvPr id="61443" name="Rectangle 3"/>
+          <p:cNvPr id="56323" name="Rectangle 3"/>
           <p:cNvSpPr>
             <a:spLocks noGrp="1" noChangeArrowheads="1"/>
           </p:cNvSpPr>
@@ -2418,7 +2418,7 @@
       </p:grpSpPr>
       <p:sp>
         <p:nvSpPr>
-          <p:cNvPr id="62466" name="Rectangle 2"/>
+          <p:cNvPr id="57346" name="Rectangle 2"/>
           <p:cNvSpPr>
             <a:spLocks noRot="1" noChangeArrowheads="1" noTextEdit="1"/>
           </p:cNvSpPr>
@@ -2432,7 +2432,7 @@
       </p:sp>
       <p:sp>
         <p:nvSpPr>
-          <p:cNvPr id="62467" name="Rectangle 3"/>
+          <p:cNvPr id="57347" name="Rectangle 3"/>
           <p:cNvSpPr>
             <a:spLocks noGrp="1" noChangeArrowheads="1"/>
           </p:cNvSpPr>
@@ -2481,7 +2481,7 @@
       </p:grpSpPr>
       <p:sp>
         <p:nvSpPr>
-          <p:cNvPr id="53250" name="Slide Image Placeholder 1"/>
+          <p:cNvPr id="48130" name="Slide Image Placeholder 1"/>
           <p:cNvSpPr>
             <a:spLocks noGrp="1" noRot="1" noChangeAspect="1" noTextEdit="1"/>
           </p:cNvSpPr>
@@ -2495,7 +2495,7 @@
       </p:sp>
       <p:sp>
         <p:nvSpPr>
-          <p:cNvPr id="53251" name="Notes Placeholder 2"/>
+          <p:cNvPr id="48131" name="Notes Placeholder 2"/>
           <p:cNvSpPr>
             <a:spLocks noGrp="1"/>
           </p:cNvSpPr>
@@ -2519,7 +2519,7 @@
       </p:sp>
       <p:sp>
         <p:nvSpPr>
-          <p:cNvPr id="53252" name="Slide Number Placeholder 3"/>
+          <p:cNvPr id="48132" name="Slide Number Placeholder 3"/>
           <p:cNvSpPr>
             <a:spLocks noGrp="1"/>
           </p:cNvSpPr>
@@ -2534,7 +2534,7 @@
           <a:bodyPr/>
           <a:lstStyle/>
           <a:p>
-            <a:fld id="{E24E0A56-49E1-4DB3-8CDB-9E16A684C963}" type="slidenum">
+            <a:fld id="{F10EF400-AED2-41F8-8C3C-07885F283DC0}" type="slidenum">
               <a:rPr lang="en-US" smtClean="0">
                 <a:latin typeface="Arial" charset="0"/>
               </a:rPr>
@@ -2574,7 +2574,7 @@
       </p:grpSpPr>
       <p:sp>
         <p:nvSpPr>
-          <p:cNvPr id="63490" name="Rectangle 2"/>
+          <p:cNvPr id="58370" name="Rectangle 2"/>
           <p:cNvSpPr>
             <a:spLocks noRot="1" noChangeArrowheads="1" noTextEdit="1"/>
           </p:cNvSpPr>
@@ -2588,7 +2588,7 @@
       </p:sp>
       <p:sp>
         <p:nvSpPr>
-          <p:cNvPr id="63491" name="Rectangle 3"/>
+          <p:cNvPr id="58371" name="Rectangle 3"/>
           <p:cNvSpPr>
             <a:spLocks noGrp="1" noChangeArrowheads="1"/>
           </p:cNvSpPr>
@@ -2637,7 +2637,7 @@
       </p:grpSpPr>
       <p:sp>
         <p:nvSpPr>
-          <p:cNvPr id="64514" name="Rectangle 2"/>
+          <p:cNvPr id="59394" name="Rectangle 2"/>
           <p:cNvSpPr>
             <a:spLocks noRot="1" noChangeArrowheads="1" noTextEdit="1"/>
           </p:cNvSpPr>
@@ -2651,7 +2651,7 @@
       </p:sp>
       <p:sp>
         <p:nvSpPr>
-          <p:cNvPr id="64515" name="Rectangle 3"/>
+          <p:cNvPr id="59395" name="Rectangle 3"/>
           <p:cNvSpPr>
             <a:spLocks noGrp="1" noChangeArrowheads="1"/>
           </p:cNvSpPr>
@@ -2700,7 +2700,7 @@
       </p:grpSpPr>
       <p:sp>
         <p:nvSpPr>
-          <p:cNvPr id="65538" name="Rectangle 2"/>
+          <p:cNvPr id="60418" name="Rectangle 2"/>
           <p:cNvSpPr>
             <a:spLocks noRot="1" noChangeArrowheads="1" noTextEdit="1"/>
           </p:cNvSpPr>
@@ -2714,7 +2714,7 @@
       </p:sp>
       <p:sp>
         <p:nvSpPr>
-          <p:cNvPr id="65539" name="Rectangle 3"/>
+          <p:cNvPr id="60419" name="Rectangle 3"/>
           <p:cNvSpPr>
             <a:spLocks noGrp="1" noChangeArrowheads="1"/>
           </p:cNvSpPr>
@@ -2812,7 +2812,7 @@
             <a:pPr>
               <a:defRPr/>
             </a:pPr>
-            <a:fld id="{5EB9CEA1-0BE5-48E2-94F1-5297DBA1EAC6}" type="slidenum">
+            <a:fld id="{32E7F0F2-7B87-411D-B9A5-C6A258836D84}" type="slidenum">
               <a:rPr lang="en-US" smtClean="0"/>
               <a:pPr>
                 <a:defRPr/>
@@ -2899,7 +2899,7 @@
             <a:pPr>
               <a:defRPr/>
             </a:pPr>
-            <a:fld id="{5EB9CEA1-0BE5-48E2-94F1-5297DBA1EAC6}" type="slidenum">
+            <a:fld id="{32E7F0F2-7B87-411D-B9A5-C6A258836D84}" type="slidenum">
               <a:rPr lang="en-US" smtClean="0"/>
               <a:pPr>
                 <a:defRPr/>
@@ -2986,7 +2986,7 @@
             <a:pPr>
               <a:defRPr/>
             </a:pPr>
-            <a:fld id="{5EB9CEA1-0BE5-48E2-94F1-5297DBA1EAC6}" type="slidenum">
+            <a:fld id="{32E7F0F2-7B87-411D-B9A5-C6A258836D84}" type="slidenum">
               <a:rPr lang="en-US" smtClean="0"/>
               <a:pPr>
                 <a:defRPr/>
@@ -3073,7 +3073,7 @@
             <a:pPr>
               <a:defRPr/>
             </a:pPr>
-            <a:fld id="{5EB9CEA1-0BE5-48E2-94F1-5297DBA1EAC6}" type="slidenum">
+            <a:fld id="{32E7F0F2-7B87-411D-B9A5-C6A258836D84}" type="slidenum">
               <a:rPr lang="en-US" smtClean="0"/>
               <a:pPr>
                 <a:defRPr/>
@@ -3160,7 +3160,7 @@
             <a:pPr>
               <a:defRPr/>
             </a:pPr>
-            <a:fld id="{5EB9CEA1-0BE5-48E2-94F1-5297DBA1EAC6}" type="slidenum">
+            <a:fld id="{32E7F0F2-7B87-411D-B9A5-C6A258836D84}" type="slidenum">
               <a:rPr lang="en-US" smtClean="0"/>
               <a:pPr>
                 <a:defRPr/>
@@ -3247,7 +3247,7 @@
             <a:pPr>
               <a:defRPr/>
             </a:pPr>
-            <a:fld id="{5EB9CEA1-0BE5-48E2-94F1-5297DBA1EAC6}" type="slidenum">
+            <a:fld id="{32E7F0F2-7B87-411D-B9A5-C6A258836D84}" type="slidenum">
               <a:rPr lang="en-US" smtClean="0"/>
               <a:pPr>
                 <a:defRPr/>
@@ -3334,7 +3334,7 @@
             <a:pPr>
               <a:defRPr/>
             </a:pPr>
-            <a:fld id="{5EB9CEA1-0BE5-48E2-94F1-5297DBA1EAC6}" type="slidenum">
+            <a:fld id="{32E7F0F2-7B87-411D-B9A5-C6A258836D84}" type="slidenum">
               <a:rPr lang="en-US" smtClean="0"/>
               <a:pPr>
                 <a:defRPr/>
@@ -3421,7 +3421,7 @@
             <a:pPr>
               <a:defRPr/>
             </a:pPr>
-            <a:fld id="{5EB9CEA1-0BE5-48E2-94F1-5297DBA1EAC6}" type="slidenum">
+            <a:fld id="{32E7F0F2-7B87-411D-B9A5-C6A258836D84}" type="slidenum">
               <a:rPr lang="en-US" smtClean="0"/>
               <a:pPr>
                 <a:defRPr/>
@@ -3508,7 +3508,7 @@
             <a:pPr>
               <a:defRPr/>
             </a:pPr>
-            <a:fld id="{5EB9CEA1-0BE5-48E2-94F1-5297DBA1EAC6}" type="slidenum">
+            <a:fld id="{32E7F0F2-7B87-411D-B9A5-C6A258836D84}" type="slidenum">
               <a:rPr lang="en-US" smtClean="0"/>
               <a:pPr>
                 <a:defRPr/>
@@ -3595,7 +3595,7 @@
             <a:pPr>
               <a:defRPr/>
             </a:pPr>
-            <a:fld id="{5EB9CEA1-0BE5-48E2-94F1-5297DBA1EAC6}" type="slidenum">
+            <a:fld id="{32E7F0F2-7B87-411D-B9A5-C6A258836D84}" type="slidenum">
               <a:rPr lang="en-US" smtClean="0"/>
               <a:pPr>
                 <a:defRPr/>
@@ -3633,7 +3633,7 @@
       </p:grpSpPr>
       <p:sp>
         <p:nvSpPr>
-          <p:cNvPr id="66562" name="Rectangle 7"/>
+          <p:cNvPr id="61442" name="Rectangle 7"/>
           <p:cNvSpPr>
             <a:spLocks noGrp="1" noChangeArrowheads="1"/>
           </p:cNvSpPr>
@@ -3648,7 +3648,7 @@
           <a:bodyPr/>
           <a:lstStyle/>
           <a:p>
-            <a:fld id="{6637489C-46F6-46F5-B708-15E37C78F40F}" type="slidenum">
+            <a:fld id="{C3583502-928D-4C66-B9F1-BF8C2886F4F4}" type="slidenum">
               <a:rPr lang="en-US" smtClean="0">
                 <a:latin typeface="Arial" charset="0"/>
               </a:rPr>
@@ -3663,7 +3663,7 @@
       </p:sp>
       <p:sp>
         <p:nvSpPr>
-          <p:cNvPr id="66563" name="Rectangle 2"/>
+          <p:cNvPr id="61443" name="Rectangle 2"/>
           <p:cNvSpPr>
             <a:spLocks noGrp="1" noRot="1" noChangeAspect="1" noChangeArrowheads="1" noTextEdit="1"/>
           </p:cNvSpPr>
@@ -3681,7 +3681,7 @@
       </p:sp>
       <p:sp>
         <p:nvSpPr>
-          <p:cNvPr id="66564" name="Rectangle 3"/>
+          <p:cNvPr id="61444" name="Rectangle 3"/>
           <p:cNvSpPr>
             <a:spLocks noGrp="1" noChangeArrowheads="1"/>
           </p:cNvSpPr>
@@ -3731,7 +3731,7 @@
       </p:grpSpPr>
       <p:sp>
         <p:nvSpPr>
-          <p:cNvPr id="67586" name="Rectangle 7"/>
+          <p:cNvPr id="62466" name="Rectangle 7"/>
           <p:cNvSpPr>
             <a:spLocks noGrp="1" noChangeArrowheads="1"/>
           </p:cNvSpPr>
@@ -3746,7 +3746,7 @@
           <a:bodyPr/>
           <a:lstStyle/>
           <a:p>
-            <a:fld id="{99F44722-CE51-46E7-AEFE-6917377D8AAD}" type="slidenum">
+            <a:fld id="{B62F4DCE-0A17-4BD6-AA99-C7EEEECBB617}" type="slidenum">
               <a:rPr lang="en-US" smtClean="0">
                 <a:latin typeface="Arial" charset="0"/>
               </a:rPr>
@@ -3761,7 +3761,7 @@
       </p:sp>
       <p:sp>
         <p:nvSpPr>
-          <p:cNvPr id="67587" name="Rectangle 2"/>
+          <p:cNvPr id="62467" name="Rectangle 2"/>
           <p:cNvSpPr>
             <a:spLocks noGrp="1" noRot="1" noChangeAspect="1" noChangeArrowheads="1" noTextEdit="1"/>
           </p:cNvSpPr>
@@ -3779,7 +3779,7 @@
       </p:sp>
       <p:sp>
         <p:nvSpPr>
-          <p:cNvPr id="67588" name="Rectangle 3"/>
+          <p:cNvPr id="62468" name="Rectangle 3"/>
           <p:cNvSpPr>
             <a:spLocks noGrp="1" noChangeArrowheads="1"/>
           </p:cNvSpPr>
@@ -3878,7 +3878,7 @@
             <a:pPr>
               <a:defRPr/>
             </a:pPr>
-            <a:fld id="{5EB9CEA1-0BE5-48E2-94F1-5297DBA1EAC6}" type="slidenum">
+            <a:fld id="{32E7F0F2-7B87-411D-B9A5-C6A258836D84}" type="slidenum">
               <a:rPr lang="en-US" smtClean="0"/>
               <a:pPr>
                 <a:defRPr/>
@@ -3965,7 +3965,7 @@
             <a:pPr>
               <a:defRPr/>
             </a:pPr>
-            <a:fld id="{5EB9CEA1-0BE5-48E2-94F1-5297DBA1EAC6}" type="slidenum">
+            <a:fld id="{32E7F0F2-7B87-411D-B9A5-C6A258836D84}" type="slidenum">
               <a:rPr lang="en-US" smtClean="0"/>
               <a:pPr>
                 <a:defRPr/>
@@ -4052,7 +4052,7 @@
             <a:pPr>
               <a:defRPr/>
             </a:pPr>
-            <a:fld id="{5EB9CEA1-0BE5-48E2-94F1-5297DBA1EAC6}" type="slidenum">
+            <a:fld id="{32E7F0F2-7B87-411D-B9A5-C6A258836D84}" type="slidenum">
               <a:rPr lang="en-US" smtClean="0"/>
               <a:pPr>
                 <a:defRPr/>
@@ -4139,7 +4139,7 @@
             <a:pPr>
               <a:defRPr/>
             </a:pPr>
-            <a:fld id="{5EB9CEA1-0BE5-48E2-94F1-5297DBA1EAC6}" type="slidenum">
+            <a:fld id="{32E7F0F2-7B87-411D-B9A5-C6A258836D84}" type="slidenum">
               <a:rPr lang="en-US" smtClean="0"/>
               <a:pPr>
                 <a:defRPr/>
@@ -4226,7 +4226,7 @@
             <a:pPr>
               <a:defRPr/>
             </a:pPr>
-            <a:fld id="{5EB9CEA1-0BE5-48E2-94F1-5297DBA1EAC6}" type="slidenum">
+            <a:fld id="{32E7F0F2-7B87-411D-B9A5-C6A258836D84}" type="slidenum">
               <a:rPr lang="en-US" smtClean="0"/>
               <a:pPr>
                 <a:defRPr/>
@@ -4313,7 +4313,7 @@
             <a:pPr>
               <a:defRPr/>
             </a:pPr>
-            <a:fld id="{5EB9CEA1-0BE5-48E2-94F1-5297DBA1EAC6}" type="slidenum">
+            <a:fld id="{32E7F0F2-7B87-411D-B9A5-C6A258836D84}" type="slidenum">
               <a:rPr lang="en-US" smtClean="0"/>
               <a:pPr>
                 <a:defRPr/>
@@ -4389,153 +4389,38 @@
           <a:p>
             <a:pPr lvl="0"/>
             <a:r>
-              <a:rPr lang="en-US" smtClean="0"/>
+              <a:rPr lang="en-US" dirty="0" smtClean="0"/>
               <a:t>Click to edit Master text styles</a:t>
             </a:r>
           </a:p>
           <a:p>
             <a:pPr lvl="1"/>
             <a:r>
-              <a:rPr lang="en-US" smtClean="0"/>
+              <a:rPr lang="en-US" dirty="0" smtClean="0"/>
               <a:t>Second level</a:t>
             </a:r>
           </a:p>
           <a:p>
             <a:pPr lvl="2"/>
             <a:r>
-              <a:rPr lang="en-US" smtClean="0"/>
+              <a:rPr lang="en-US" dirty="0" smtClean="0"/>
               <a:t>Third level</a:t>
             </a:r>
           </a:p>
           <a:p>
             <a:pPr lvl="3"/>
             <a:r>
-              <a:rPr lang="en-US" smtClean="0"/>
+              <a:rPr lang="en-US" dirty="0" smtClean="0"/>
               <a:t>Fourth level</a:t>
             </a:r>
           </a:p>
           <a:p>
             <a:pPr lvl="4"/>
             <a:r>
-              <a:rPr lang="en-US" smtClean="0"/>
+              <a:rPr lang="en-US" dirty="0" smtClean="0"/>
               <a:t>Fifth level</a:t>
             </a:r>
-            <a:endParaRPr lang="en-US"/>
-          </a:p>
-        </p:txBody>
-      </p:sp>
-      <p:sp>
-        <p:nvSpPr>
-          <p:cNvPr id="4" name="Rectangle 5"/>
-          <p:cNvSpPr>
-            <a:spLocks noGrp="1" noChangeArrowheads="1"/>
-          </p:cNvSpPr>
-          <p:nvPr>
-            <p:ph type="dt" sz="half" idx="10"/>
-          </p:nvPr>
-        </p:nvSpPr>
-        <p:spPr>
-          <a:xfrm>
-            <a:off x="355600" y="6445250"/>
-            <a:ext cx="2133600" cy="206375"/>
-          </a:xfrm>
-          <a:prstGeom prst="rect">
-            <a:avLst/>
-          </a:prstGeom>
-        </p:spPr>
-        <p:txBody>
-          <a:bodyPr/>
-          <a:lstStyle>
-            <a:lvl1pPr>
-              <a:defRPr>
-                <a:latin typeface="Arial" pitchFamily="34" charset="0"/>
-              </a:defRPr>
-            </a:lvl1pPr>
-          </a:lstStyle>
-          <a:p>
-            <a:pPr>
-              <a:defRPr/>
-            </a:pPr>
-            <a:endParaRPr lang="en-US"/>
-          </a:p>
-        </p:txBody>
-      </p:sp>
-      <p:sp>
-        <p:nvSpPr>
-          <p:cNvPr id="5" name="Rectangle 6"/>
-          <p:cNvSpPr>
-            <a:spLocks noGrp="1" noChangeArrowheads="1"/>
-          </p:cNvSpPr>
-          <p:nvPr>
-            <p:ph type="ftr" sz="quarter" idx="11"/>
-          </p:nvPr>
-        </p:nvSpPr>
-        <p:spPr>
-          <a:xfrm>
-            <a:off x="2667000" y="6477000"/>
-            <a:ext cx="3810000" cy="174625"/>
-          </a:xfrm>
-          <a:prstGeom prst="rect">
-            <a:avLst/>
-          </a:prstGeom>
-        </p:spPr>
-        <p:txBody>
-          <a:bodyPr/>
-          <a:lstStyle>
-            <a:lvl1pPr>
-              <a:defRPr>
-                <a:latin typeface="Arial" pitchFamily="34" charset="0"/>
-              </a:defRPr>
-            </a:lvl1pPr>
-          </a:lstStyle>
-          <a:p>
-            <a:pPr>
-              <a:defRPr/>
-            </a:pPr>
-            <a:endParaRPr lang="en-US"/>
-          </a:p>
-        </p:txBody>
-      </p:sp>
-      <p:sp>
-        <p:nvSpPr>
-          <p:cNvPr id="6" name="Rectangle 7"/>
-          <p:cNvSpPr>
-            <a:spLocks noGrp="1" noChangeArrowheads="1"/>
-          </p:cNvSpPr>
-          <p:nvPr>
-            <p:ph type="sldNum" sz="quarter" idx="12"/>
-          </p:nvPr>
-        </p:nvSpPr>
-        <p:spPr>
-          <a:xfrm>
-            <a:off x="6642100" y="6445250"/>
-            <a:ext cx="2133600" cy="206375"/>
-          </a:xfrm>
-          <a:prstGeom prst="rect">
-            <a:avLst/>
-          </a:prstGeom>
-        </p:spPr>
-        <p:txBody>
-          <a:bodyPr/>
-          <a:lstStyle>
-            <a:lvl1pPr>
-              <a:defRPr>
-                <a:latin typeface="Arial" pitchFamily="34" charset="0"/>
-              </a:defRPr>
-            </a:lvl1pPr>
-          </a:lstStyle>
-          <a:p>
-            <a:pPr>
-              <a:defRPr/>
-            </a:pPr>
-            <a:fld id="{88925C42-22E7-44C8-B11B-C4134FF89D7E}" type="slidenum">
-              <a:rPr lang="en-US"/>
-              <a:pPr>
-                <a:defRPr/>
-              </a:pPr>
-              <a:t>‹#›</a:t>
-            </a:fld>
-            <a:endParaRPr lang="en-US"/>
+            <a:endParaRPr lang="en-US" dirty="0"/>
           </a:p>
         </p:txBody>
       </p:sp>
@@ -4706,121 +4591,6 @@
           </a:p>
         </p:txBody>
       </p:sp>
-      <p:sp>
-        <p:nvSpPr>
-          <p:cNvPr id="5" name="Rectangle 5"/>
-          <p:cNvSpPr>
-            <a:spLocks noGrp="1" noChangeArrowheads="1"/>
-          </p:cNvSpPr>
-          <p:nvPr>
-            <p:ph type="dt" sz="half" idx="10"/>
-          </p:nvPr>
-        </p:nvSpPr>
-        <p:spPr>
-          <a:xfrm>
-            <a:off x="355600" y="6445250"/>
-            <a:ext cx="2133600" cy="206375"/>
-          </a:xfrm>
-          <a:prstGeom prst="rect">
-            <a:avLst/>
-          </a:prstGeom>
-        </p:spPr>
-        <p:txBody>
-          <a:bodyPr/>
-          <a:lstStyle>
-            <a:lvl1pPr>
-              <a:defRPr>
-                <a:latin typeface="Arial" pitchFamily="34" charset="0"/>
-              </a:defRPr>
-            </a:lvl1pPr>
-          </a:lstStyle>
-          <a:p>
-            <a:pPr>
-              <a:defRPr/>
-            </a:pPr>
-            <a:endParaRPr lang="en-US"/>
-          </a:p>
-        </p:txBody>
-      </p:sp>
-      <p:sp>
-        <p:nvSpPr>
-          <p:cNvPr id="6" name="Rectangle 6"/>
-          <p:cNvSpPr>
-            <a:spLocks noGrp="1" noChangeArrowheads="1"/>
-          </p:cNvSpPr>
-          <p:nvPr>
-            <p:ph type="ftr" sz="quarter" idx="11"/>
-          </p:nvPr>
-        </p:nvSpPr>
-        <p:spPr>
-          <a:xfrm>
-            <a:off x="2667000" y="6477000"/>
-            <a:ext cx="3810000" cy="174625"/>
-          </a:xfrm>
-          <a:prstGeom prst="rect">
-            <a:avLst/>
-          </a:prstGeom>
-        </p:spPr>
-        <p:txBody>
-          <a:bodyPr/>
-          <a:lstStyle>
-            <a:lvl1pPr>
-              <a:defRPr>
-                <a:latin typeface="Arial" pitchFamily="34" charset="0"/>
-              </a:defRPr>
-            </a:lvl1pPr>
-          </a:lstStyle>
-          <a:p>
-            <a:pPr>
-              <a:defRPr/>
-            </a:pPr>
-            <a:endParaRPr lang="en-US"/>
-          </a:p>
-        </p:txBody>
-      </p:sp>
-      <p:sp>
-        <p:nvSpPr>
-          <p:cNvPr id="7" name="Rectangle 7"/>
-          <p:cNvSpPr>
-            <a:spLocks noGrp="1" noChangeArrowheads="1"/>
-          </p:cNvSpPr>
-          <p:nvPr>
-            <p:ph type="sldNum" sz="quarter" idx="12"/>
-          </p:nvPr>
-        </p:nvSpPr>
-        <p:spPr>
-          <a:xfrm>
-            <a:off x="6642100" y="6445250"/>
-            <a:ext cx="2133600" cy="206375"/>
-          </a:xfrm>
-          <a:prstGeom prst="rect">
-            <a:avLst/>
-          </a:prstGeom>
-        </p:spPr>
-        <p:txBody>
-          <a:bodyPr/>
-          <a:lstStyle>
-            <a:lvl1pPr>
-              <a:defRPr>
-                <a:latin typeface="Arial" pitchFamily="34" charset="0"/>
-              </a:defRPr>
-            </a:lvl1pPr>
-          </a:lstStyle>
-          <a:p>
-            <a:pPr>
-              <a:defRPr/>
-            </a:pPr>
-            <a:fld id="{80CA4913-9564-413D-B4A1-E320EA02647E}" type="slidenum">
-              <a:rPr lang="en-US"/>
-              <a:pPr>
-                <a:defRPr/>
-              </a:pPr>
-              <a:t>‹#›</a:t>
-            </a:fld>
-            <a:endParaRPr lang="en-US"/>
-          </a:p>
-        </p:txBody>
-      </p:sp>
     </p:spTree>
   </p:cSld>
   <p:clrMapOvr>
@@ -5041,121 +4811,6 @@
               <a:rPr lang="en-US" smtClean="0"/>
               <a:t>Fifth level</a:t>
             </a:r>
-            <a:endParaRPr lang="en-US"/>
-          </a:p>
-        </p:txBody>
-      </p:sp>
-      <p:sp>
-        <p:nvSpPr>
-          <p:cNvPr id="6" name="Rectangle 5"/>
-          <p:cNvSpPr>
-            <a:spLocks noGrp="1" noChangeArrowheads="1"/>
-          </p:cNvSpPr>
-          <p:nvPr>
-            <p:ph type="dt" sz="half" idx="10"/>
-          </p:nvPr>
-        </p:nvSpPr>
-        <p:spPr>
-          <a:xfrm>
-            <a:off x="355600" y="6445250"/>
-            <a:ext cx="2133600" cy="206375"/>
-          </a:xfrm>
-          <a:prstGeom prst="rect">
-            <a:avLst/>
-          </a:prstGeom>
-        </p:spPr>
-        <p:txBody>
-          <a:bodyPr/>
-          <a:lstStyle>
-            <a:lvl1pPr>
-              <a:defRPr>
-                <a:latin typeface="Arial" pitchFamily="34" charset="0"/>
-              </a:defRPr>
-            </a:lvl1pPr>
-          </a:lstStyle>
-          <a:p>
-            <a:pPr>
-              <a:defRPr/>
-            </a:pPr>
-            <a:endParaRPr lang="en-US"/>
-          </a:p>
-        </p:txBody>
-      </p:sp>
-      <p:sp>
-        <p:nvSpPr>
-          <p:cNvPr id="7" name="Rectangle 6"/>
-          <p:cNvSpPr>
-            <a:spLocks noGrp="1" noChangeArrowheads="1"/>
-          </p:cNvSpPr>
-          <p:nvPr>
-            <p:ph type="ftr" sz="quarter" idx="11"/>
-          </p:nvPr>
-        </p:nvSpPr>
-        <p:spPr>
-          <a:xfrm>
-            <a:off x="2667000" y="6477000"/>
-            <a:ext cx="3810000" cy="174625"/>
-          </a:xfrm>
-          <a:prstGeom prst="rect">
-            <a:avLst/>
-          </a:prstGeom>
-        </p:spPr>
-        <p:txBody>
-          <a:bodyPr/>
-          <a:lstStyle>
-            <a:lvl1pPr>
-              <a:defRPr>
-                <a:latin typeface="Arial" pitchFamily="34" charset="0"/>
-              </a:defRPr>
-            </a:lvl1pPr>
-          </a:lstStyle>
-          <a:p>
-            <a:pPr>
-              <a:defRPr/>
-            </a:pPr>
-            <a:endParaRPr lang="en-US"/>
-          </a:p>
-        </p:txBody>
-      </p:sp>
-      <p:sp>
-        <p:nvSpPr>
-          <p:cNvPr id="8" name="Rectangle 7"/>
-          <p:cNvSpPr>
-            <a:spLocks noGrp="1" noChangeArrowheads="1"/>
-          </p:cNvSpPr>
-          <p:nvPr>
-            <p:ph type="sldNum" sz="quarter" idx="12"/>
-          </p:nvPr>
-        </p:nvSpPr>
-        <p:spPr>
-          <a:xfrm>
-            <a:off x="6642100" y="6445250"/>
-            <a:ext cx="2133600" cy="206375"/>
-          </a:xfrm>
-          <a:prstGeom prst="rect">
-            <a:avLst/>
-          </a:prstGeom>
-        </p:spPr>
-        <p:txBody>
-          <a:bodyPr/>
-          <a:lstStyle>
-            <a:lvl1pPr>
-              <a:defRPr>
-                <a:latin typeface="Arial" pitchFamily="34" charset="0"/>
-              </a:defRPr>
-            </a:lvl1pPr>
-          </a:lstStyle>
-          <a:p>
-            <a:pPr>
-              <a:defRPr/>
-            </a:pPr>
-            <a:fld id="{6D4D8E44-CAF4-4050-9F8F-0291A3CC522B}" type="slidenum">
-              <a:rPr lang="en-US"/>
-              <a:pPr>
-                <a:defRPr/>
-              </a:pPr>
-              <a:t>‹#›</a:t>
-            </a:fld>
             <a:endParaRPr lang="en-US"/>
           </a:p>
         </p:txBody>
@@ -5357,128 +5012,6 @@
           </a:p>
         </p:txBody>
       </p:sp>
-      <p:sp>
-        <p:nvSpPr>
-          <p:cNvPr id="4" name="Date Placeholder 3"/>
-          <p:cNvSpPr>
-            <a:spLocks noGrp="1"/>
-          </p:cNvSpPr>
-          <p:nvPr>
-            <p:ph type="dt" sz="half" idx="10"/>
-          </p:nvPr>
-        </p:nvSpPr>
-        <p:spPr>
-          <a:xfrm>
-            <a:off x="457200" y="6356350"/>
-            <a:ext cx="2133600" cy="365125"/>
-          </a:xfrm>
-          <a:prstGeom prst="rect">
-            <a:avLst/>
-          </a:prstGeom>
-        </p:spPr>
-        <p:txBody>
-          <a:bodyPr/>
-          <a:lstStyle>
-            <a:lvl1pPr>
-              <a:defRPr>
-                <a:latin typeface="Arial" charset="0"/>
-              </a:defRPr>
-            </a:lvl1pPr>
-          </a:lstStyle>
-          <a:p>
-            <a:pPr>
-              <a:defRPr/>
-            </a:pPr>
-            <a:fld id="{2873F41A-5851-48AE-BFD6-18C31C099D8F}" type="datetimeFigureOut">
-              <a:rPr lang="en-US"/>
-              <a:pPr>
-                <a:defRPr/>
-              </a:pPr>
-              <a:t>3/6/2012</a:t>
-            </a:fld>
-            <a:endParaRPr lang="en-US" dirty="0"/>
-          </a:p>
-        </p:txBody>
-      </p:sp>
-      <p:sp>
-        <p:nvSpPr>
-          <p:cNvPr id="5" name="Footer Placeholder 4"/>
-          <p:cNvSpPr>
-            <a:spLocks noGrp="1"/>
-          </p:cNvSpPr>
-          <p:nvPr>
-            <p:ph type="ftr" sz="quarter" idx="11"/>
-          </p:nvPr>
-        </p:nvSpPr>
-        <p:spPr>
-          <a:xfrm>
-            <a:off x="3124200" y="6356350"/>
-            <a:ext cx="2895600" cy="365125"/>
-          </a:xfrm>
-          <a:prstGeom prst="rect">
-            <a:avLst/>
-          </a:prstGeom>
-        </p:spPr>
-        <p:txBody>
-          <a:bodyPr/>
-          <a:lstStyle>
-            <a:lvl1pPr>
-              <a:defRPr>
-                <a:latin typeface="Arial" charset="0"/>
-              </a:defRPr>
-            </a:lvl1pPr>
-          </a:lstStyle>
-          <a:p>
-            <a:pPr>
-              <a:defRPr/>
-            </a:pPr>
-            <a:endParaRPr lang="en-US"/>
-          </a:p>
-        </p:txBody>
-      </p:sp>
-      <p:sp>
-        <p:nvSpPr>
-          <p:cNvPr id="6" name="Slide Number Placeholder 5"/>
-          <p:cNvSpPr>
-            <a:spLocks noGrp="1"/>
-          </p:cNvSpPr>
-          <p:nvPr>
-            <p:ph type="sldNum" sz="quarter" idx="12"/>
-          </p:nvPr>
-        </p:nvSpPr>
-        <p:spPr>
-          <a:xfrm>
-            <a:off x="6553200" y="6356350"/>
-            <a:ext cx="2133600" cy="365125"/>
-          </a:xfrm>
-          <a:prstGeom prst="rect">
-            <a:avLst/>
-          </a:prstGeom>
-        </p:spPr>
-        <p:txBody>
-          <a:bodyPr/>
-          <a:lstStyle>
-            <a:lvl1pPr>
-              <a:defRPr>
-                <a:latin typeface="Arial" charset="0"/>
-              </a:defRPr>
-            </a:lvl1pPr>
-          </a:lstStyle>
-          <a:p>
-            <a:pPr>
-              <a:defRPr/>
-            </a:pPr>
-            <a:fld id="{CB478B46-A418-441C-B677-B1974A310031}" type="slidenum">
-              <a:rPr lang="en-US"/>
-              <a:pPr>
-                <a:defRPr/>
-              </a:pPr>
-              <a:t>‹#›</a:t>
-            </a:fld>
-            <a:endParaRPr lang="en-US" dirty="0"/>
-          </a:p>
-        </p:txBody>
-      </p:sp>
     </p:spTree>
   </p:cSld>
   <p:clrMapOvr>
@@ -5693,49 +5226,6 @@
               <a:rPr lang="en-US" smtClean="0"/>
               <a:t>Fifth level</a:t>
             </a:r>
-            <a:endParaRPr lang="en-US"/>
-          </a:p>
-        </p:txBody>
-      </p:sp>
-      <p:sp>
-        <p:nvSpPr>
-          <p:cNvPr id="5" name="Rectangle 4"/>
-          <p:cNvSpPr>
-            <a:spLocks noGrp="1" noChangeArrowheads="1"/>
-          </p:cNvSpPr>
-          <p:nvPr>
-            <p:ph type="sldNum" sz="quarter" idx="10"/>
-          </p:nvPr>
-        </p:nvSpPr>
-        <p:spPr>
-          <a:xfrm>
-            <a:off x="6642100" y="6078538"/>
-            <a:ext cx="2133600" cy="206375"/>
-          </a:xfrm>
-          <a:prstGeom prst="rect">
-            <a:avLst/>
-          </a:prstGeom>
-        </p:spPr>
-        <p:txBody>
-          <a:bodyPr/>
-          <a:lstStyle>
-            <a:lvl1pPr>
-              <a:defRPr>
-                <a:latin typeface="Arial" charset="0"/>
-              </a:defRPr>
-            </a:lvl1pPr>
-          </a:lstStyle>
-          <a:p>
-            <a:pPr>
-              <a:defRPr/>
-            </a:pPr>
-            <a:fld id="{A2DEE492-559D-40F6-AB35-D9841D16FC26}" type="slidenum">
-              <a:rPr lang="en-US"/>
-              <a:pPr>
-                <a:defRPr/>
-              </a:pPr>
-              <a:t>‹#›</a:t>
-            </a:fld>
             <a:endParaRPr lang="en-US"/>
           </a:p>
         </p:txBody>
@@ -5971,8 +5461,8 @@
         </p:nvSpPr>
         <p:spPr>
           <a:xfrm>
-            <a:off x="7930120" y="6498264"/>
-            <a:ext cx="856260" cy="276999"/>
+            <a:off x="7425453" y="6498264"/>
+            <a:ext cx="1357103" cy="276999"/>
           </a:xfrm>
           <a:prstGeom prst="rect">
             <a:avLst/>
@@ -6013,7 +5503,26 @@
                 </a:solidFill>
                 <a:latin typeface="Calibri"/>
               </a:rPr>
-              <a:t>CI Training</a:t>
+              <a:t>Multicore </a:t>
+            </a:r>
+            <a:r>
+              <a:rPr lang="en-US" sz="1200" b="1" dirty="0">
+                <a:ln w="10541" cmpd="sng">
+                  <a:solidFill>
+                    <a:srgbClr val="7D7D7D">
+                      <a:tint val="100000"/>
+                      <a:shade val="100000"/>
+                      <a:satMod val="110000"/>
+                    </a:srgbClr>
+                  </a:solidFill>
+                  <a:prstDash val="solid"/>
+                </a:ln>
+                <a:solidFill>
+                  <a:prstClr val="black"/>
+                </a:solidFill>
+                <a:latin typeface="Calibri"/>
+              </a:rPr>
+              <a:t>Training</a:t>
             </a:r>
           </a:p>
         </p:txBody>
@@ -6022,12 +5531,12 @@
   </p:cSld>
   <p:clrMap bg1="lt1" tx1="dk1" bg2="lt2" tx2="dk2" accent1="accent1" accent2="accent2" accent3="accent3" accent4="accent4" accent5="accent5" accent6="accent6" hlink="hlink" folHlink="folHlink"/>
   <p:sldLayoutIdLst>
-    <p:sldLayoutId id="2147484081" r:id="rId1"/>
-    <p:sldLayoutId id="2147484082" r:id="rId2"/>
-    <p:sldLayoutId id="2147484083" r:id="rId3"/>
-    <p:sldLayoutId id="2147484080" r:id="rId4"/>
-    <p:sldLayoutId id="2147484084" r:id="rId5"/>
-    <p:sldLayoutId id="2147484085" r:id="rId6"/>
+    <p:sldLayoutId id="2147483840" r:id="rId1"/>
+    <p:sldLayoutId id="2147483841" r:id="rId2"/>
+    <p:sldLayoutId id="2147483842" r:id="rId3"/>
+    <p:sldLayoutId id="2147483843" r:id="rId4"/>
+    <p:sldLayoutId id="2147483844" r:id="rId5"/>
+    <p:sldLayoutId id="2147483845" r:id="rId6"/>
   </p:sldLayoutIdLst>
   <p:txStyles>
     <p:titleStyle>
@@ -6430,7 +5939,7 @@
       </p:grpSpPr>
       <p:sp>
         <p:nvSpPr>
-          <p:cNvPr id="15362" name="Title 1"/>
+          <p:cNvPr id="10242" name="Title 1"/>
           <p:cNvSpPr>
             <a:spLocks noGrp="1"/>
           </p:cNvSpPr>
@@ -6464,7 +5973,7 @@
       </p:sp>
       <p:sp>
         <p:nvSpPr>
-          <p:cNvPr id="15363" name="Content Placeholder 2"/>
+          <p:cNvPr id="10243" name="Content Placeholder 2"/>
           <p:cNvSpPr>
             <a:spLocks noGrp="1"/>
           </p:cNvSpPr>
@@ -6530,7 +6039,7 @@
       </p:grpSpPr>
       <p:sp>
         <p:nvSpPr>
-          <p:cNvPr id="22530" name="Rectangle 2"/>
+          <p:cNvPr id="17410" name="Rectangle 2"/>
           <p:cNvSpPr>
             <a:spLocks noGrp="1" noChangeArrowheads="1"/>
           </p:cNvSpPr>
@@ -6558,7 +6067,7 @@
       </p:sp>
       <p:sp>
         <p:nvSpPr>
-          <p:cNvPr id="22531" name="Rectangle 3"/>
+          <p:cNvPr id="17411" name="Rectangle 3"/>
           <p:cNvSpPr>
             <a:spLocks noGrp="1" noChangeArrowheads="1"/>
           </p:cNvSpPr>
@@ -6884,28 +6393,6 @@
           </a:p>
         </p:txBody>
       </p:sp>
-      <p:graphicFrame>
-        <p:nvGraphicFramePr>
-          <p:cNvPr id="4098" name="Object 6"/>
-          <p:cNvGraphicFramePr>
-            <a:graphicFrameLocks noChangeAspect="1"/>
-          </p:cNvGraphicFramePr>
-          <p:nvPr>
-            <p:ph idx="1"/>
-          </p:nvPr>
-        </p:nvGraphicFramePr>
-        <p:xfrm>
-          <a:off x="838200" y="2133600"/>
-          <a:ext cx="7162800" cy="3400425"/>
-        </p:xfrm>
-        <a:graphic>
-          <a:graphicData uri="http://schemas.openxmlformats.org/presentationml/2006/ole">
-            <p:oleObj spid="_x0000_s4098" name="Visio" r:id="rId5" imgW="5792343" imgH="2749296" progId="Visio.Drawing.11">
-              <p:embed/>
-            </p:oleObj>
-          </a:graphicData>
-        </a:graphic>
-      </p:graphicFrame>
       <p:sp>
         <p:nvSpPr>
           <p:cNvPr id="4100" name="Rectangle 5"/>
@@ -6916,8 +6403,8 @@
         </p:nvSpPr>
         <p:spPr bwMode="auto">
           <a:xfrm>
-            <a:off x="333375" y="1185863"/>
-            <a:ext cx="8201025" cy="795337"/>
+            <a:off x="333375" y="838200"/>
+            <a:ext cx="8201025" cy="795338"/>
           </a:xfrm>
           <a:prstGeom prst="rect">
             <a:avLst/>
@@ -7021,9 +6508,14 @@
               <a:spcBef>
                 <a:spcPct val="20000"/>
               </a:spcBef>
-              <a:buFontTx/>
-              <a:buChar char="•"/>
-            </a:pPr>
+            </a:pPr>
+            <a:r>
+              <a:rPr lang="en-US" sz="2400"/>
+              <a:t/>
+            </a:r>
+            <a:br>
+              <a:rPr lang="en-US" sz="2400"/>
+            </a:br>
             <a:endParaRPr lang="en-US" sz="2400"/>
           </a:p>
           <a:p>
@@ -7041,6 +6533,28 @@
           </a:p>
         </p:txBody>
       </p:sp>
+      <p:graphicFrame>
+        <p:nvGraphicFramePr>
+          <p:cNvPr id="4098" name="Object 6"/>
+          <p:cNvGraphicFramePr>
+            <a:graphicFrameLocks noChangeAspect="1"/>
+          </p:cNvGraphicFramePr>
+          <p:nvPr>
+            <p:ph idx="1"/>
+          </p:nvPr>
+        </p:nvGraphicFramePr>
+        <p:xfrm>
+          <a:off x="357188" y="1687513"/>
+          <a:ext cx="8124825" cy="3857625"/>
+        </p:xfrm>
+        <a:graphic>
+          <a:graphicData uri="http://schemas.openxmlformats.org/presentationml/2006/ole">
+            <p:oleObj spid="_x0000_s4098" name="Visio" r:id="rId5" imgW="5792343" imgH="2749296" progId="Visio.Drawing.11">
+              <p:embed/>
+            </p:oleObj>
+          </a:graphicData>
+        </a:graphic>
+      </p:graphicFrame>
     </p:spTree>
     <p:custDataLst>
       <p:tags r:id="rId2"/>
@@ -7321,7 +6835,43 @@
       </p:grpSpPr>
       <p:sp>
         <p:nvSpPr>
-          <p:cNvPr id="6147" name="Title 1"/>
+          <p:cNvPr id="6147" name="TextBox 4"/>
+          <p:cNvSpPr txBox="1">
+            <a:spLocks noChangeArrowheads="1"/>
+          </p:cNvSpPr>
+          <p:nvPr/>
+        </p:nvSpPr>
+        <p:spPr bwMode="auto">
+          <a:xfrm>
+            <a:off x="246063" y="6443663"/>
+            <a:ext cx="8686800" cy="368300"/>
+          </a:xfrm>
+          <a:prstGeom prst="rect">
+            <a:avLst/>
+          </a:prstGeom>
+          <a:solidFill>
+            <a:schemeClr val="bg1"/>
+          </a:solidFill>
+          <a:ln w="9525">
+            <a:noFill/>
+            <a:miter lim="800000"/>
+            <a:headEnd/>
+            <a:tailEnd/>
+          </a:ln>
+        </p:spPr>
+        <p:txBody>
+          <a:bodyPr>
+            <a:spAutoFit/>
+          </a:bodyPr>
+          <a:lstStyle/>
+          <a:p>
+            <a:endParaRPr lang="en-US"/>
+          </a:p>
+        </p:txBody>
+      </p:sp>
+      <p:sp>
+        <p:nvSpPr>
+          <p:cNvPr id="6148" name="Title 1"/>
           <p:cNvSpPr>
             <a:spLocks noGrp="1"/>
           </p:cNvSpPr>
@@ -7365,8 +6915,8 @@
         </p:nvSpPr>
         <p:spPr>
           <a:xfrm>
-            <a:off x="333375" y="1795463"/>
-            <a:ext cx="3552825" cy="4376737"/>
+            <a:off x="228600" y="1795463"/>
+            <a:ext cx="3324225" cy="4605337"/>
           </a:xfrm>
         </p:spPr>
         <p:txBody>
@@ -7389,7 +6939,7 @@
             </a:pPr>
             <a:r>
               <a:rPr lang="en-US" sz="2000" dirty="0" smtClean="0"/>
-              <a:t>Only the Host Packet is queued in a linked Host descriptor.</a:t>
+              <a:t>Only the Host Packet is queued in a linked Host Descriptor.</a:t>
             </a:r>
           </a:p>
           <a:p>
@@ -7421,8 +6971,8 @@
           <p:nvPr/>
         </p:nvGraphicFramePr>
         <p:xfrm>
-          <a:off x="4010025" y="304800"/>
-          <a:ext cx="4837113" cy="6096000"/>
+          <a:off x="3721100" y="58738"/>
+          <a:ext cx="5368925" cy="6765925"/>
         </p:xfrm>
         <a:graphic>
           <a:graphicData uri="http://schemas.openxmlformats.org/presentationml/2006/ole">
@@ -7477,7 +7027,12 @@
             <p:ph type="title"/>
           </p:nvPr>
         </p:nvSpPr>
-        <p:spPr/>
+        <p:spPr>
+          <a:xfrm>
+            <a:off x="342900" y="0"/>
+            <a:ext cx="6134100" cy="1189038"/>
+          </a:xfrm>
+        </p:spPr>
         <p:txBody>
           <a:bodyPr/>
           <a:lstStyle/>
@@ -7516,7 +7071,7 @@
               </a:lnSpc>
             </a:pPr>
             <a:r>
-              <a:rPr lang="en-US" sz="1600" smtClean="0"/>
+              <a:rPr lang="en-US" sz="1800" smtClean="0"/>
               <a:t>Accumulators keep the cores from polling.</a:t>
             </a:r>
           </a:p>
@@ -7527,7 +7082,7 @@
               </a:lnSpc>
             </a:pPr>
             <a:r>
-              <a:rPr lang="en-US" sz="1600" smtClean="0"/>
+              <a:rPr lang="en-US" sz="1800" smtClean="0"/>
               <a:t>Run in background, interrupts core with list of popped descriptor addresses.</a:t>
             </a:r>
           </a:p>
@@ -7538,7 +7093,7 @@
               </a:lnSpc>
             </a:pPr>
             <a:r>
-              <a:rPr lang="en-US" sz="1600" smtClean="0"/>
+              <a:rPr lang="en-US" sz="1800" smtClean="0"/>
               <a:t>Core software must recycle.</a:t>
             </a:r>
           </a:p>
@@ -7548,7 +7103,7 @@
                 <a:spcPct val="90000"/>
               </a:lnSpc>
             </a:pPr>
-            <a:endParaRPr lang="en-US" sz="1400" smtClean="0"/>
+            <a:endParaRPr lang="en-US" sz="1800" smtClean="0"/>
           </a:p>
           <a:p>
             <a:pPr eaLnBrk="1" hangingPunct="1">
@@ -7557,8 +7112,8 @@
               </a:lnSpc>
             </a:pPr>
             <a:r>
-              <a:rPr lang="en-US" sz="1600" smtClean="0"/>
-              <a:t>High Priority Accumulator:</a:t>
+              <a:rPr lang="en-US" sz="1800" smtClean="0"/>
+              <a:t>High-Priority Accumulator:</a:t>
             </a:r>
           </a:p>
           <a:p>
@@ -7568,7 +7123,7 @@
               </a:lnSpc>
             </a:pPr>
             <a:r>
-              <a:rPr lang="en-US" sz="1400" smtClean="0"/>
+              <a:rPr lang="en-US" sz="1800" smtClean="0"/>
               <a:t>32 channels, one queue per channel</a:t>
             </a:r>
           </a:p>
@@ -7579,7 +7134,7 @@
               </a:lnSpc>
             </a:pPr>
             <a:r>
-              <a:rPr lang="en-US" sz="1400" smtClean="0"/>
+              <a:rPr lang="en-US" sz="1800" smtClean="0"/>
               <a:t>All channels scanned each timer tick (25us)</a:t>
             </a:r>
           </a:p>
@@ -7590,7 +7145,7 @@
               </a:lnSpc>
             </a:pPr>
             <a:r>
-              <a:rPr lang="en-US" sz="1400" smtClean="0"/>
+              <a:rPr lang="en-US" sz="1800" smtClean="0"/>
               <a:t>Each channel/event maps to 1 core</a:t>
             </a:r>
           </a:p>
@@ -7601,7 +7156,7 @@
               </a:lnSpc>
             </a:pPr>
             <a:r>
-              <a:rPr lang="en-US" sz="1400" smtClean="0"/>
+              <a:rPr lang="en-US" sz="1800" smtClean="0"/>
               <a:t>Programmable list size and options</a:t>
             </a:r>
           </a:p>
@@ -7611,7 +7166,7 @@
                 <a:spcPct val="90000"/>
               </a:lnSpc>
             </a:pPr>
-            <a:endParaRPr lang="en-US" sz="1400" smtClean="0"/>
+            <a:endParaRPr lang="en-US" sz="1800" smtClean="0"/>
           </a:p>
           <a:p>
             <a:pPr eaLnBrk="1" hangingPunct="1">
@@ -7620,8 +7175,8 @@
               </a:lnSpc>
             </a:pPr>
             <a:r>
-              <a:rPr lang="en-US" sz="1600" smtClean="0"/>
-              <a:t>Low Priority Accumulator:</a:t>
+              <a:rPr lang="en-US" sz="1800" smtClean="0"/>
+              <a:t>Low-Priority Accumulator:</a:t>
             </a:r>
           </a:p>
           <a:p>
@@ -7631,7 +7186,7 @@
               </a:lnSpc>
             </a:pPr>
             <a:r>
-              <a:rPr lang="en-US" sz="1400" smtClean="0"/>
+              <a:rPr lang="en-US" sz="1800" smtClean="0"/>
               <a:t>16 channels, up to 32 queues per channel</a:t>
             </a:r>
           </a:p>
@@ -7642,7 +7197,7 @@
               </a:lnSpc>
             </a:pPr>
             <a:r>
-              <a:rPr lang="en-US" sz="1400" smtClean="0"/>
+              <a:rPr lang="en-US" sz="1800" smtClean="0"/>
               <a:t>1 channel scanned each timer tick (25 us)</a:t>
             </a:r>
           </a:p>
@@ -7653,7 +7208,7 @@
               </a:lnSpc>
             </a:pPr>
             <a:r>
-              <a:rPr lang="en-US" sz="1400" smtClean="0"/>
+              <a:rPr lang="en-US" sz="1800" smtClean="0"/>
               <a:t>Each channel/event maps to all cores</a:t>
             </a:r>
           </a:p>
@@ -7664,7 +7219,7 @@
               </a:lnSpc>
             </a:pPr>
             <a:r>
-              <a:rPr lang="en-US" sz="1400" smtClean="0"/>
+              <a:rPr lang="en-US" sz="1800" smtClean="0"/>
               <a:t>Programmable list size and options</a:t>
             </a:r>
           </a:p>
@@ -7681,8 +7236,8 @@
           </p:nvPr>
         </p:nvGraphicFramePr>
         <p:xfrm>
-          <a:off x="6478588" y="1090613"/>
-          <a:ext cx="1949450" cy="2409825"/>
+          <a:off x="6424613" y="228600"/>
+          <a:ext cx="2338387" cy="2890838"/>
         </p:xfrm>
         <a:graphic>
           <a:graphicData uri="http://schemas.openxmlformats.org/presentationml/2006/ole">
@@ -7703,8 +7258,8 @@
           </p:nvPr>
         </p:nvGraphicFramePr>
         <p:xfrm>
-          <a:off x="6478588" y="3681413"/>
-          <a:ext cx="1949450" cy="2409825"/>
+          <a:off x="6478588" y="3576638"/>
+          <a:ext cx="2284412" cy="2824162"/>
         </p:xfrm>
         <a:graphic>
           <a:graphicData uri="http://schemas.openxmlformats.org/presentationml/2006/ole">
@@ -7714,49 +7269,6 @@
           </a:graphicData>
         </a:graphic>
       </p:graphicFrame>
-      <p:sp>
-        <p:nvSpPr>
-          <p:cNvPr id="7174" name="Slide Number Placeholder 4"/>
-          <p:cNvSpPr>
-            <a:spLocks noGrp="1"/>
-          </p:cNvSpPr>
-          <p:nvPr>
-            <p:ph type="sldNum" sz="quarter" idx="12"/>
-          </p:nvPr>
-        </p:nvSpPr>
-        <p:spPr bwMode="auto">
-          <a:xfrm>
-            <a:off x="2667000" y="6477000"/>
-            <a:ext cx="3810000" cy="174625"/>
-          </a:xfrm>
-          <a:noFill/>
-          <a:ln>
-            <a:miter lim="800000"/>
-            <a:headEnd/>
-            <a:tailEnd/>
-          </a:ln>
-        </p:spPr>
-        <p:txBody>
-          <a:bodyPr vert="horz" wrap="square" lIns="91440" tIns="45720" rIns="91440" bIns="45720" numCol="1" anchor="t" anchorCtr="0" compatLnSpc="1">
-            <a:prstTxWarp prst="textNoShape">
-              <a:avLst/>
-            </a:prstTxWarp>
-          </a:bodyPr>
-          <a:lstStyle/>
-          <a:p>
-            <a:fld id="{F43D47D3-B4D4-4ABD-956C-3DE4F07A9BA7}" type="slidenum">
-              <a:rPr lang="en-US" smtClean="0">
-                <a:latin typeface="Arial" charset="0"/>
-              </a:rPr>
-              <a:pPr/>
-              <a:t>15</a:t>
-            </a:fld>
-            <a:endParaRPr lang="en-US" smtClean="0">
-              <a:latin typeface="Arial" charset="0"/>
-            </a:endParaRPr>
-          </a:p>
-        </p:txBody>
-      </p:sp>
     </p:spTree>
   </p:cSld>
   <p:clrMapOvr>
@@ -7792,7 +7304,7 @@
       </p:grpSpPr>
       <p:sp>
         <p:nvSpPr>
-          <p:cNvPr id="23554" name="Rectangle 9"/>
+          <p:cNvPr id="18434" name="Rectangle 9"/>
           <p:cNvSpPr>
             <a:spLocks noChangeArrowheads="1"/>
           </p:cNvSpPr>
@@ -7827,7 +7339,7 @@
       </p:sp>
       <p:sp>
         <p:nvSpPr>
-          <p:cNvPr id="23555" name="Rectangle 2"/>
+          <p:cNvPr id="18435" name="Rectangle 2"/>
           <p:cNvSpPr>
             <a:spLocks noGrp="1" noChangeArrowheads="1"/>
           </p:cNvSpPr>
@@ -7855,7 +7367,7 @@
       </p:sp>
       <p:sp>
         <p:nvSpPr>
-          <p:cNvPr id="23556" name="Rectangle 3"/>
+          <p:cNvPr id="18436" name="Rectangle 3"/>
           <p:cNvSpPr>
             <a:spLocks noChangeArrowheads="1"/>
           </p:cNvSpPr>
@@ -7890,7 +7402,7 @@
       </p:sp>
       <p:sp>
         <p:nvSpPr>
-          <p:cNvPr id="23557" name="Rectangle 4"/>
+          <p:cNvPr id="18437" name="Rectangle 4"/>
           <p:cNvSpPr>
             <a:spLocks noChangeArrowheads="1"/>
           </p:cNvSpPr>
@@ -7925,7 +7437,7 @@
       </p:sp>
       <p:sp>
         <p:nvSpPr>
-          <p:cNvPr id="23558" name="Rectangle 6"/>
+          <p:cNvPr id="18438" name="Rectangle 6"/>
           <p:cNvSpPr>
             <a:spLocks noChangeArrowheads="1"/>
           </p:cNvSpPr>
@@ -7960,7 +7472,7 @@
       </p:sp>
       <p:sp>
         <p:nvSpPr>
-          <p:cNvPr id="23559" name="Rectangle 7"/>
+          <p:cNvPr id="18439" name="Rectangle 7"/>
           <p:cNvSpPr>
             <a:spLocks noChangeArrowheads="1"/>
           </p:cNvSpPr>
@@ -7995,7 +7507,7 @@
       </p:sp>
       <p:sp>
         <p:nvSpPr>
-          <p:cNvPr id="23560" name="Text Box 17"/>
+          <p:cNvPr id="18440" name="Text Box 17"/>
           <p:cNvSpPr txBox="1">
             <a:spLocks noChangeArrowheads="1"/>
           </p:cNvSpPr>
@@ -8034,7 +7546,7 @@
       </p:sp>
       <p:sp>
         <p:nvSpPr>
-          <p:cNvPr id="23561" name="Rectangle 8"/>
+          <p:cNvPr id="18441" name="Rectangle 8"/>
           <p:cNvSpPr>
             <a:spLocks noChangeArrowheads="1"/>
           </p:cNvSpPr>
@@ -8069,7 +7581,7 @@
       </p:sp>
       <p:sp>
         <p:nvSpPr>
-          <p:cNvPr id="23562" name="Rectangle 9"/>
+          <p:cNvPr id="18442" name="Rectangle 9"/>
           <p:cNvSpPr>
             <a:spLocks noChangeArrowheads="1"/>
           </p:cNvSpPr>
@@ -8106,7 +7618,7 @@
       </p:sp>
       <p:sp>
         <p:nvSpPr>
-          <p:cNvPr id="23563" name="Rectangle 10"/>
+          <p:cNvPr id="18443" name="Rectangle 10"/>
           <p:cNvSpPr>
             <a:spLocks noChangeArrowheads="1"/>
           </p:cNvSpPr>
@@ -8141,7 +7653,7 @@
       </p:sp>
       <p:sp>
         <p:nvSpPr>
-          <p:cNvPr id="23564" name="Rectangle 11"/>
+          <p:cNvPr id="18444" name="Rectangle 11"/>
           <p:cNvSpPr>
             <a:spLocks noChangeArrowheads="1"/>
           </p:cNvSpPr>
@@ -8176,7 +7688,7 @@
       </p:sp>
       <p:sp>
         <p:nvSpPr>
-          <p:cNvPr id="23565" name="Rectangle 12"/>
+          <p:cNvPr id="18445" name="Rectangle 12"/>
           <p:cNvSpPr>
             <a:spLocks noChangeArrowheads="1"/>
           </p:cNvSpPr>
@@ -8211,7 +7723,7 @@
       </p:sp>
       <p:sp>
         <p:nvSpPr>
-          <p:cNvPr id="23566" name="Text Box 13"/>
+          <p:cNvPr id="18446" name="Text Box 13"/>
           <p:cNvSpPr txBox="1">
             <a:spLocks noChangeArrowheads="1"/>
           </p:cNvSpPr>
@@ -8248,7 +7760,7 @@
       </p:sp>
       <p:sp>
         <p:nvSpPr>
-          <p:cNvPr id="23567" name="Text Box 14"/>
+          <p:cNvPr id="18447" name="Text Box 14"/>
           <p:cNvSpPr txBox="1">
             <a:spLocks noChangeArrowheads="1"/>
           </p:cNvSpPr>
@@ -8286,7 +7798,7 @@
       </p:sp>
       <p:sp>
         <p:nvSpPr>
-          <p:cNvPr id="23568" name="Text Box 15"/>
+          <p:cNvPr id="18448" name="Text Box 15"/>
           <p:cNvSpPr txBox="1">
             <a:spLocks noChangeArrowheads="1"/>
           </p:cNvSpPr>
@@ -8323,7 +7835,7 @@
       </p:sp>
       <p:sp>
         <p:nvSpPr>
-          <p:cNvPr id="23569" name="Text Box 16"/>
+          <p:cNvPr id="18449" name="Text Box 16"/>
           <p:cNvSpPr txBox="1">
             <a:spLocks noChangeArrowheads="1"/>
           </p:cNvSpPr>
@@ -8360,7 +7872,7 @@
       </p:sp>
       <p:sp>
         <p:nvSpPr>
-          <p:cNvPr id="23570" name="Text Box 17"/>
+          <p:cNvPr id="18450" name="Text Box 17"/>
           <p:cNvSpPr txBox="1">
             <a:spLocks noChangeArrowheads="1"/>
           </p:cNvSpPr>
@@ -8399,7 +7911,7 @@
       </p:sp>
       <p:sp>
         <p:nvSpPr>
-          <p:cNvPr id="23571" name="Text Box 18"/>
+          <p:cNvPr id="18451" name="Text Box 18"/>
           <p:cNvSpPr txBox="1">
             <a:spLocks noChangeArrowheads="1"/>
           </p:cNvSpPr>
@@ -8436,7 +7948,7 @@
       </p:sp>
       <p:sp>
         <p:nvSpPr>
-          <p:cNvPr id="23572" name="Text Box 19"/>
+          <p:cNvPr id="18452" name="Text Box 19"/>
           <p:cNvSpPr txBox="1">
             <a:spLocks noChangeArrowheads="1"/>
           </p:cNvSpPr>
@@ -8473,7 +7985,7 @@
       </p:sp>
       <p:sp>
         <p:nvSpPr>
-          <p:cNvPr id="23573" name="Text Box 20"/>
+          <p:cNvPr id="18453" name="Text Box 20"/>
           <p:cNvSpPr txBox="1">
             <a:spLocks noChangeArrowheads="1"/>
           </p:cNvSpPr>
@@ -8516,7 +8028,7 @@
       </p:sp>
       <p:sp>
         <p:nvSpPr>
-          <p:cNvPr id="23574" name="Text Box 21"/>
+          <p:cNvPr id="18454" name="Text Box 21"/>
           <p:cNvSpPr txBox="1">
             <a:spLocks noChangeArrowheads="1"/>
           </p:cNvSpPr>
@@ -8553,7 +8065,7 @@
       </p:sp>
       <p:sp>
         <p:nvSpPr>
-          <p:cNvPr id="23575" name="Text Box 22"/>
+          <p:cNvPr id="18455" name="Text Box 22"/>
           <p:cNvSpPr txBox="1">
             <a:spLocks noChangeArrowheads="1"/>
           </p:cNvSpPr>
@@ -8590,7 +8102,7 @@
       </p:sp>
       <p:sp>
         <p:nvSpPr>
-          <p:cNvPr id="23576" name="Rectangle 23"/>
+          <p:cNvPr id="18456" name="Rectangle 23"/>
           <p:cNvSpPr>
             <a:spLocks noChangeArrowheads="1"/>
           </p:cNvSpPr>
@@ -8625,7 +8137,7 @@
       </p:sp>
       <p:sp>
         <p:nvSpPr>
-          <p:cNvPr id="23577" name="Line 24"/>
+          <p:cNvPr id="18457" name="Line 24"/>
           <p:cNvSpPr>
             <a:spLocks noChangeShapeType="1"/>
           </p:cNvSpPr>
@@ -8659,7 +8171,7 @@
       </p:sp>
       <p:sp>
         <p:nvSpPr>
-          <p:cNvPr id="23578" name="Line 25"/>
+          <p:cNvPr id="18458" name="Line 25"/>
           <p:cNvSpPr>
             <a:spLocks noChangeShapeType="1"/>
           </p:cNvSpPr>
@@ -8693,7 +8205,7 @@
       </p:sp>
       <p:sp>
         <p:nvSpPr>
-          <p:cNvPr id="23579" name="Line 26"/>
+          <p:cNvPr id="18459" name="Line 26"/>
           <p:cNvSpPr>
             <a:spLocks noChangeShapeType="1"/>
           </p:cNvSpPr>
@@ -8727,7 +8239,7 @@
       </p:sp>
       <p:sp>
         <p:nvSpPr>
-          <p:cNvPr id="23580" name="Line 27"/>
+          <p:cNvPr id="18460" name="Line 27"/>
           <p:cNvSpPr>
             <a:spLocks noChangeShapeType="1"/>
           </p:cNvSpPr>
@@ -8761,7 +8273,7 @@
       </p:sp>
       <p:sp>
         <p:nvSpPr>
-          <p:cNvPr id="23581" name="Line 28"/>
+          <p:cNvPr id="18461" name="Line 28"/>
           <p:cNvSpPr>
             <a:spLocks noChangeShapeType="1"/>
           </p:cNvSpPr>
@@ -8795,7 +8307,7 @@
       </p:sp>
       <p:sp>
         <p:nvSpPr>
-          <p:cNvPr id="23582" name="Line 29"/>
+          <p:cNvPr id="18462" name="Line 29"/>
           <p:cNvSpPr>
             <a:spLocks noChangeShapeType="1"/>
           </p:cNvSpPr>
@@ -8829,7 +8341,7 @@
       </p:sp>
       <p:sp>
         <p:nvSpPr>
-          <p:cNvPr id="23583" name="Line 30"/>
+          <p:cNvPr id="18463" name="Line 30"/>
           <p:cNvSpPr>
             <a:spLocks noChangeShapeType="1"/>
           </p:cNvSpPr>
@@ -8863,7 +8375,7 @@
       </p:sp>
       <p:sp>
         <p:nvSpPr>
-          <p:cNvPr id="23584" name="Text Box 31"/>
+          <p:cNvPr id="18464" name="Text Box 31"/>
           <p:cNvSpPr txBox="1">
             <a:spLocks noChangeArrowheads="1"/>
           </p:cNvSpPr>
@@ -8900,7 +8412,7 @@
       </p:sp>
       <p:sp>
         <p:nvSpPr>
-          <p:cNvPr id="23585" name="Text Box 32"/>
+          <p:cNvPr id="18465" name="Text Box 32"/>
           <p:cNvSpPr txBox="1">
             <a:spLocks noChangeArrowheads="1"/>
           </p:cNvSpPr>
@@ -8937,7 +8449,7 @@
       </p:sp>
       <p:sp>
         <p:nvSpPr>
-          <p:cNvPr id="23586" name="Text Box 33"/>
+          <p:cNvPr id="18466" name="Text Box 33"/>
           <p:cNvSpPr txBox="1">
             <a:spLocks noChangeArrowheads="1"/>
           </p:cNvSpPr>
@@ -8974,7 +8486,7 @@
       </p:sp>
       <p:sp>
         <p:nvSpPr>
-          <p:cNvPr id="23587" name="Text Box 34"/>
+          <p:cNvPr id="18467" name="Text Box 34"/>
           <p:cNvSpPr txBox="1">
             <a:spLocks noChangeArrowheads="1"/>
           </p:cNvSpPr>
@@ -9011,7 +8523,7 @@
       </p:sp>
       <p:sp>
         <p:nvSpPr>
-          <p:cNvPr id="23588" name="Text Box 35"/>
+          <p:cNvPr id="18468" name="Text Box 35"/>
           <p:cNvSpPr txBox="1">
             <a:spLocks noChangeArrowheads="1"/>
           </p:cNvSpPr>
@@ -9048,7 +8560,7 @@
       </p:sp>
       <p:sp>
         <p:nvSpPr>
-          <p:cNvPr id="23589" name="Text Box 36"/>
+          <p:cNvPr id="18469" name="Text Box 36"/>
           <p:cNvSpPr txBox="1">
             <a:spLocks noChangeArrowheads="1"/>
           </p:cNvSpPr>
@@ -9085,7 +8597,7 @@
       </p:sp>
       <p:sp>
         <p:nvSpPr>
-          <p:cNvPr id="23590" name="Text Box 37"/>
+          <p:cNvPr id="18470" name="Text Box 37"/>
           <p:cNvSpPr txBox="1">
             <a:spLocks noChangeArrowheads="1"/>
           </p:cNvSpPr>
@@ -9122,7 +8634,7 @@
       </p:sp>
       <p:sp>
         <p:nvSpPr>
-          <p:cNvPr id="23591" name="Text Box 38"/>
+          <p:cNvPr id="18471" name="Text Box 38"/>
           <p:cNvSpPr txBox="1">
             <a:spLocks noChangeArrowheads="1"/>
           </p:cNvSpPr>
@@ -9159,7 +8671,7 @@
       </p:sp>
       <p:sp>
         <p:nvSpPr>
-          <p:cNvPr id="23592" name="Text Box 39"/>
+          <p:cNvPr id="18472" name="Text Box 39"/>
           <p:cNvSpPr txBox="1">
             <a:spLocks noChangeArrowheads="1"/>
           </p:cNvSpPr>
@@ -9196,7 +8708,7 @@
       </p:sp>
       <p:sp>
         <p:nvSpPr>
-          <p:cNvPr id="23593" name="Text Box 40"/>
+          <p:cNvPr id="18473" name="Text Box 40"/>
           <p:cNvSpPr txBox="1">
             <a:spLocks noChangeArrowheads="1"/>
           </p:cNvSpPr>
@@ -9233,7 +8745,7 @@
       </p:sp>
       <p:sp>
         <p:nvSpPr>
-          <p:cNvPr id="23594" name="Text Box 41"/>
+          <p:cNvPr id="18474" name="Text Box 41"/>
           <p:cNvSpPr txBox="1">
             <a:spLocks noChangeArrowheads="1"/>
           </p:cNvSpPr>
@@ -9270,7 +8782,7 @@
       </p:sp>
       <p:sp>
         <p:nvSpPr>
-          <p:cNvPr id="23595" name="Line 43"/>
+          <p:cNvPr id="18475" name="Line 43"/>
           <p:cNvSpPr>
             <a:spLocks noChangeShapeType="1"/>
           </p:cNvSpPr>
@@ -9304,7 +8816,7 @@
       </p:sp>
       <p:sp>
         <p:nvSpPr>
-          <p:cNvPr id="23596" name="Line 44"/>
+          <p:cNvPr id="18476" name="Line 44"/>
           <p:cNvSpPr>
             <a:spLocks noChangeShapeType="1"/>
           </p:cNvSpPr>
@@ -9338,7 +8850,7 @@
       </p:sp>
       <p:sp>
         <p:nvSpPr>
-          <p:cNvPr id="23597" name="Line 45"/>
+          <p:cNvPr id="18477" name="Line 45"/>
           <p:cNvSpPr>
             <a:spLocks noChangeShapeType="1"/>
           </p:cNvSpPr>
@@ -9372,7 +8884,7 @@
       </p:sp>
       <p:sp>
         <p:nvSpPr>
-          <p:cNvPr id="23598" name="Line 46"/>
+          <p:cNvPr id="18478" name="Line 46"/>
           <p:cNvSpPr>
             <a:spLocks noChangeShapeType="1"/>
           </p:cNvSpPr>
@@ -9406,7 +8918,7 @@
       </p:sp>
       <p:sp>
         <p:nvSpPr>
-          <p:cNvPr id="23599" name="TextBox 45"/>
+          <p:cNvPr id="18479" name="TextBox 45"/>
           <p:cNvSpPr txBox="1">
             <a:spLocks noChangeArrowheads="1"/>
           </p:cNvSpPr>
@@ -9491,7 +9003,7 @@
       </p:sp>
       <p:sp>
         <p:nvSpPr>
-          <p:cNvPr id="23600" name="Text Box 21"/>
+          <p:cNvPr id="18480" name="Text Box 21"/>
           <p:cNvSpPr txBox="1">
             <a:spLocks noChangeArrowheads="1"/>
           </p:cNvSpPr>
@@ -9528,7 +9040,7 @@
       </p:sp>
       <p:sp>
         <p:nvSpPr>
-          <p:cNvPr id="23601" name="Line 43"/>
+          <p:cNvPr id="18481" name="Line 43"/>
           <p:cNvSpPr>
             <a:spLocks noChangeShapeType="1"/>
           </p:cNvSpPr>
@@ -9597,7 +9109,7 @@
       </p:grpSpPr>
       <p:sp>
         <p:nvSpPr>
-          <p:cNvPr id="24578" name="Rectangle 2"/>
+          <p:cNvPr id="19458" name="Rectangle 2"/>
           <p:cNvSpPr>
             <a:spLocks noGrp="1" noChangeArrowheads="1"/>
           </p:cNvSpPr>
@@ -9625,7 +9137,7 @@
       </p:sp>
       <p:sp>
         <p:nvSpPr>
-          <p:cNvPr id="24579" name="Rectangle 3"/>
+          <p:cNvPr id="19459" name="Rectangle 3"/>
           <p:cNvSpPr>
             <a:spLocks noGrp="1" noChangeArrowheads="1"/>
           </p:cNvSpPr>
@@ -9779,7 +9291,7 @@
       </p:grpSpPr>
       <p:sp>
         <p:nvSpPr>
-          <p:cNvPr id="25602" name="Rectangle 2"/>
+          <p:cNvPr id="20482" name="Rectangle 2"/>
           <p:cNvSpPr>
             <a:spLocks noGrp="1" noChangeArrowheads="1"/>
           </p:cNvSpPr>
@@ -9807,7 +9319,7 @@
       </p:sp>
       <p:sp>
         <p:nvSpPr>
-          <p:cNvPr id="25603" name="Rectangle 3"/>
+          <p:cNvPr id="20483" name="Rectangle 3"/>
           <p:cNvSpPr>
             <a:spLocks noGrp="1" noChangeArrowheads="1"/>
           </p:cNvSpPr>
@@ -9942,7 +9454,7 @@
             </a:pPr>
             <a:r>
               <a:rPr lang="en-US" sz="2200" smtClean="0"/>
-              <a:t>These are wired together for loopback in QMSS’ PKTDMA.</a:t>
+              <a:t>Wired together for loopback within the QMSS PKTDMA instance.</a:t>
             </a:r>
           </a:p>
           <a:p>
@@ -9953,7 +9465,7 @@
             </a:pPr>
             <a:r>
               <a:rPr lang="en-US" sz="2200" smtClean="0"/>
-              <a:t>Connects to peripheral’s matching streaming I/F (Tx-&gt;Rx, Rx-&gt;Tx)</a:t>
+              <a:t>Connects to matching streaming I/F (Tx-&gt;Rx, Rx-&gt;Tx) of peripheral</a:t>
             </a:r>
           </a:p>
           <a:p>
@@ -10006,7 +9518,7 @@
       </p:grpSpPr>
       <p:sp>
         <p:nvSpPr>
-          <p:cNvPr id="26626" name="Title 1"/>
+          <p:cNvPr id="21506" name="Title 1"/>
           <p:cNvSpPr>
             <a:spLocks noGrp="1"/>
           </p:cNvSpPr>
@@ -10025,7 +9537,7 @@
           <a:lstStyle/>
           <a:p>
             <a:r>
-              <a:rPr lang="en-US" sz="3600" smtClean="0"/>
+              <a:rPr lang="en-US" smtClean="0"/>
               <a:t>Agenda</a:t>
             </a:r>
           </a:p>
@@ -10033,7 +9545,7 @@
       </p:sp>
       <p:sp>
         <p:nvSpPr>
-          <p:cNvPr id="26627" name="Subtitle 2"/>
+          <p:cNvPr id="21507" name="Subtitle 2"/>
           <p:cNvSpPr>
             <a:spLocks noGrp="1"/>
           </p:cNvSpPr>
@@ -10061,7 +9573,7 @@
                   <a:schemeClr val="tx1"/>
                 </a:solidFill>
               </a:rPr>
-              <a:t>Overview architecture of the Multicore navigator</a:t>
+              <a:t>Multicore Navigator Architecture Overview</a:t>
             </a:r>
           </a:p>
           <a:p>
@@ -10075,7 +9587,7 @@
                   <a:schemeClr val="tx1"/>
                 </a:solidFill>
               </a:rPr>
-              <a:t>Overview of the queue manager</a:t>
+              <a:t>Queue Manager Subsystem (QMSS)</a:t>
             </a:r>
           </a:p>
           <a:p>
@@ -10089,7 +9601,7 @@
                   <a:schemeClr val="tx1"/>
                 </a:solidFill>
               </a:rPr>
-              <a:t>Overview of the packet DMA </a:t>
+              <a:t>Packet DMA (PKTDMA)</a:t>
             </a:r>
           </a:p>
           <a:p>
@@ -10103,7 +9615,7 @@
                   <a:schemeClr val="tx1"/>
                 </a:solidFill>
               </a:rPr>
-              <a:t>Working together</a:t>
+              <a:t>Working Together</a:t>
             </a:r>
           </a:p>
           <a:p>
@@ -10117,7 +9629,7 @@
                   <a:schemeClr val="tx1"/>
                 </a:solidFill>
               </a:rPr>
-              <a:t>Item to configure </a:t>
+              <a:t>Configuration</a:t>
             </a:r>
           </a:p>
           <a:p>
@@ -10147,19 +9659,6 @@
               </a:rPr>
               <a:t>Examples</a:t>
             </a:r>
-            <a:endParaRPr lang="en-US" sz="2000" smtClean="0">
-              <a:solidFill>
-                <a:schemeClr val="tx1"/>
-              </a:solidFill>
-            </a:endParaRPr>
-          </a:p>
-          <a:p>
-            <a:pPr marL="342900" indent="-342900" algn="l"/>
-            <a:endParaRPr lang="en-US" sz="2000" b="1" smtClean="0">
-              <a:solidFill>
-                <a:schemeClr val="tx1"/>
-              </a:solidFill>
-            </a:endParaRPr>
           </a:p>
         </p:txBody>
       </p:sp>
@@ -10190,7 +9689,7 @@
       </p:grpSpPr>
       <p:sp>
         <p:nvSpPr>
-          <p:cNvPr id="16386" name="Title 1"/>
+          <p:cNvPr id="11266" name="Title 1"/>
           <p:cNvSpPr>
             <a:spLocks noGrp="1"/>
           </p:cNvSpPr>
@@ -10209,7 +9708,7 @@
           <a:lstStyle/>
           <a:p>
             <a:r>
-              <a:rPr lang="en-US" sz="3600" smtClean="0"/>
+              <a:rPr lang="en-US" smtClean="0"/>
               <a:t>Agenda</a:t>
             </a:r>
           </a:p>
@@ -10217,7 +9716,7 @@
       </p:sp>
       <p:sp>
         <p:nvSpPr>
-          <p:cNvPr id="16387" name="Subtitle 2"/>
+          <p:cNvPr id="11267" name="Subtitle 2"/>
           <p:cNvSpPr>
             <a:spLocks noGrp="1"/>
           </p:cNvSpPr>
@@ -10380,7 +9879,7 @@
       </p:grpSpPr>
       <p:sp>
         <p:nvSpPr>
-          <p:cNvPr id="27650" name="Rectangle 2"/>
+          <p:cNvPr id="22530" name="Rectangle 2"/>
           <p:cNvSpPr>
             <a:spLocks noGrp="1" noChangeArrowheads="1"/>
           </p:cNvSpPr>
@@ -10401,14 +9900,14 @@
             <a:pPr eaLnBrk="1" hangingPunct="1"/>
             <a:r>
               <a:rPr lang="en-US" smtClean="0"/>
-              <a:t>How does it works during run time?</a:t>
-            </a:r>
-          </a:p>
-        </p:txBody>
-      </p:sp>
-      <p:sp>
-        <p:nvSpPr>
-          <p:cNvPr id="27651" name="Rectangle 3"/>
+              <a:t>How Does it Work During Run Time?</a:t>
+            </a:r>
+          </a:p>
+        </p:txBody>
+      </p:sp>
+      <p:sp>
+        <p:nvSpPr>
+          <p:cNvPr id="22531" name="Rectangle 3"/>
           <p:cNvSpPr>
             <a:spLocks noGrp="1" noChangeArrowheads="1"/>
           </p:cNvSpPr>
@@ -10645,145 +10144,146 @@
       </p:grpSpPr>
       <p:sp>
         <p:nvSpPr>
-          <p:cNvPr id="28674" name="Title 1"/>
-          <p:cNvSpPr>
-            <a:spLocks noGrp="1"/>
-          </p:cNvSpPr>
-          <p:nvPr>
-            <p:ph type="title"/>
-          </p:nvPr>
-        </p:nvSpPr>
-        <p:spPr/>
-        <p:txBody>
-          <a:bodyPr/>
-          <a:lstStyle/>
-          <a:p>
-            <a:pPr eaLnBrk="1" hangingPunct="1"/>
-            <a:r>
-              <a:rPr lang="en-US" smtClean="0"/>
-              <a:t>Receive Example</a:t>
-            </a:r>
-          </a:p>
-        </p:txBody>
-      </p:sp>
-      <p:sp>
-        <p:nvSpPr>
-          <p:cNvPr id="28675" name="Content Placeholder 2"/>
-          <p:cNvSpPr>
-            <a:spLocks noGrp="1"/>
-          </p:cNvSpPr>
-          <p:nvPr>
-            <p:ph sz="half" idx="1"/>
-          </p:nvPr>
-        </p:nvSpPr>
-        <p:spPr>
+          <p:cNvPr id="23554" name="TextBox 5"/>
+          <p:cNvSpPr txBox="1">
+            <a:spLocks noChangeArrowheads="1"/>
+          </p:cNvSpPr>
+          <p:nvPr/>
+        </p:nvSpPr>
+        <p:spPr bwMode="auto">
           <a:xfrm>
-            <a:off x="333375" y="1185863"/>
-            <a:ext cx="8472488" cy="1920875"/>
+            <a:off x="228600" y="6434138"/>
+            <a:ext cx="8763000" cy="369887"/>
           </a:xfrm>
-        </p:spPr>
-        <p:txBody>
-          <a:bodyPr/>
-          <a:lstStyle/>
-          <a:p>
-            <a:pPr eaLnBrk="1" hangingPunct="1">
-              <a:spcBef>
-                <a:spcPts val="600"/>
-              </a:spcBef>
-            </a:pPr>
-            <a:r>
-              <a:rPr lang="en-US" sz="1800" smtClean="0"/>
-              <a:t>Rx CDMA receives packet data from Rx Streaming I/F.</a:t>
-            </a:r>
-          </a:p>
-          <a:p>
-            <a:pPr eaLnBrk="1" hangingPunct="1">
-              <a:spcBef>
-                <a:spcPts val="600"/>
-              </a:spcBef>
-            </a:pPr>
-            <a:r>
-              <a:rPr lang="en-US" sz="1800" smtClean="0"/>
-              <a:t>Using an Rx Flow, the CDMA pops an Rx FDQ.</a:t>
-            </a:r>
-          </a:p>
-          <a:p>
-            <a:pPr eaLnBrk="1" hangingPunct="1">
-              <a:spcBef>
-                <a:spcPts val="600"/>
-              </a:spcBef>
-            </a:pPr>
-            <a:r>
-              <a:rPr lang="en-US" sz="1800" smtClean="0"/>
-              <a:t>Data are written out to the descriptor’s buffer.</a:t>
-            </a:r>
-          </a:p>
-          <a:p>
-            <a:pPr eaLnBrk="1" hangingPunct="1">
-              <a:spcBef>
-                <a:spcPts val="600"/>
-              </a:spcBef>
-            </a:pPr>
-            <a:r>
-              <a:rPr lang="en-US" sz="1800" smtClean="0"/>
-              <a:t>When done, the CDMA pushes the finished descriptor to the indicated Rx queue.</a:t>
-            </a:r>
-          </a:p>
-          <a:p>
-            <a:pPr eaLnBrk="1" hangingPunct="1">
-              <a:spcBef>
-                <a:spcPts val="600"/>
-              </a:spcBef>
-            </a:pPr>
-            <a:r>
-              <a:rPr lang="en-US" sz="1800" smtClean="0"/>
-              <a:t>The DSP must recycle the descriptor back to an Rx FDQ.</a:t>
-            </a:r>
-          </a:p>
-          <a:p>
-            <a:pPr eaLnBrk="1" hangingPunct="1"/>
-            <a:endParaRPr lang="en-US" sz="1800" smtClean="0"/>
-          </a:p>
-        </p:txBody>
-      </p:sp>
-      <p:sp>
-        <p:nvSpPr>
-          <p:cNvPr id="28676" name="Slide Number Placeholder 4"/>
-          <p:cNvSpPr>
-            <a:spLocks noGrp="1"/>
-          </p:cNvSpPr>
-          <p:nvPr>
-            <p:ph type="sldNum" sz="quarter" idx="10"/>
-          </p:nvPr>
-        </p:nvSpPr>
-        <p:spPr bwMode="auto">
-          <a:noFill/>
-          <a:ln>
+          <a:prstGeom prst="rect">
+            <a:avLst/>
+          </a:prstGeom>
+          <a:solidFill>
+            <a:schemeClr val="bg1"/>
+          </a:solidFill>
+          <a:ln w="9525">
+            <a:noFill/>
             <a:miter lim="800000"/>
             <a:headEnd/>
             <a:tailEnd/>
           </a:ln>
         </p:spPr>
         <p:txBody>
-          <a:bodyPr vert="horz" wrap="square" lIns="91440" tIns="45720" rIns="91440" bIns="45720" numCol="1" anchor="t" anchorCtr="0" compatLnSpc="1">
-            <a:prstTxWarp prst="textNoShape">
-              <a:avLst/>
-            </a:prstTxWarp>
+          <a:bodyPr>
+            <a:spAutoFit/>
           </a:bodyPr>
           <a:lstStyle/>
           <a:p>
-            <a:fld id="{C2DE422D-4950-49BD-9AC1-12364EED09D2}" type="slidenum">
+            <a:endParaRPr lang="en-US"/>
+          </a:p>
+        </p:txBody>
+      </p:sp>
+      <p:sp>
+        <p:nvSpPr>
+          <p:cNvPr id="23555" name="Title 1"/>
+          <p:cNvSpPr>
+            <a:spLocks noGrp="1"/>
+          </p:cNvSpPr>
+          <p:nvPr>
+            <p:ph type="title"/>
+          </p:nvPr>
+        </p:nvSpPr>
+        <p:spPr/>
+        <p:txBody>
+          <a:bodyPr/>
+          <a:lstStyle/>
+          <a:p>
+            <a:pPr eaLnBrk="1" hangingPunct="1"/>
+            <a:r>
               <a:rPr lang="en-US" smtClean="0"/>
-              <a:pPr/>
-              <a:t>21</a:t>
-            </a:fld>
-            <a:endParaRPr lang="en-US" smtClean="0"/>
+              <a:t>Receive Example</a:t>
+            </a:r>
+          </a:p>
+        </p:txBody>
+      </p:sp>
+      <p:sp>
+        <p:nvSpPr>
+          <p:cNvPr id="23556" name="Content Placeholder 2"/>
+          <p:cNvSpPr>
+            <a:spLocks noGrp="1"/>
+          </p:cNvSpPr>
+          <p:nvPr>
+            <p:ph sz="half" idx="1"/>
+          </p:nvPr>
+        </p:nvSpPr>
+        <p:spPr>
+          <a:xfrm>
+            <a:off x="333375" y="822325"/>
+            <a:ext cx="8472488" cy="1920875"/>
+          </a:xfrm>
+        </p:spPr>
+        <p:txBody>
+          <a:bodyPr/>
+          <a:lstStyle/>
+          <a:p>
+            <a:pPr eaLnBrk="1" hangingPunct="1">
+              <a:spcBef>
+                <a:spcPts val="600"/>
+              </a:spcBef>
+            </a:pPr>
+            <a:r>
+              <a:rPr lang="en-US" sz="1800" smtClean="0"/>
+              <a:t>Rx CDMA receives packet data from Rx Streaming I/F.</a:t>
+            </a:r>
+          </a:p>
+          <a:p>
+            <a:pPr eaLnBrk="1" hangingPunct="1">
+              <a:spcBef>
+                <a:spcPts val="600"/>
+              </a:spcBef>
+            </a:pPr>
+            <a:r>
+              <a:rPr lang="en-US" sz="1800" smtClean="0"/>
+              <a:t>Using an Rx Flow, the CDMA pops an Rx FDQ.</a:t>
+            </a:r>
+          </a:p>
+          <a:p>
+            <a:pPr eaLnBrk="1" hangingPunct="1">
+              <a:spcBef>
+                <a:spcPts val="600"/>
+              </a:spcBef>
+            </a:pPr>
+            <a:r>
+              <a:rPr lang="en-US" sz="1800" smtClean="0"/>
+              <a:t>Data are written out to the descriptor’s buffer.</a:t>
+            </a:r>
+          </a:p>
+          <a:p>
+            <a:pPr eaLnBrk="1" hangingPunct="1">
+              <a:spcBef>
+                <a:spcPts val="600"/>
+              </a:spcBef>
+            </a:pPr>
+            <a:r>
+              <a:rPr lang="en-US" sz="1800" smtClean="0"/>
+              <a:t>When done, the CDMA pushes the finished descriptor to the indicated Rx queue.</a:t>
+            </a:r>
+          </a:p>
+          <a:p>
+            <a:pPr eaLnBrk="1" hangingPunct="1">
+              <a:spcBef>
+                <a:spcPts val="600"/>
+              </a:spcBef>
+            </a:pPr>
+            <a:r>
+              <a:rPr lang="en-US" sz="1800" smtClean="0"/>
+              <a:t>The DSP must recycle the descriptor back to an Rx FDQ.</a:t>
+            </a:r>
+          </a:p>
+          <a:p>
+            <a:pPr eaLnBrk="1" hangingPunct="1"/>
+            <a:endParaRPr lang="en-US" sz="1800" smtClean="0"/>
           </a:p>
         </p:txBody>
       </p:sp>
       <p:pic>
         <p:nvPicPr>
-          <p:cNvPr id="28677" name="Picture 4"/>
+          <p:cNvPr id="23557" name="Picture 4"/>
           <p:cNvPicPr>
             <a:picLocks noGrp="1" noChangeAspect="1" noChangeArrowheads="1"/>
           </p:cNvPicPr>
@@ -10800,8 +10300,8 @@
         </p:blipFill>
         <p:spPr>
           <a:xfrm>
-            <a:off x="2146300" y="3275013"/>
-            <a:ext cx="4837113" cy="2859087"/>
+            <a:off x="1143000" y="2743200"/>
+            <a:ext cx="6843713" cy="4044950"/>
           </a:xfrm>
         </p:spPr>
       </p:pic>
@@ -10840,7 +10340,43 @@
       </p:grpSpPr>
       <p:sp>
         <p:nvSpPr>
-          <p:cNvPr id="29698" name="Title 1"/>
+          <p:cNvPr id="24578" name="TextBox 5"/>
+          <p:cNvSpPr txBox="1">
+            <a:spLocks noChangeArrowheads="1"/>
+          </p:cNvSpPr>
+          <p:nvPr/>
+        </p:nvSpPr>
+        <p:spPr bwMode="auto">
+          <a:xfrm>
+            <a:off x="304800" y="6443663"/>
+            <a:ext cx="8686800" cy="368300"/>
+          </a:xfrm>
+          <a:prstGeom prst="rect">
+            <a:avLst/>
+          </a:prstGeom>
+          <a:solidFill>
+            <a:schemeClr val="bg1"/>
+          </a:solidFill>
+          <a:ln w="9525">
+            <a:noFill/>
+            <a:miter lim="800000"/>
+            <a:headEnd/>
+            <a:tailEnd/>
+          </a:ln>
+        </p:spPr>
+        <p:txBody>
+          <a:bodyPr>
+            <a:spAutoFit/>
+          </a:bodyPr>
+          <a:lstStyle/>
+          <a:p>
+            <a:endParaRPr lang="en-US"/>
+          </a:p>
+        </p:txBody>
+      </p:sp>
+      <p:sp>
+        <p:nvSpPr>
+          <p:cNvPr id="24579" name="Title 1"/>
           <p:cNvSpPr>
             <a:spLocks noGrp="1"/>
           </p:cNvSpPr>
@@ -10850,8 +10386,8 @@
         </p:nvSpPr>
         <p:spPr>
           <a:xfrm>
-            <a:off x="457200" y="76200"/>
-            <a:ext cx="8229600" cy="990600"/>
+            <a:off x="304800" y="7938"/>
+            <a:ext cx="8382000" cy="838200"/>
           </a:xfrm>
         </p:spPr>
         <p:txBody>
@@ -10860,15 +10396,15 @@
           <a:p>
             <a:pPr eaLnBrk="1" hangingPunct="1"/>
             <a:r>
-              <a:rPr lang="en-US" smtClean="0"/>
-              <a:t>Core to Core(Infrastructure) Example</a:t>
-            </a:r>
-          </a:p>
-        </p:txBody>
-      </p:sp>
-      <p:sp>
-        <p:nvSpPr>
-          <p:cNvPr id="29699" name="Content Placeholder 2"/>
+              <a:rPr lang="en-US" sz="4000" smtClean="0"/>
+              <a:t>Core-to-Core (Infrastructure) Example</a:t>
+            </a:r>
+          </a:p>
+        </p:txBody>
+      </p:sp>
+      <p:sp>
+        <p:nvSpPr>
+          <p:cNvPr id="24580" name="Content Placeholder 2"/>
           <p:cNvSpPr>
             <a:spLocks noGrp="1"/>
           </p:cNvSpPr>
@@ -10878,8 +10414,8 @@
         </p:nvSpPr>
         <p:spPr>
           <a:xfrm>
-            <a:off x="333375" y="1185863"/>
-            <a:ext cx="8472488" cy="1920875"/>
+            <a:off x="333375" y="830263"/>
+            <a:ext cx="8472488" cy="2243137"/>
           </a:xfrm>
         </p:spPr>
         <p:txBody>
@@ -10891,11 +10427,11 @@
                 <a:spcPct val="80000"/>
               </a:lnSpc>
               <a:spcBef>
-                <a:spcPts val="1200"/>
+                <a:spcPts val="600"/>
               </a:spcBef>
             </a:pPr>
             <a:r>
-              <a:rPr lang="en-US" sz="1400" smtClean="0"/>
+              <a:rPr lang="en-US" sz="1800" smtClean="0"/>
               <a:t>The DSP (or a peripheral) pushes a descriptor onto a Tx queue of the QMSS CDMA.</a:t>
             </a:r>
           </a:p>
@@ -10905,11 +10441,11 @@
                 <a:spcPct val="80000"/>
               </a:lnSpc>
               <a:spcBef>
-                <a:spcPts val="1200"/>
+                <a:spcPts val="600"/>
               </a:spcBef>
             </a:pPr>
             <a:r>
-              <a:rPr lang="en-US" sz="1400" smtClean="0"/>
+              <a:rPr lang="en-US" sz="1800" smtClean="0"/>
               <a:t>The Tx CDMA pops the descriptor, sends the data out the Streaming I/F, and recycles the descriptor.</a:t>
             </a:r>
           </a:p>
@@ -10919,11 +10455,11 @@
                 <a:spcPct val="80000"/>
               </a:lnSpc>
               <a:spcBef>
-                <a:spcPts val="1200"/>
+                <a:spcPts val="600"/>
               </a:spcBef>
             </a:pPr>
             <a:r>
-              <a:rPr lang="en-US" sz="1400" smtClean="0"/>
+              <a:rPr lang="en-US" sz="1800" smtClean="0"/>
               <a:t>The Rx CDMA is triggered by the incoming Streaming I/F data and pops an Rx FDQ.</a:t>
             </a:r>
           </a:p>
@@ -10933,11 +10469,11 @@
                 <a:spcPct val="80000"/>
               </a:lnSpc>
               <a:spcBef>
-                <a:spcPts val="1200"/>
+                <a:spcPts val="600"/>
               </a:spcBef>
             </a:pPr>
             <a:r>
-              <a:rPr lang="en-US" sz="1400" smtClean="0"/>
+              <a:rPr lang="en-US" sz="1800" smtClean="0"/>
               <a:t>The Rx CDMA then pushes the finished descriptor to an Rx queue.</a:t>
             </a:r>
           </a:p>
@@ -10947,11 +10483,11 @@
                 <a:spcPct val="80000"/>
               </a:lnSpc>
               <a:spcBef>
-                <a:spcPts val="1200"/>
+                <a:spcPts val="600"/>
               </a:spcBef>
             </a:pPr>
             <a:r>
-              <a:rPr lang="en-US" sz="1400" smtClean="0"/>
+              <a:rPr lang="en-US" sz="1800" smtClean="0"/>
               <a:t>If the Rx queue is an Accumulation queue, the accumulator pops queue and eventually interrupts the DSP with the accumulated list.</a:t>
             </a:r>
           </a:p>
@@ -10961,54 +10497,19 @@
                 <a:spcPct val="80000"/>
               </a:lnSpc>
               <a:spcBef>
-                <a:spcPts val="1200"/>
+                <a:spcPts val="600"/>
               </a:spcBef>
             </a:pPr>
             <a:r>
-              <a:rPr lang="en-US" sz="1400" smtClean="0"/>
+              <a:rPr lang="en-US" sz="1800" smtClean="0"/>
               <a:t>The destination DSP consumes the descriptors and pushes them back to an Rx FDQ.</a:t>
             </a:r>
-          </a:p>
-        </p:txBody>
-      </p:sp>
-      <p:sp>
-        <p:nvSpPr>
-          <p:cNvPr id="29700" name="Slide Number Placeholder 4"/>
-          <p:cNvSpPr>
-            <a:spLocks noGrp="1"/>
-          </p:cNvSpPr>
-          <p:nvPr>
-            <p:ph type="sldNum" sz="quarter" idx="10"/>
-          </p:nvPr>
-        </p:nvSpPr>
-        <p:spPr bwMode="auto">
-          <a:noFill/>
-          <a:ln>
-            <a:miter lim="800000"/>
-            <a:headEnd/>
-            <a:tailEnd/>
-          </a:ln>
-        </p:spPr>
-        <p:txBody>
-          <a:bodyPr vert="horz" wrap="square" lIns="91440" tIns="45720" rIns="91440" bIns="45720" numCol="1" anchor="t" anchorCtr="0" compatLnSpc="1">
-            <a:prstTxWarp prst="textNoShape">
-              <a:avLst/>
-            </a:prstTxWarp>
-          </a:bodyPr>
-          <a:lstStyle/>
-          <a:p>
-            <a:fld id="{BFFB740F-FA7A-411B-A773-1079E97ED951}" type="slidenum">
-              <a:rPr lang="en-US" smtClean="0"/>
-              <a:pPr/>
-              <a:t>22</a:t>
-            </a:fld>
-            <a:endParaRPr lang="en-US" smtClean="0"/>
           </a:p>
         </p:txBody>
       </p:sp>
       <p:pic>
         <p:nvPicPr>
-          <p:cNvPr id="29701" name="Picture 4"/>
+          <p:cNvPr id="24581" name="Picture 4"/>
           <p:cNvPicPr>
             <a:picLocks noGrp="1" noChangeAspect="1" noChangeArrowheads="1"/>
           </p:cNvPicPr>
@@ -11025,8 +10526,8 @@
         </p:blipFill>
         <p:spPr>
           <a:xfrm>
-            <a:off x="2551113" y="3213100"/>
-            <a:ext cx="4027487" cy="2859088"/>
+            <a:off x="1997075" y="3157538"/>
+            <a:ext cx="5135563" cy="3646487"/>
           </a:xfrm>
         </p:spPr>
       </p:pic>
@@ -11065,7 +10566,7 @@
       </p:grpSpPr>
       <p:sp>
         <p:nvSpPr>
-          <p:cNvPr id="30722" name="Title 1"/>
+          <p:cNvPr id="25602" name="Title 1"/>
           <p:cNvSpPr>
             <a:spLocks noGrp="1"/>
           </p:cNvSpPr>
@@ -11084,7 +10585,7 @@
           <a:lstStyle/>
           <a:p>
             <a:r>
-              <a:rPr lang="en-US" sz="3600" smtClean="0"/>
+              <a:rPr lang="en-US" smtClean="0"/>
               <a:t>Agenda</a:t>
             </a:r>
           </a:p>
@@ -11092,7 +10593,7 @@
       </p:sp>
       <p:sp>
         <p:nvSpPr>
-          <p:cNvPr id="30723" name="Subtitle 2"/>
+          <p:cNvPr id="25603" name="Subtitle 2"/>
           <p:cNvSpPr>
             <a:spLocks noGrp="1"/>
           </p:cNvSpPr>
@@ -11120,7 +10621,7 @@
                   <a:schemeClr val="tx1"/>
                 </a:solidFill>
               </a:rPr>
-              <a:t>Overview architecture of the Multicore navigator</a:t>
+              <a:t>Multicore Navigator Architecture Overview</a:t>
             </a:r>
           </a:p>
           <a:p>
@@ -11134,7 +10635,7 @@
                   <a:schemeClr val="tx1"/>
                 </a:solidFill>
               </a:rPr>
-              <a:t>Overview of the queue manager</a:t>
+              <a:t>Queue Manager Subsystem (QMSS)</a:t>
             </a:r>
           </a:p>
           <a:p>
@@ -11148,7 +10649,7 @@
                   <a:schemeClr val="tx1"/>
                 </a:solidFill>
               </a:rPr>
-              <a:t>Overview of the packet DMA </a:t>
+              <a:t>Packet DMA (PKTDMA)</a:t>
             </a:r>
           </a:p>
           <a:p>
@@ -11162,7 +10663,7 @@
                   <a:schemeClr val="tx1"/>
                 </a:solidFill>
               </a:rPr>
-              <a:t>Working together</a:t>
+              <a:t>Working Together</a:t>
             </a:r>
           </a:p>
           <a:p>
@@ -11176,7 +10677,7 @@
                   <a:schemeClr val="tx1"/>
                 </a:solidFill>
               </a:rPr>
-              <a:t>Item to configure </a:t>
+              <a:t>Configuration</a:t>
             </a:r>
           </a:p>
           <a:p>
@@ -11206,19 +10707,6 @@
               </a:rPr>
               <a:t>Examples</a:t>
             </a:r>
-            <a:endParaRPr lang="en-US" sz="2000" smtClean="0">
-              <a:solidFill>
-                <a:schemeClr val="tx1"/>
-              </a:solidFill>
-            </a:endParaRPr>
-          </a:p>
-          <a:p>
-            <a:pPr marL="342900" indent="-342900" algn="l"/>
-            <a:endParaRPr lang="en-US" sz="2000" b="1" smtClean="0">
-              <a:solidFill>
-                <a:schemeClr val="tx1"/>
-              </a:solidFill>
-            </a:endParaRPr>
           </a:p>
         </p:txBody>
       </p:sp>
@@ -11249,7 +10737,7 @@
       </p:grpSpPr>
       <p:sp>
         <p:nvSpPr>
-          <p:cNvPr id="31746" name="Rectangle 2"/>
+          <p:cNvPr id="26626" name="Rectangle 2"/>
           <p:cNvSpPr>
             <a:spLocks noGrp="1" noChangeArrowheads="1"/>
           </p:cNvSpPr>
@@ -11269,15 +10757,15 @@
           <a:p>
             <a:pPr eaLnBrk="1" hangingPunct="1"/>
             <a:r>
-              <a:rPr lang="en-US" sz="3600" smtClean="0"/>
-              <a:t>What Needs to be Configured?</a:t>
-            </a:r>
-          </a:p>
-        </p:txBody>
-      </p:sp>
-      <p:sp>
-        <p:nvSpPr>
-          <p:cNvPr id="31747" name="Rectangle 3"/>
+              <a:rPr lang="en-US" smtClean="0"/>
+              <a:t>What Needs to Be Configured?</a:t>
+            </a:r>
+          </a:p>
+        </p:txBody>
+      </p:sp>
+      <p:sp>
+        <p:nvSpPr>
+          <p:cNvPr id="26627" name="Rectangle 3"/>
           <p:cNvSpPr>
             <a:spLocks noGrp="1" noChangeArrowheads="1"/>
           </p:cNvSpPr>
@@ -11489,7 +10977,7 @@
       </p:grpSpPr>
       <p:sp>
         <p:nvSpPr>
-          <p:cNvPr id="32770" name="Rectangle 2"/>
+          <p:cNvPr id="27650" name="Rectangle 2"/>
           <p:cNvSpPr>
             <a:spLocks noGrp="1" noChangeArrowheads="1"/>
           </p:cNvSpPr>
@@ -11509,15 +10997,15 @@
           <a:p>
             <a:pPr eaLnBrk="1" hangingPunct="1"/>
             <a:r>
-              <a:rPr lang="en-US" sz="3600" smtClean="0"/>
-              <a:t>What Needs to be Configured?</a:t>
-            </a:r>
-          </a:p>
-        </p:txBody>
-      </p:sp>
-      <p:sp>
-        <p:nvSpPr>
-          <p:cNvPr id="32771" name="Rectangle 3"/>
+              <a:rPr lang="en-US" smtClean="0"/>
+              <a:t>What Needs to Be Configured?</a:t>
+            </a:r>
+          </a:p>
+        </p:txBody>
+      </p:sp>
+      <p:sp>
+        <p:nvSpPr>
+          <p:cNvPr id="27651" name="Rectangle 3"/>
           <p:cNvSpPr>
             <a:spLocks noGrp="1" noChangeArrowheads="1"/>
           </p:cNvSpPr>
@@ -11709,7 +11197,7 @@
       </p:grpSpPr>
       <p:sp>
         <p:nvSpPr>
-          <p:cNvPr id="33794" name="Title 1"/>
+          <p:cNvPr id="28674" name="Title 1"/>
           <p:cNvSpPr>
             <a:spLocks noGrp="1"/>
           </p:cNvSpPr>
@@ -11728,7 +11216,7 @@
           <a:lstStyle/>
           <a:p>
             <a:r>
-              <a:rPr lang="en-US" sz="3600" smtClean="0"/>
+              <a:rPr lang="en-US" smtClean="0"/>
               <a:t>Agenda</a:t>
             </a:r>
           </a:p>
@@ -11736,7 +11224,7 @@
       </p:sp>
       <p:sp>
         <p:nvSpPr>
-          <p:cNvPr id="33795" name="Subtitle 2"/>
+          <p:cNvPr id="28675" name="Subtitle 2"/>
           <p:cNvSpPr>
             <a:spLocks noGrp="1"/>
           </p:cNvSpPr>
@@ -11764,7 +11252,7 @@
                   <a:schemeClr val="tx1"/>
                 </a:solidFill>
               </a:rPr>
-              <a:t>Overview architecture of the Multicore navigator</a:t>
+              <a:t>Multicore Navigator Architecture Overview</a:t>
             </a:r>
           </a:p>
           <a:p>
@@ -11778,7 +11266,7 @@
                   <a:schemeClr val="tx1"/>
                 </a:solidFill>
               </a:rPr>
-              <a:t>Overview of the queue manager</a:t>
+              <a:t>Queue Manager Subsystem (QMSS)</a:t>
             </a:r>
           </a:p>
           <a:p>
@@ -11792,7 +11280,7 @@
                   <a:schemeClr val="tx1"/>
                 </a:solidFill>
               </a:rPr>
-              <a:t>Overview of the packet DMA </a:t>
+              <a:t>Packet DMA (PKTDMA)</a:t>
             </a:r>
           </a:p>
           <a:p>
@@ -11806,7 +11294,7 @@
                   <a:schemeClr val="tx1"/>
                 </a:solidFill>
               </a:rPr>
-              <a:t>Working together</a:t>
+              <a:t>Working Together</a:t>
             </a:r>
           </a:p>
           <a:p>
@@ -11820,7 +11308,7 @@
                   <a:schemeClr val="tx1"/>
                 </a:solidFill>
               </a:rPr>
-              <a:t>Item to configure </a:t>
+              <a:t>Configuration</a:t>
             </a:r>
           </a:p>
           <a:p>
@@ -11850,19 +11338,6 @@
               </a:rPr>
               <a:t>Examples</a:t>
             </a:r>
-            <a:endParaRPr lang="en-US" sz="2000" smtClean="0">
-              <a:solidFill>
-                <a:schemeClr val="tx1"/>
-              </a:solidFill>
-            </a:endParaRPr>
-          </a:p>
-          <a:p>
-            <a:pPr marL="342900" indent="-342900" algn="l"/>
-            <a:endParaRPr lang="en-US" sz="2000" b="1" smtClean="0">
-              <a:solidFill>
-                <a:schemeClr val="tx1"/>
-              </a:solidFill>
-            </a:endParaRPr>
           </a:p>
         </p:txBody>
       </p:sp>
@@ -11893,7 +11368,7 @@
       </p:grpSpPr>
       <p:sp>
         <p:nvSpPr>
-          <p:cNvPr id="34818" name="Rectangle 2"/>
+          <p:cNvPr id="29698" name="Rectangle 2"/>
           <p:cNvSpPr>
             <a:spLocks noGrp="1" noChangeArrowheads="1"/>
           </p:cNvSpPr>
@@ -11916,7 +11391,7 @@
       </p:sp>
       <p:sp>
         <p:nvSpPr>
-          <p:cNvPr id="34819" name="Rectangle 3"/>
+          <p:cNvPr id="29699" name="Rectangle 3"/>
           <p:cNvSpPr>
             <a:spLocks noGrp="1" noChangeArrowheads="1"/>
           </p:cNvSpPr>
@@ -12123,7 +11598,7 @@
       </p:grpSpPr>
       <p:sp>
         <p:nvSpPr>
-          <p:cNvPr id="35842" name="Rectangle 2"/>
+          <p:cNvPr id="30722" name="Rectangle 2"/>
           <p:cNvSpPr>
             <a:spLocks noGrp="1" noChangeArrowheads="1"/>
           </p:cNvSpPr>
@@ -12146,7 +11621,7 @@
       </p:sp>
       <p:sp>
         <p:nvSpPr>
-          <p:cNvPr id="35843" name="Rectangle 3"/>
+          <p:cNvPr id="30723" name="Rectangle 3"/>
           <p:cNvSpPr>
             <a:spLocks noGrp="1" noChangeArrowheads="1"/>
           </p:cNvSpPr>
@@ -12260,7 +11735,7 @@
       </p:grpSpPr>
       <p:sp>
         <p:nvSpPr>
-          <p:cNvPr id="36866" name="Rectangle 2"/>
+          <p:cNvPr id="31746" name="Rectangle 2"/>
           <p:cNvSpPr>
             <a:spLocks noGrp="1" noChangeArrowheads="1"/>
           </p:cNvSpPr>
@@ -12283,7 +11758,7 @@
       </p:sp>
       <p:sp>
         <p:nvSpPr>
-          <p:cNvPr id="36867" name="Rectangle 3"/>
+          <p:cNvPr id="31747" name="Rectangle 3"/>
           <p:cNvSpPr>
             <a:spLocks noGrp="1" noChangeArrowheads="1"/>
           </p:cNvSpPr>
@@ -12407,7 +11882,7 @@
       </p:grpSpPr>
       <p:sp>
         <p:nvSpPr>
-          <p:cNvPr id="17410" name="Rectangle 2"/>
+          <p:cNvPr id="12290" name="Rectangle 2"/>
           <p:cNvSpPr>
             <a:spLocks noGrp="1" noChangeArrowheads="1"/>
           </p:cNvSpPr>
@@ -12430,7 +11905,7 @@
       </p:sp>
       <p:sp>
         <p:nvSpPr>
-          <p:cNvPr id="17411" name="Rectangle 3"/>
+          <p:cNvPr id="12291" name="Rectangle 3"/>
           <p:cNvSpPr>
             <a:spLocks noGrp="1" noChangeArrowheads="1"/>
           </p:cNvSpPr>
@@ -12546,7 +12021,7 @@
       </p:grpSpPr>
       <p:sp>
         <p:nvSpPr>
-          <p:cNvPr id="37890" name="Rectangle 2"/>
+          <p:cNvPr id="32770" name="Rectangle 2"/>
           <p:cNvSpPr>
             <a:spLocks noGrp="1" noChangeArrowheads="1"/>
           </p:cNvSpPr>
@@ -12569,7 +12044,7 @@
       </p:sp>
       <p:sp>
         <p:nvSpPr>
-          <p:cNvPr id="37891" name="Rectangle 3"/>
+          <p:cNvPr id="32771" name="Rectangle 3"/>
           <p:cNvSpPr>
             <a:spLocks noGrp="1" noChangeArrowheads="1"/>
           </p:cNvSpPr>
@@ -12692,7 +12167,7 @@
       </p:grpSpPr>
       <p:sp>
         <p:nvSpPr>
-          <p:cNvPr id="38914" name="Rectangle 2"/>
+          <p:cNvPr id="33794" name="Rectangle 2"/>
           <p:cNvSpPr>
             <a:spLocks noGrp="1" noChangeArrowheads="1"/>
           </p:cNvSpPr>
@@ -12715,7 +12190,7 @@
       </p:sp>
       <p:sp>
         <p:nvSpPr>
-          <p:cNvPr id="38915" name="Rectangle 3"/>
+          <p:cNvPr id="33795" name="Rectangle 3"/>
           <p:cNvSpPr>
             <a:spLocks noGrp="1" noChangeArrowheads="1"/>
           </p:cNvSpPr>
@@ -12855,7 +12330,7 @@
       </p:grpSpPr>
       <p:sp>
         <p:nvSpPr>
-          <p:cNvPr id="39938" name="Rectangle 2"/>
+          <p:cNvPr id="34818" name="Rectangle 2"/>
           <p:cNvSpPr>
             <a:spLocks noGrp="1" noChangeArrowheads="1"/>
           </p:cNvSpPr>
@@ -12878,7 +12353,7 @@
       </p:sp>
       <p:sp>
         <p:nvSpPr>
-          <p:cNvPr id="39939" name="Rectangle 3"/>
+          <p:cNvPr id="34819" name="Rectangle 3"/>
           <p:cNvSpPr>
             <a:spLocks noGrp="1" noChangeArrowheads="1"/>
           </p:cNvSpPr>
@@ -12987,7 +12462,7 @@
       </p:grpSpPr>
       <p:sp>
         <p:nvSpPr>
-          <p:cNvPr id="40962" name="Rectangle 2"/>
+          <p:cNvPr id="35842" name="Rectangle 2"/>
           <p:cNvSpPr>
             <a:spLocks noGrp="1" noChangeArrowheads="1"/>
           </p:cNvSpPr>
@@ -13010,7 +12485,7 @@
       </p:sp>
       <p:sp>
         <p:nvSpPr>
-          <p:cNvPr id="40963" name="Rectangle 3"/>
+          <p:cNvPr id="35843" name="Rectangle 3"/>
           <p:cNvSpPr>
             <a:spLocks noGrp="1" noChangeArrowheads="1"/>
           </p:cNvSpPr>
@@ -13135,7 +12610,7 @@
       </p:grpSpPr>
       <p:sp>
         <p:nvSpPr>
-          <p:cNvPr id="41986" name="Rectangle 2"/>
+          <p:cNvPr id="36866" name="Rectangle 2"/>
           <p:cNvSpPr>
             <a:spLocks noGrp="1" noChangeArrowheads="1"/>
           </p:cNvSpPr>
@@ -13158,7 +12633,7 @@
       </p:sp>
       <p:sp>
         <p:nvSpPr>
-          <p:cNvPr id="41987" name="Rectangle 3"/>
+          <p:cNvPr id="36867" name="Rectangle 3"/>
           <p:cNvSpPr>
             <a:spLocks noGrp="1" noChangeArrowheads="1"/>
           </p:cNvSpPr>
@@ -13390,7 +12865,7 @@
       </p:grpSpPr>
       <p:sp>
         <p:nvSpPr>
-          <p:cNvPr id="43010" name="Rectangle 2"/>
+          <p:cNvPr id="37890" name="Rectangle 2"/>
           <p:cNvSpPr>
             <a:spLocks noGrp="1" noChangeArrowheads="1"/>
           </p:cNvSpPr>
@@ -13413,7 +12888,7 @@
       </p:sp>
       <p:sp>
         <p:nvSpPr>
-          <p:cNvPr id="43011" name="Rectangle 3"/>
+          <p:cNvPr id="37891" name="Rectangle 3"/>
           <p:cNvSpPr>
             <a:spLocks noGrp="1" noChangeArrowheads="1"/>
           </p:cNvSpPr>
@@ -13593,7 +13068,7 @@
       </p:grpSpPr>
       <p:sp>
         <p:nvSpPr>
-          <p:cNvPr id="44034" name="Rectangle 2"/>
+          <p:cNvPr id="38914" name="Rectangle 2"/>
           <p:cNvSpPr>
             <a:spLocks noGrp="1" noChangeArrowheads="1"/>
           </p:cNvSpPr>
@@ -13616,7 +13091,7 @@
       </p:sp>
       <p:sp>
         <p:nvSpPr>
-          <p:cNvPr id="44035" name="Rectangle 3"/>
+          <p:cNvPr id="38915" name="Rectangle 3"/>
           <p:cNvSpPr>
             <a:spLocks noGrp="1" noChangeArrowheads="1"/>
           </p:cNvSpPr>
@@ -13762,7 +13237,7 @@
       </p:grpSpPr>
       <p:sp>
         <p:nvSpPr>
-          <p:cNvPr id="45058" name="Rectangle 2"/>
+          <p:cNvPr id="39938" name="Rectangle 2"/>
           <p:cNvSpPr>
             <a:spLocks noGrp="1" noChangeArrowheads="1"/>
           </p:cNvSpPr>
@@ -13785,7 +13260,7 @@
       </p:sp>
       <p:sp>
         <p:nvSpPr>
-          <p:cNvPr id="45059" name="Rectangle 3"/>
+          <p:cNvPr id="39939" name="Rectangle 3"/>
           <p:cNvSpPr>
             <a:spLocks noGrp="1" noChangeArrowheads="1"/>
           </p:cNvSpPr>
@@ -13910,7 +13385,7 @@
       </p:grpSpPr>
       <p:sp>
         <p:nvSpPr>
-          <p:cNvPr id="46082" name="Title 1"/>
+          <p:cNvPr id="40962" name="Title 1"/>
           <p:cNvSpPr>
             <a:spLocks noGrp="1"/>
           </p:cNvSpPr>
@@ -13929,7 +13404,7 @@
           <a:lstStyle/>
           <a:p>
             <a:r>
-              <a:rPr lang="en-US" sz="3600" smtClean="0"/>
+              <a:rPr lang="en-US" smtClean="0"/>
               <a:t>Agenda</a:t>
             </a:r>
           </a:p>
@@ -13937,7 +13412,7 @@
       </p:sp>
       <p:sp>
         <p:nvSpPr>
-          <p:cNvPr id="46083" name="Subtitle 2"/>
+          <p:cNvPr id="40963" name="Subtitle 2"/>
           <p:cNvSpPr>
             <a:spLocks noGrp="1"/>
           </p:cNvSpPr>
@@ -13965,7 +13440,7 @@
                   <a:schemeClr val="tx1"/>
                 </a:solidFill>
               </a:rPr>
-              <a:t>Overview architecture of the Multicore navigator</a:t>
+              <a:t>Multicore Navigator Architecture Overview</a:t>
             </a:r>
           </a:p>
           <a:p>
@@ -13979,7 +13454,7 @@
                   <a:schemeClr val="tx1"/>
                 </a:solidFill>
               </a:rPr>
-              <a:t>Overview of the queue manager</a:t>
+              <a:t>Queue Manager Subsystem (QMSS)</a:t>
             </a:r>
           </a:p>
           <a:p>
@@ -13993,7 +13468,7 @@
                   <a:schemeClr val="tx1"/>
                 </a:solidFill>
               </a:rPr>
-              <a:t>Overview of the packet DMA </a:t>
+              <a:t>Packet DMA (PKTDMA)</a:t>
             </a:r>
           </a:p>
           <a:p>
@@ -14007,7 +13482,7 @@
                   <a:schemeClr val="tx1"/>
                 </a:solidFill>
               </a:rPr>
-              <a:t>Working together</a:t>
+              <a:t>Working Together</a:t>
             </a:r>
           </a:p>
           <a:p>
@@ -14021,7 +13496,7 @@
                   <a:schemeClr val="tx1"/>
                 </a:solidFill>
               </a:rPr>
-              <a:t>Item to configure </a:t>
+              <a:t>Configuration</a:t>
             </a:r>
           </a:p>
           <a:p>
@@ -14051,19 +13526,6 @@
               </a:rPr>
               <a:t>Examples</a:t>
             </a:r>
-            <a:endParaRPr lang="en-US" sz="2000" b="1" smtClean="0">
-              <a:solidFill>
-                <a:schemeClr val="tx1"/>
-              </a:solidFill>
-            </a:endParaRPr>
-          </a:p>
-          <a:p>
-            <a:pPr marL="342900" indent="-342900" algn="l"/>
-            <a:endParaRPr lang="en-US" sz="2000" b="1" smtClean="0">
-              <a:solidFill>
-                <a:schemeClr val="tx1"/>
-              </a:solidFill>
-            </a:endParaRPr>
           </a:p>
         </p:txBody>
       </p:sp>
@@ -14094,7 +13556,7 @@
       </p:grpSpPr>
       <p:sp>
         <p:nvSpPr>
-          <p:cNvPr id="47106" name="Title 1"/>
+          <p:cNvPr id="41986" name="Title 1"/>
           <p:cNvSpPr>
             <a:spLocks noGrp="1"/>
           </p:cNvSpPr>
@@ -14104,8 +13566,8 @@
         </p:nvSpPr>
         <p:spPr>
           <a:xfrm>
-            <a:off x="457200" y="457200"/>
-            <a:ext cx="8229600" cy="533400"/>
+            <a:off x="457200" y="304800"/>
+            <a:ext cx="8229600" cy="609600"/>
           </a:xfrm>
         </p:spPr>
         <p:txBody>
@@ -14115,7 +13577,7 @@
             <a:pPr eaLnBrk="1" hangingPunct="1"/>
             <a:r>
               <a:rPr lang="en-US" smtClean="0"/>
-              <a:t>Example</a:t>
+              <a:t>Examples</a:t>
             </a:r>
           </a:p>
         </p:txBody>
@@ -14141,6 +13603,48 @@
             <a:normAutofit/>
           </a:bodyPr>
           <a:lstStyle/>
+          <a:p>
+            <a:pPr marL="514350" indent="-514350" eaLnBrk="1" fontAlgn="auto" hangingPunct="1">
+              <a:spcAft>
+                <a:spcPts val="0"/>
+              </a:spcAft>
+              <a:defRPr/>
+            </a:pPr>
+            <a:r>
+              <a:rPr lang="en-US" sz="2000" dirty="0" smtClean="0">
+                <a:latin typeface="+mj-lt"/>
+              </a:rPr>
+              <a:t>Part of PDK (Platform Development Kit) release is a set of examples for each of the peripherals.</a:t>
+            </a:r>
+          </a:p>
+          <a:p>
+            <a:pPr marL="514350" indent="-514350" eaLnBrk="1" fontAlgn="auto" hangingPunct="1">
+              <a:spcAft>
+                <a:spcPts val="0"/>
+              </a:spcAft>
+              <a:defRPr/>
+            </a:pPr>
+            <a:r>
+              <a:rPr lang="en-US" sz="2000" dirty="0" smtClean="0">
+                <a:latin typeface="+mj-lt"/>
+              </a:rPr>
+              <a:t>Several examples use the Navigator and can be used as starting point for development. </a:t>
+            </a:r>
+          </a:p>
+          <a:p>
+            <a:pPr marL="514350" indent="-514350" eaLnBrk="1" fontAlgn="auto" hangingPunct="1">
+              <a:spcAft>
+                <a:spcPts val="0"/>
+              </a:spcAft>
+              <a:defRPr/>
+            </a:pPr>
+            <a:r>
+              <a:rPr lang="en-US" sz="2000" dirty="0" smtClean="0">
+                <a:latin typeface="+mj-lt"/>
+              </a:rPr>
+              <a:t>Location of the examples: </a:t>
+            </a:r>
+          </a:p>
           <a:p>
             <a:pPr marL="514350" indent="-514350" eaLnBrk="1" fontAlgn="auto" hangingPunct="1">
               <a:spcAft>
@@ -14151,10 +13655,53 @@
               <a:defRPr/>
             </a:pPr>
             <a:r>
-              <a:rPr lang="en-US" sz="2000" dirty="0" smtClean="0">
-                <a:latin typeface="+mj-lt"/>
+              <a:rPr lang="en-US" sz="1800" b="1" dirty="0" smtClean="0">
+                <a:latin typeface="Courier New" pitchFamily="49" charset="0"/>
+                <a:cs typeface="Courier New" pitchFamily="49" charset="0"/>
               </a:rPr>
-              <a:t>Part of PDK (Platform Development Kit) release is a set of examples for each of the peripherals </a:t>
+              <a:t>	pdk_C6678_1_0_0_18\packages\</a:t>
+            </a:r>
+            <a:r>
+              <a:rPr lang="en-US" sz="1800" b="1" dirty="0" err="1" smtClean="0">
+                <a:latin typeface="Courier New" pitchFamily="49" charset="0"/>
+                <a:cs typeface="Courier New" pitchFamily="49" charset="0"/>
+              </a:rPr>
+              <a:t>ti</a:t>
+            </a:r>
+            <a:r>
+              <a:rPr lang="en-US" sz="1800" b="1" dirty="0" smtClean="0">
+                <a:latin typeface="Courier New" pitchFamily="49" charset="0"/>
+                <a:cs typeface="Courier New" pitchFamily="49" charset="0"/>
+              </a:rPr>
+              <a:t>\</a:t>
+            </a:r>
+            <a:r>
+              <a:rPr lang="en-US" sz="1800" b="1" dirty="0" err="1" smtClean="0">
+                <a:latin typeface="Courier New" pitchFamily="49" charset="0"/>
+                <a:cs typeface="Courier New" pitchFamily="49" charset="0"/>
+              </a:rPr>
+              <a:t>drv</a:t>
+            </a:r>
+            <a:r>
+              <a:rPr lang="en-US" sz="1800" b="1" dirty="0" smtClean="0">
+                <a:latin typeface="Courier New" pitchFamily="49" charset="0"/>
+                <a:cs typeface="Courier New" pitchFamily="49" charset="0"/>
+              </a:rPr>
+              <a:t>\</a:t>
+            </a:r>
+            <a:r>
+              <a:rPr lang="en-US" sz="1800" b="1" dirty="0" err="1" smtClean="0">
+                <a:latin typeface="Courier New" pitchFamily="49" charset="0"/>
+                <a:cs typeface="Courier New" pitchFamily="49" charset="0"/>
+              </a:rPr>
+              <a:t>exampleProjects</a:t>
+            </a:r>
+            <a:r>
+              <a:rPr lang="en-US" sz="1800" b="1" dirty="0" smtClean="0">
+                <a:latin typeface="Courier New" pitchFamily="49" charset="0"/>
+                <a:cs typeface="Courier New" pitchFamily="49" charset="0"/>
+              </a:rPr>
+              <a:t>\</a:t>
             </a:r>
           </a:p>
           <a:p>
@@ -14166,78 +13713,15 @@
               <a:buNone/>
               <a:defRPr/>
             </a:pPr>
-            <a:r>
-              <a:rPr lang="en-US" sz="2000" dirty="0" smtClean="0">
-                <a:latin typeface="+mj-lt"/>
-              </a:rPr>
-              <a:t>Several examples use the Navigator and can be used as starting point for development. </a:t>
-            </a:r>
+            <a:endParaRPr lang="en-US" sz="2000" dirty="0" smtClean="0">
+              <a:latin typeface="+mj-lt"/>
+            </a:endParaRPr>
           </a:p>
           <a:p>
             <a:pPr marL="514350" indent="-514350" eaLnBrk="1" fontAlgn="auto" hangingPunct="1">
               <a:spcAft>
                 <a:spcPts val="0"/>
               </a:spcAft>
-              <a:buFont typeface="Arial" pitchFamily="34" charset="0"/>
-              <a:buNone/>
-              <a:defRPr/>
-            </a:pPr>
-            <a:endParaRPr lang="en-US" sz="2000" dirty="0" smtClean="0">
-              <a:latin typeface="+mj-lt"/>
-            </a:endParaRPr>
-          </a:p>
-          <a:p>
-            <a:pPr marL="514350" indent="-514350" eaLnBrk="1" fontAlgn="auto" hangingPunct="1">
-              <a:spcAft>
-                <a:spcPts val="0"/>
-              </a:spcAft>
-              <a:buFont typeface="Arial" pitchFamily="34" charset="0"/>
-              <a:buNone/>
-              <a:defRPr/>
-            </a:pPr>
-            <a:r>
-              <a:rPr lang="en-US" sz="2000" dirty="0" smtClean="0">
-                <a:latin typeface="+mj-lt"/>
-              </a:rPr>
-              <a:t>Location of the examples: </a:t>
-            </a:r>
-          </a:p>
-          <a:p>
-            <a:pPr marL="514350" indent="-514350" eaLnBrk="1" fontAlgn="auto" hangingPunct="1">
-              <a:spcAft>
-                <a:spcPts val="0"/>
-              </a:spcAft>
-              <a:buFont typeface="Arial" pitchFamily="34" charset="0"/>
-              <a:buNone/>
-              <a:defRPr/>
-            </a:pPr>
-            <a:r>
-              <a:rPr lang="en-US" sz="1800" dirty="0" smtClean="0">
-                <a:latin typeface="+mj-lt"/>
-              </a:rPr>
-              <a:t>pdk_C6678_1_0_0_18\packages\ti\drv\exampleProjects\</a:t>
-            </a:r>
-          </a:p>
-          <a:p>
-            <a:pPr marL="514350" indent="-514350" eaLnBrk="1" fontAlgn="auto" hangingPunct="1">
-              <a:spcAft>
-                <a:spcPts val="0"/>
-              </a:spcAft>
-              <a:buFont typeface="Arial" pitchFamily="34" charset="0"/>
-              <a:buNone/>
-              <a:defRPr/>
-            </a:pPr>
-            <a:endParaRPr lang="en-US" sz="2000" dirty="0" smtClean="0">
-              <a:latin typeface="+mj-lt"/>
-            </a:endParaRPr>
-          </a:p>
-          <a:p>
-            <a:pPr marL="514350" indent="-514350" eaLnBrk="1" fontAlgn="auto" hangingPunct="1">
-              <a:spcAft>
-                <a:spcPts val="0"/>
-              </a:spcAft>
-              <a:buFont typeface="Arial" pitchFamily="34" charset="0"/>
-              <a:buNone/>
               <a:defRPr/>
             </a:pPr>
             <a:r>
@@ -14248,12 +13732,12 @@
             </a:r>
           </a:p>
           <a:p>
-            <a:pPr marL="514350" indent="-514350" eaLnBrk="1" fontAlgn="auto" hangingPunct="1">
+            <a:pPr marL="1085850" lvl="2" indent="-514350" eaLnBrk="1" fontAlgn="auto" hangingPunct="1">
               <a:spcAft>
                 <a:spcPts val="0"/>
               </a:spcAft>
-              <a:buFont typeface="Arial" pitchFamily="34" charset="0"/>
-              <a:buAutoNum type="arabicPeriod"/>
+              <a:buFont typeface="Wingdings" pitchFamily="2" charset="2"/>
+              <a:buChar char="§"/>
               <a:defRPr/>
             </a:pPr>
             <a:r>
@@ -14264,12 +13748,12 @@
             </a:r>
           </a:p>
           <a:p>
-            <a:pPr marL="514350" indent="-514350" eaLnBrk="1" fontAlgn="auto" hangingPunct="1">
+            <a:pPr marL="1085850" lvl="2" indent="-514350" eaLnBrk="1" fontAlgn="auto" hangingPunct="1">
               <a:spcAft>
                 <a:spcPts val="0"/>
               </a:spcAft>
-              <a:buFont typeface="Arial" pitchFamily="34" charset="0"/>
-              <a:buAutoNum type="arabicPeriod"/>
+              <a:buFont typeface="Wingdings" pitchFamily="2" charset="2"/>
+              <a:buChar char="§"/>
               <a:defRPr/>
             </a:pPr>
             <a:r>
@@ -14280,12 +13764,12 @@
             </a:r>
           </a:p>
           <a:p>
-            <a:pPr marL="514350" indent="-514350" eaLnBrk="1" fontAlgn="auto" hangingPunct="1">
+            <a:pPr marL="1085850" lvl="2" indent="-514350" eaLnBrk="1" fontAlgn="auto" hangingPunct="1">
               <a:spcAft>
                 <a:spcPts val="0"/>
               </a:spcAft>
-              <a:buFont typeface="Arial" pitchFamily="34" charset="0"/>
-              <a:buAutoNum type="arabicPeriod"/>
+              <a:buFont typeface="Wingdings" pitchFamily="2" charset="2"/>
+              <a:buChar char="§"/>
               <a:defRPr/>
             </a:pPr>
             <a:r>
@@ -14296,12 +13780,12 @@
             </a:r>
           </a:p>
           <a:p>
-            <a:pPr marL="514350" indent="-514350" eaLnBrk="1" fontAlgn="auto" hangingPunct="1">
+            <a:pPr marL="1085850" lvl="2" indent="-514350" eaLnBrk="1" fontAlgn="auto" hangingPunct="1">
               <a:spcAft>
                 <a:spcPts val="0"/>
               </a:spcAft>
-              <a:buFont typeface="Arial" pitchFamily="34" charset="0"/>
-              <a:buAutoNum type="arabicPeriod"/>
+              <a:buFont typeface="Wingdings" pitchFamily="2" charset="2"/>
+              <a:buChar char="§"/>
               <a:defRPr/>
             </a:pPr>
             <a:r>
@@ -14358,7 +13842,7 @@
       </p:grpSpPr>
       <p:sp>
         <p:nvSpPr>
-          <p:cNvPr id="18434" name="Rectangle 2"/>
+          <p:cNvPr id="13314" name="Rectangle 2"/>
           <p:cNvSpPr>
             <a:spLocks noGrp="1" noChangeArrowheads="1"/>
           </p:cNvSpPr>
@@ -14556,7 +14040,7 @@
       </p:grpSpPr>
       <p:sp>
         <p:nvSpPr>
-          <p:cNvPr id="48130" name="Title 1"/>
+          <p:cNvPr id="43010" name="Title 1"/>
           <p:cNvSpPr>
             <a:spLocks noGrp="1"/>
           </p:cNvSpPr>
@@ -14579,7 +14063,7 @@
       </p:sp>
       <p:sp>
         <p:nvSpPr>
-          <p:cNvPr id="48131" name="Content Placeholder 2"/>
+          <p:cNvPr id="43011" name="Content Placeholder 2"/>
           <p:cNvSpPr>
             <a:spLocks noGrp="1"/>
           </p:cNvSpPr>
@@ -14644,7 +14128,7 @@
 </file>
 
 <file path=ppt/slides/slide41.xml><?xml version="1.0" encoding="utf-8"?>
-<p:sld xmlns:a="http://schemas.openxmlformats.org/drawingml/2006/main" xmlns:r="http://schemas.openxmlformats.org/officeDocument/2006/relationships" xmlns:p="http://schemas.openxmlformats.org/presentationml/2006/main">
+<p:sld xmlns:a="http://schemas.openxmlformats.org/drawingml/2006/main" xmlns:r="http://schemas.openxmlformats.org/officeDocument/2006/relationships" xmlns:p="http://schemas.openxmlformats.org/presentationml/2006/main" show="0">
   <p:cSld>
     <p:spTree>
       <p:nvGrpSpPr>
@@ -14662,7 +14146,7 @@
       </p:grpSpPr>
       <p:sp>
         <p:nvSpPr>
-          <p:cNvPr id="49154" name="Title 1"/>
+          <p:cNvPr id="44034" name="Title 1"/>
           <p:cNvSpPr>
             <a:spLocks noGrp="1"/>
           </p:cNvSpPr>
@@ -14696,6 +14180,7 @@
   <p:clrMapOvr>
     <a:masterClrMapping/>
   </p:clrMapOvr>
+  <p:transition/>
   <p:timing>
     <p:tnLst>
       <p:par>
@@ -14725,7 +14210,7 @@
       </p:grpSpPr>
       <p:sp>
         <p:nvSpPr>
-          <p:cNvPr id="50178" name="Rectangle 2"/>
+          <p:cNvPr id="45058" name="Rectangle 2"/>
           <p:cNvSpPr>
             <a:spLocks noGrp="1" noChangeArrowheads="1"/>
           </p:cNvSpPr>
@@ -14749,7 +14234,7 @@
       </p:sp>
       <p:sp>
         <p:nvSpPr>
-          <p:cNvPr id="50179" name="Rectangle 3"/>
+          <p:cNvPr id="45059" name="Rectangle 3"/>
           <p:cNvSpPr>
             <a:spLocks noGrp="1" noChangeArrowheads="1"/>
           </p:cNvSpPr>
@@ -14897,12 +14382,12 @@
       </p:sp>
       <p:sp>
         <p:nvSpPr>
-          <p:cNvPr id="50180" name="Slide Number Placeholder 3"/>
+          <p:cNvPr id="45060" name="Slide Number Placeholder 3"/>
           <p:cNvSpPr>
             <a:spLocks noGrp="1"/>
           </p:cNvSpPr>
           <p:nvPr>
-            <p:ph type="sldNum" sz="quarter" idx="12"/>
+            <p:ph type="sldNum" sz="quarter" idx="4294967295"/>
           </p:nvPr>
         </p:nvSpPr>
         <p:spPr bwMode="auto">
@@ -14910,6 +14395,9 @@
             <a:off x="355600" y="6445250"/>
             <a:ext cx="2133600" cy="206375"/>
           </a:xfrm>
+          <a:prstGeom prst="rect">
+            <a:avLst/>
+          </a:prstGeom>
           <a:noFill/>
           <a:ln>
             <a:miter lim="800000"/>
@@ -14918,23 +14406,15 @@
           </a:ln>
         </p:spPr>
         <p:txBody>
-          <a:bodyPr vert="horz" wrap="square" lIns="91440" tIns="45720" rIns="91440" bIns="45720" numCol="1" anchor="t" anchorCtr="0" compatLnSpc="1">
-            <a:prstTxWarp prst="textNoShape">
-              <a:avLst/>
-            </a:prstTxWarp>
-          </a:bodyPr>
-          <a:lstStyle/>
-          <a:p>
-            <a:fld id="{F9027D2F-34A2-4911-80FC-00BAB2FC0D7A}" type="slidenum">
-              <a:rPr lang="en-US" smtClean="0">
-                <a:latin typeface="Arial" charset="0"/>
-              </a:rPr>
+          <a:bodyPr/>
+          <a:lstStyle/>
+          <a:p>
+            <a:fld id="{29D4DD37-91EA-46D1-B7B9-78244388DA15}" type="slidenum">
+              <a:rPr lang="en-US"/>
               <a:pPr/>
               <a:t>42</a:t>
             </a:fld>
-            <a:endParaRPr lang="en-US" smtClean="0">
-              <a:latin typeface="Arial" charset="0"/>
-            </a:endParaRPr>
+            <a:endParaRPr lang="en-US"/>
           </a:p>
         </p:txBody>
       </p:sp>
@@ -14973,7 +14453,7 @@
       </p:grpSpPr>
       <p:sp>
         <p:nvSpPr>
-          <p:cNvPr id="51202" name="Rectangle 2"/>
+          <p:cNvPr id="46082" name="Rectangle 2"/>
           <p:cNvSpPr>
             <a:spLocks noGrp="1" noChangeArrowheads="1"/>
           </p:cNvSpPr>
@@ -14996,7 +14476,7 @@
       </p:sp>
       <p:sp>
         <p:nvSpPr>
-          <p:cNvPr id="51203" name="Rectangle 3"/>
+          <p:cNvPr id="46083" name="Rectangle 3"/>
           <p:cNvSpPr>
             <a:spLocks noGrp="1" noChangeArrowheads="1"/>
           </p:cNvSpPr>
@@ -15136,12 +14616,12 @@
       </p:sp>
       <p:sp>
         <p:nvSpPr>
-          <p:cNvPr id="51204" name="Slide Number Placeholder 3"/>
+          <p:cNvPr id="46084" name="Slide Number Placeholder 3"/>
           <p:cNvSpPr>
             <a:spLocks noGrp="1"/>
           </p:cNvSpPr>
           <p:nvPr>
-            <p:ph type="sldNum" sz="quarter" idx="12"/>
+            <p:ph type="sldNum" sz="quarter" idx="4294967295"/>
           </p:nvPr>
         </p:nvSpPr>
         <p:spPr bwMode="auto">
@@ -15149,6 +14629,9 @@
             <a:off x="355600" y="6445250"/>
             <a:ext cx="2133600" cy="206375"/>
           </a:xfrm>
+          <a:prstGeom prst="rect">
+            <a:avLst/>
+          </a:prstGeom>
           <a:noFill/>
           <a:ln>
             <a:miter lim="800000"/>
@@ -15157,23 +14640,15 @@
           </a:ln>
         </p:spPr>
         <p:txBody>
-          <a:bodyPr vert="horz" wrap="square" lIns="91440" tIns="45720" rIns="91440" bIns="45720" numCol="1" anchor="t" anchorCtr="0" compatLnSpc="1">
-            <a:prstTxWarp prst="textNoShape">
-              <a:avLst/>
-            </a:prstTxWarp>
-          </a:bodyPr>
-          <a:lstStyle/>
-          <a:p>
-            <a:fld id="{30DDE4AD-5FB3-4F32-8517-908D7C640CC0}" type="slidenum">
-              <a:rPr lang="en-US" smtClean="0">
-                <a:latin typeface="Arial" charset="0"/>
-              </a:rPr>
+          <a:bodyPr/>
+          <a:lstStyle/>
+          <a:p>
+            <a:fld id="{869E4581-C765-489C-A683-9BE41523C899}" type="slidenum">
+              <a:rPr lang="en-US"/>
               <a:pPr/>
               <a:t>43</a:t>
             </a:fld>
-            <a:endParaRPr lang="en-US" smtClean="0">
-              <a:latin typeface="Arial" charset="0"/>
-            </a:endParaRPr>
+            <a:endParaRPr lang="en-US"/>
           </a:p>
         </p:txBody>
       </p:sp>
@@ -15194,7 +14669,7 @@
 </file>
 
 <file path=ppt/slides/slide44.xml><?xml version="1.0" encoding="utf-8"?>
-<p:sld xmlns:a="http://schemas.openxmlformats.org/drawingml/2006/main" xmlns:r="http://schemas.openxmlformats.org/officeDocument/2006/relationships" xmlns:p="http://schemas.openxmlformats.org/presentationml/2006/main">
+<p:sld xmlns:a="http://schemas.openxmlformats.org/drawingml/2006/main" xmlns:r="http://schemas.openxmlformats.org/officeDocument/2006/relationships" xmlns:p="http://schemas.openxmlformats.org/presentationml/2006/main" show="0">
   <p:cSld>
     <p:spTree>
       <p:nvGrpSpPr>
@@ -15352,6 +14827,7 @@
   <p:clrMapOvr>
     <a:masterClrMapping/>
   </p:clrMapOvr>
+  <p:transition/>
   <p:timing>
     <p:tnLst>
       <p:par>
@@ -15381,7 +14857,7 @@
       </p:grpSpPr>
       <p:sp>
         <p:nvSpPr>
-          <p:cNvPr id="19458" name="Rectangle 2"/>
+          <p:cNvPr id="14338" name="Rectangle 2"/>
           <p:cNvSpPr>
             <a:spLocks noGrp="1" noChangeArrowheads="1"/>
           </p:cNvSpPr>
@@ -15409,7 +14885,7 @@
       </p:sp>
       <p:sp>
         <p:nvSpPr>
-          <p:cNvPr id="19459" name="Rectangle 3"/>
+          <p:cNvPr id="14339" name="Rectangle 3"/>
           <p:cNvSpPr>
             <a:spLocks noGrp="1" noChangeArrowheads="1"/>
           </p:cNvSpPr>
@@ -15515,7 +14991,43 @@
       </p:grpSpPr>
       <p:sp>
         <p:nvSpPr>
-          <p:cNvPr id="1027" name="Rectangle 2"/>
+          <p:cNvPr id="1027" name="TextBox 3"/>
+          <p:cNvSpPr txBox="1">
+            <a:spLocks noChangeArrowheads="1"/>
+          </p:cNvSpPr>
+          <p:nvPr/>
+        </p:nvSpPr>
+        <p:spPr bwMode="auto">
+          <a:xfrm>
+            <a:off x="246063" y="6443663"/>
+            <a:ext cx="8686800" cy="368300"/>
+          </a:xfrm>
+          <a:prstGeom prst="rect">
+            <a:avLst/>
+          </a:prstGeom>
+          <a:solidFill>
+            <a:schemeClr val="bg1"/>
+          </a:solidFill>
+          <a:ln w="9525">
+            <a:noFill/>
+            <a:miter lim="800000"/>
+            <a:headEnd/>
+            <a:tailEnd/>
+          </a:ln>
+        </p:spPr>
+        <p:txBody>
+          <a:bodyPr>
+            <a:spAutoFit/>
+          </a:bodyPr>
+          <a:lstStyle/>
+          <a:p>
+            <a:endParaRPr lang="en-US"/>
+          </a:p>
+        </p:txBody>
+      </p:sp>
+      <p:sp>
+        <p:nvSpPr>
+          <p:cNvPr id="1028" name="Rectangle 2"/>
           <p:cNvSpPr>
             <a:spLocks noGrp="1" noChangeArrowheads="1"/>
           </p:cNvSpPr>
@@ -15552,8 +15064,8 @@
           </p:nvPr>
         </p:nvGraphicFramePr>
         <p:xfrm>
-          <a:off x="609600" y="838200"/>
-          <a:ext cx="7847013" cy="5503863"/>
+          <a:off x="249238" y="728663"/>
+          <a:ext cx="8666162" cy="6078537"/>
         </p:xfrm>
         <a:graphic>
           <a:graphicData uri="http://schemas.openxmlformats.org/presentationml/2006/ole">
@@ -15598,6 +15110,42 @@
           <a:chExt cx="0" cy="0"/>
         </a:xfrm>
       </p:grpSpPr>
+      <p:sp>
+        <p:nvSpPr>
+          <p:cNvPr id="2051" name="TextBox 4"/>
+          <p:cNvSpPr txBox="1">
+            <a:spLocks noChangeArrowheads="1"/>
+          </p:cNvSpPr>
+          <p:nvPr/>
+        </p:nvSpPr>
+        <p:spPr bwMode="auto">
+          <a:xfrm>
+            <a:off x="246063" y="6443663"/>
+            <a:ext cx="8686800" cy="368300"/>
+          </a:xfrm>
+          <a:prstGeom prst="rect">
+            <a:avLst/>
+          </a:prstGeom>
+          <a:solidFill>
+            <a:schemeClr val="bg1"/>
+          </a:solidFill>
+          <a:ln w="9525">
+            <a:noFill/>
+            <a:miter lim="800000"/>
+            <a:headEnd/>
+            <a:tailEnd/>
+          </a:ln>
+        </p:spPr>
+        <p:txBody>
+          <a:bodyPr>
+            <a:spAutoFit/>
+          </a:bodyPr>
+          <a:lstStyle/>
+          <a:p>
+            <a:endParaRPr lang="en-US"/>
+          </a:p>
+        </p:txBody>
+      </p:sp>
       <p:graphicFrame>
         <p:nvGraphicFramePr>
           <p:cNvPr id="2050" name="Object 9"/>
@@ -15607,8 +15155,8 @@
           <p:nvPr/>
         </p:nvGraphicFramePr>
         <p:xfrm>
-          <a:off x="915988" y="838200"/>
-          <a:ext cx="7847012" cy="5503863"/>
+          <a:off x="25400" y="76200"/>
+          <a:ext cx="9042400" cy="6342063"/>
         </p:xfrm>
         <a:graphic>
           <a:graphicData uri="http://schemas.openxmlformats.org/presentationml/2006/ole">
@@ -15620,7 +15168,7 @@
       </p:graphicFrame>
       <p:sp>
         <p:nvSpPr>
-          <p:cNvPr id="2051" name="Rectangle 2"/>
+          <p:cNvPr id="2052" name="Rectangle 2"/>
           <p:cNvSpPr>
             <a:spLocks noGrp="1" noChangeArrowheads="1"/>
           </p:cNvSpPr>
@@ -15648,7 +15196,7 @@
       </p:sp>
       <p:sp>
         <p:nvSpPr>
-          <p:cNvPr id="2052" name="Rectangle 3"/>
+          <p:cNvPr id="2053" name="Rectangle 3"/>
           <p:cNvSpPr>
             <a:spLocks noGrp="1" noChangeArrowheads="1"/>
           </p:cNvSpPr>
@@ -15659,7 +15207,7 @@
         <p:spPr>
           <a:xfrm>
             <a:off x="333375" y="1033463"/>
-            <a:ext cx="8467725" cy="5138737"/>
+            <a:ext cx="4848225" cy="5138737"/>
           </a:xfrm>
         </p:spPr>
         <p:txBody>
@@ -15675,7 +15223,7 @@
             </a:pPr>
             <a:r>
               <a:rPr lang="en-US" sz="2400" smtClean="0"/>
-              <a:t>Major hardware components of the QMSS:</a:t>
+              <a:t>Major HW components of the QMSS:</a:t>
             </a:r>
           </a:p>
           <a:p>
@@ -15805,7 +15353,7 @@
       </p:grpSpPr>
       <p:sp>
         <p:nvSpPr>
-          <p:cNvPr id="20482" name="Rectangle 2"/>
+          <p:cNvPr id="15362" name="Rectangle 2"/>
           <p:cNvSpPr>
             <a:spLocks noGrp="1" noChangeArrowheads="1"/>
           </p:cNvSpPr>
@@ -15833,7 +15381,7 @@
       </p:sp>
       <p:sp>
         <p:nvSpPr>
-          <p:cNvPr id="20483" name="Rectangle 3"/>
+          <p:cNvPr id="15363" name="Rectangle 3"/>
           <p:cNvSpPr>
             <a:spLocks noGrp="1" noChangeArrowheads="1"/>
           </p:cNvSpPr>
@@ -15843,8 +15391,8 @@
         </p:nvSpPr>
         <p:spPr>
           <a:xfrm>
-            <a:off x="228600" y="1524000"/>
-            <a:ext cx="8686800" cy="4114800"/>
+            <a:off x="228600" y="1143000"/>
+            <a:ext cx="8686800" cy="4495800"/>
           </a:xfrm>
         </p:spPr>
         <p:txBody>
@@ -15857,7 +15405,7 @@
               </a:lnSpc>
             </a:pPr>
             <a:r>
-              <a:rPr lang="en-US" sz="1600" smtClean="0"/>
+              <a:rPr lang="en-US" sz="2400" smtClean="0"/>
               <a:t>Queues are like a mailbox. Descriptors are pushed and popped to and from queues.</a:t>
             </a:r>
           </a:p>
@@ -15868,7 +15416,7 @@
               </a:lnSpc>
             </a:pPr>
             <a:r>
-              <a:rPr lang="en-US" sz="1600" smtClean="0"/>
+              <a:rPr lang="en-US" sz="2400" smtClean="0"/>
               <a:t>Navigator transactions typically involve two queues:</a:t>
             </a:r>
           </a:p>
@@ -15879,7 +15427,7 @@
               </a:lnSpc>
             </a:pPr>
             <a:r>
-              <a:rPr lang="en-US" sz="1600" smtClean="0"/>
+              <a:rPr lang="en-US" sz="2400" smtClean="0"/>
               <a:t>The TX queue of the source</a:t>
             </a:r>
           </a:p>
@@ -15890,7 +15438,7 @@
               </a:lnSpc>
             </a:pPr>
             <a:r>
-              <a:rPr lang="en-US" sz="1600" smtClean="0"/>
+              <a:rPr lang="en-US" sz="2400" smtClean="0"/>
               <a:t>The RX queue of the destination</a:t>
             </a:r>
           </a:p>
@@ -15901,7 +15449,7 @@
               </a:lnSpc>
             </a:pPr>
             <a:r>
-              <a:rPr lang="en-US" sz="1600" smtClean="0"/>
+              <a:rPr lang="en-US" sz="2400" smtClean="0"/>
               <a:t>There are 8192 queues within the QMSS (see mapping on next slide)</a:t>
             </a:r>
           </a:p>
@@ -15912,7 +15460,7 @@
               </a:lnSpc>
             </a:pPr>
             <a:r>
-              <a:rPr lang="en-US" sz="1600" smtClean="0"/>
+              <a:rPr lang="en-US" sz="2400" smtClean="0"/>
               <a:t>Each queue can be either general purpose queue or associated with functionality</a:t>
             </a:r>
           </a:p>
@@ -15923,7 +15471,7 @@
               </a:lnSpc>
             </a:pPr>
             <a:r>
-              <a:rPr lang="en-US" sz="1600" smtClean="0"/>
+              <a:rPr lang="en-US" sz="2400" smtClean="0"/>
               <a:t>Queues associated with queue pending signals should not be used for general use, such as free descriptor queues (FDQs). Others can be used for any purpose.</a:t>
             </a:r>
           </a:p>
@@ -15935,7 +15483,7 @@
               <a:buFont typeface="Arial" charset="0"/>
               <a:buNone/>
             </a:pPr>
-            <a:endParaRPr lang="en-US" sz="1600" smtClean="0"/>
+            <a:endParaRPr lang="en-US" sz="2400" smtClean="0"/>
           </a:p>
         </p:txBody>
       </p:sp>
@@ -15976,7 +15524,7 @@
       </p:grpSpPr>
       <p:sp>
         <p:nvSpPr>
-          <p:cNvPr id="21506" name="Rectangle 2"/>
+          <p:cNvPr id="16386" name="Rectangle 2"/>
           <p:cNvSpPr>
             <a:spLocks noGrp="1" noChangeArrowheads="1"/>
           </p:cNvSpPr>
@@ -15996,7 +15544,7 @@
           <a:p>
             <a:pPr eaLnBrk="1" hangingPunct="1"/>
             <a:r>
-              <a:rPr lang="en-US" sz="3600" smtClean="0"/>
+              <a:rPr lang="en-US" smtClean="0"/>
               <a:t>QMSS: Queue Mapping</a:t>
             </a:r>
           </a:p>
@@ -21618,7 +21166,7 @@
 </file>
 
 <file path=customXml/itemProps3.xml><?xml version="1.0" encoding="utf-8"?>
-<ds:datastoreItem xmlns:ds="http://schemas.openxmlformats.org/officeDocument/2006/customXml" ds:itemID="{7B6C9C4B-7ED9-4EF5-B6E5-CF40D84E189D}">
+<ds:datastoreItem xmlns:ds="http://schemas.openxmlformats.org/officeDocument/2006/customXml" ds:itemID="{719F508D-F8E2-416C-9230-73C19EACD748}">
   <ds:schemaRefs>
     <ds:schemaRef ds:uri="http://schemas.microsoft.com/office/2006/metadata/properties"/>
   </ds:schemaRefs>

--- a/slides/Intro to Multicore Navigator.pptx
+++ b/slides/Intro to Multicore Navigator.pptx
@@ -499,7 +499,7 @@
             <a:pPr>
               <a:defRPr/>
             </a:pPr>
-            <a:fld id="{32E7F0F2-7B87-411D-B9A5-C6A258836D84}" type="slidenum">
+            <a:fld id="{6B2782ED-576A-4C26-AB9C-FA464F1F2092}" type="slidenum">
               <a:rPr lang="en-US"/>
               <a:pPr>
                 <a:defRPr/>
@@ -706,7 +706,7 @@
             <a:pPr>
               <a:defRPr/>
             </a:pPr>
-            <a:fld id="{32E7F0F2-7B87-411D-B9A5-C6A258836D84}" type="slidenum">
+            <a:fld id="{6B2782ED-576A-4C26-AB9C-FA464F1F2092}" type="slidenum">
               <a:rPr lang="en-US" smtClean="0"/>
               <a:pPr>
                 <a:defRPr/>
@@ -793,7 +793,7 @@
             <a:pPr>
               <a:defRPr/>
             </a:pPr>
-            <a:fld id="{32E7F0F2-7B87-411D-B9A5-C6A258836D84}" type="slidenum">
+            <a:fld id="{6B2782ED-576A-4C26-AB9C-FA464F1F2092}" type="slidenum">
               <a:rPr lang="en-US" smtClean="0"/>
               <a:pPr>
                 <a:defRPr/>
@@ -1006,7 +1006,7 @@
             <a:pPr>
               <a:defRPr/>
             </a:pPr>
-            <a:fld id="{32E7F0F2-7B87-411D-B9A5-C6A258836D84}" type="slidenum">
+            <a:fld id="{6B2782ED-576A-4C26-AB9C-FA464F1F2092}" type="slidenum">
               <a:rPr lang="en-US" smtClean="0"/>
               <a:pPr>
                 <a:defRPr/>
@@ -1093,7 +1093,7 @@
             <a:pPr>
               <a:defRPr/>
             </a:pPr>
-            <a:fld id="{32E7F0F2-7B87-411D-B9A5-C6A258836D84}" type="slidenum">
+            <a:fld id="{6B2782ED-576A-4C26-AB9C-FA464F1F2092}" type="slidenum">
               <a:rPr lang="en-US" smtClean="0"/>
               <a:pPr>
                 <a:defRPr/>
@@ -1185,7 +1185,7 @@
           <a:bodyPr/>
           <a:lstStyle/>
           <a:p>
-            <a:fld id="{33DF9690-44B3-444D-BB9D-1068CE2C1403}" type="slidenum">
+            <a:fld id="{66ACF9D3-0DE6-40EB-85DF-C0E6CCAA59B7}" type="slidenum">
               <a:rPr lang="en-US" smtClean="0">
                 <a:latin typeface="Arial" charset="0"/>
               </a:rPr>
@@ -1281,7 +1281,7 @@
           <a:bodyPr/>
           <a:lstStyle/>
           <a:p>
-            <a:fld id="{FE95819D-BA6A-4CFC-ABB8-DEFE230ADC9E}" type="slidenum">
+            <a:fld id="{D3162B26-377D-4695-99B3-F3902C4ADB0D}" type="slidenum">
               <a:rPr lang="en-US" smtClean="0">
                 <a:latin typeface="Arial" charset="0"/>
               </a:rPr>
@@ -1370,7 +1370,7 @@
             <a:pPr>
               <a:defRPr/>
             </a:pPr>
-            <a:fld id="{32E7F0F2-7B87-411D-B9A5-C6A258836D84}" type="slidenum">
+            <a:fld id="{6B2782ED-576A-4C26-AB9C-FA464F1F2092}" type="slidenum">
               <a:rPr lang="en-US" smtClean="0"/>
               <a:pPr>
                 <a:defRPr/>
@@ -1457,7 +1457,7 @@
             <a:pPr>
               <a:defRPr/>
             </a:pPr>
-            <a:fld id="{32E7F0F2-7B87-411D-B9A5-C6A258836D84}" type="slidenum">
+            <a:fld id="{6B2782ED-576A-4C26-AB9C-FA464F1F2092}" type="slidenum">
               <a:rPr lang="en-US" smtClean="0"/>
               <a:pPr>
                 <a:defRPr/>
@@ -1544,7 +1544,7 @@
             <a:pPr>
               <a:defRPr/>
             </a:pPr>
-            <a:fld id="{32E7F0F2-7B87-411D-B9A5-C6A258836D84}" type="slidenum">
+            <a:fld id="{6B2782ED-576A-4C26-AB9C-FA464F1F2092}" type="slidenum">
               <a:rPr lang="en-US" smtClean="0"/>
               <a:pPr>
                 <a:defRPr/>
@@ -1631,7 +1631,7 @@
             <a:pPr>
               <a:defRPr/>
             </a:pPr>
-            <a:fld id="{32E7F0F2-7B87-411D-B9A5-C6A258836D84}" type="slidenum">
+            <a:fld id="{6B2782ED-576A-4C26-AB9C-FA464F1F2092}" type="slidenum">
               <a:rPr lang="en-US" smtClean="0"/>
               <a:pPr>
                 <a:defRPr/>
@@ -1718,7 +1718,7 @@
             <a:pPr>
               <a:defRPr/>
             </a:pPr>
-            <a:fld id="{32E7F0F2-7B87-411D-B9A5-C6A258836D84}" type="slidenum">
+            <a:fld id="{6B2782ED-576A-4C26-AB9C-FA464F1F2092}" type="slidenum">
               <a:rPr lang="en-US" smtClean="0"/>
               <a:pPr>
                 <a:defRPr/>
@@ -1810,7 +1810,7 @@
           <a:bodyPr/>
           <a:lstStyle/>
           <a:p>
-            <a:fld id="{00587053-903A-43EF-8565-436E2615098E}" type="slidenum">
+            <a:fld id="{40B3FF3B-B50E-4E0C-959E-1FFF0C99C001}" type="slidenum">
               <a:rPr lang="en-US" smtClean="0">
                 <a:latin typeface="Arial" charset="0"/>
               </a:rPr>
@@ -1904,7 +1904,7 @@
           <a:bodyPr/>
           <a:lstStyle/>
           <a:p>
-            <a:fld id="{7523466A-BBCD-4B33-BABE-8DECDE70EA0F}" type="slidenum">
+            <a:fld id="{41C1B430-FF9C-47B4-AC13-684EDAB03EC4}" type="slidenum">
               <a:rPr lang="en-US" smtClean="0">
                 <a:latin typeface="Arial" charset="0"/>
               </a:rPr>
@@ -1993,7 +1993,7 @@
             <a:pPr>
               <a:defRPr/>
             </a:pPr>
-            <a:fld id="{32E7F0F2-7B87-411D-B9A5-C6A258836D84}" type="slidenum">
+            <a:fld id="{6B2782ED-576A-4C26-AB9C-FA464F1F2092}" type="slidenum">
               <a:rPr lang="en-US" smtClean="0"/>
               <a:pPr>
                 <a:defRPr/>
@@ -2080,7 +2080,7 @@
             <a:pPr>
               <a:defRPr/>
             </a:pPr>
-            <a:fld id="{32E7F0F2-7B87-411D-B9A5-C6A258836D84}" type="slidenum">
+            <a:fld id="{6B2782ED-576A-4C26-AB9C-FA464F1F2092}" type="slidenum">
               <a:rPr lang="en-US" smtClean="0"/>
               <a:pPr>
                 <a:defRPr/>
@@ -2167,7 +2167,7 @@
             <a:pPr>
               <a:defRPr/>
             </a:pPr>
-            <a:fld id="{32E7F0F2-7B87-411D-B9A5-C6A258836D84}" type="slidenum">
+            <a:fld id="{6B2782ED-576A-4C26-AB9C-FA464F1F2092}" type="slidenum">
               <a:rPr lang="en-US" smtClean="0"/>
               <a:pPr>
                 <a:defRPr/>
@@ -2254,7 +2254,7 @@
             <a:pPr>
               <a:defRPr/>
             </a:pPr>
-            <a:fld id="{32E7F0F2-7B87-411D-B9A5-C6A258836D84}" type="slidenum">
+            <a:fld id="{6B2782ED-576A-4C26-AB9C-FA464F1F2092}" type="slidenum">
               <a:rPr lang="en-US" smtClean="0"/>
               <a:pPr>
                 <a:defRPr/>
@@ -2534,7 +2534,7 @@
           <a:bodyPr/>
           <a:lstStyle/>
           <a:p>
-            <a:fld id="{F10EF400-AED2-41F8-8C3C-07885F283DC0}" type="slidenum">
+            <a:fld id="{2065B78A-9517-4FB0-8FA0-08A317401A42}" type="slidenum">
               <a:rPr lang="en-US" smtClean="0">
                 <a:latin typeface="Arial" charset="0"/>
               </a:rPr>
@@ -2812,7 +2812,7 @@
             <a:pPr>
               <a:defRPr/>
             </a:pPr>
-            <a:fld id="{32E7F0F2-7B87-411D-B9A5-C6A258836D84}" type="slidenum">
+            <a:fld id="{6B2782ED-576A-4C26-AB9C-FA464F1F2092}" type="slidenum">
               <a:rPr lang="en-US" smtClean="0"/>
               <a:pPr>
                 <a:defRPr/>
@@ -2899,7 +2899,7 @@
             <a:pPr>
               <a:defRPr/>
             </a:pPr>
-            <a:fld id="{32E7F0F2-7B87-411D-B9A5-C6A258836D84}" type="slidenum">
+            <a:fld id="{6B2782ED-576A-4C26-AB9C-FA464F1F2092}" type="slidenum">
               <a:rPr lang="en-US" smtClean="0"/>
               <a:pPr>
                 <a:defRPr/>
@@ -2986,7 +2986,7 @@
             <a:pPr>
               <a:defRPr/>
             </a:pPr>
-            <a:fld id="{32E7F0F2-7B87-411D-B9A5-C6A258836D84}" type="slidenum">
+            <a:fld id="{6B2782ED-576A-4C26-AB9C-FA464F1F2092}" type="slidenum">
               <a:rPr lang="en-US" smtClean="0"/>
               <a:pPr>
                 <a:defRPr/>
@@ -3073,7 +3073,7 @@
             <a:pPr>
               <a:defRPr/>
             </a:pPr>
-            <a:fld id="{32E7F0F2-7B87-411D-B9A5-C6A258836D84}" type="slidenum">
+            <a:fld id="{6B2782ED-576A-4C26-AB9C-FA464F1F2092}" type="slidenum">
               <a:rPr lang="en-US" smtClean="0"/>
               <a:pPr>
                 <a:defRPr/>
@@ -3160,7 +3160,7 @@
             <a:pPr>
               <a:defRPr/>
             </a:pPr>
-            <a:fld id="{32E7F0F2-7B87-411D-B9A5-C6A258836D84}" type="slidenum">
+            <a:fld id="{6B2782ED-576A-4C26-AB9C-FA464F1F2092}" type="slidenum">
               <a:rPr lang="en-US" smtClean="0"/>
               <a:pPr>
                 <a:defRPr/>
@@ -3247,7 +3247,7 @@
             <a:pPr>
               <a:defRPr/>
             </a:pPr>
-            <a:fld id="{32E7F0F2-7B87-411D-B9A5-C6A258836D84}" type="slidenum">
+            <a:fld id="{6B2782ED-576A-4C26-AB9C-FA464F1F2092}" type="slidenum">
               <a:rPr lang="en-US" smtClean="0"/>
               <a:pPr>
                 <a:defRPr/>
@@ -3334,7 +3334,7 @@
             <a:pPr>
               <a:defRPr/>
             </a:pPr>
-            <a:fld id="{32E7F0F2-7B87-411D-B9A5-C6A258836D84}" type="slidenum">
+            <a:fld id="{6B2782ED-576A-4C26-AB9C-FA464F1F2092}" type="slidenum">
               <a:rPr lang="en-US" smtClean="0"/>
               <a:pPr>
                 <a:defRPr/>
@@ -3421,7 +3421,7 @@
             <a:pPr>
               <a:defRPr/>
             </a:pPr>
-            <a:fld id="{32E7F0F2-7B87-411D-B9A5-C6A258836D84}" type="slidenum">
+            <a:fld id="{6B2782ED-576A-4C26-AB9C-FA464F1F2092}" type="slidenum">
               <a:rPr lang="en-US" smtClean="0"/>
               <a:pPr>
                 <a:defRPr/>
@@ -3508,7 +3508,7 @@
             <a:pPr>
               <a:defRPr/>
             </a:pPr>
-            <a:fld id="{32E7F0F2-7B87-411D-B9A5-C6A258836D84}" type="slidenum">
+            <a:fld id="{6B2782ED-576A-4C26-AB9C-FA464F1F2092}" type="slidenum">
               <a:rPr lang="en-US" smtClean="0"/>
               <a:pPr>
                 <a:defRPr/>
@@ -3595,7 +3595,7 @@
             <a:pPr>
               <a:defRPr/>
             </a:pPr>
-            <a:fld id="{32E7F0F2-7B87-411D-B9A5-C6A258836D84}" type="slidenum">
+            <a:fld id="{6B2782ED-576A-4C26-AB9C-FA464F1F2092}" type="slidenum">
               <a:rPr lang="en-US" smtClean="0"/>
               <a:pPr>
                 <a:defRPr/>
@@ -3648,7 +3648,7 @@
           <a:bodyPr/>
           <a:lstStyle/>
           <a:p>
-            <a:fld id="{C3583502-928D-4C66-B9F1-BF8C2886F4F4}" type="slidenum">
+            <a:fld id="{806C4099-65B6-4655-800C-A204C5EBC85B}" type="slidenum">
               <a:rPr lang="en-US" smtClean="0">
                 <a:latin typeface="Arial" charset="0"/>
               </a:rPr>
@@ -3746,7 +3746,7 @@
           <a:bodyPr/>
           <a:lstStyle/>
           <a:p>
-            <a:fld id="{B62F4DCE-0A17-4BD6-AA99-C7EEEECBB617}" type="slidenum">
+            <a:fld id="{0126B9BE-DB37-4A8A-941F-22A545796F6D}" type="slidenum">
               <a:rPr lang="en-US" smtClean="0">
                 <a:latin typeface="Arial" charset="0"/>
               </a:rPr>
@@ -3878,7 +3878,7 @@
             <a:pPr>
               <a:defRPr/>
             </a:pPr>
-            <a:fld id="{32E7F0F2-7B87-411D-B9A5-C6A258836D84}" type="slidenum">
+            <a:fld id="{6B2782ED-576A-4C26-AB9C-FA464F1F2092}" type="slidenum">
               <a:rPr lang="en-US" smtClean="0"/>
               <a:pPr>
                 <a:defRPr/>
@@ -3965,7 +3965,7 @@
             <a:pPr>
               <a:defRPr/>
             </a:pPr>
-            <a:fld id="{32E7F0F2-7B87-411D-B9A5-C6A258836D84}" type="slidenum">
+            <a:fld id="{6B2782ED-576A-4C26-AB9C-FA464F1F2092}" type="slidenum">
               <a:rPr lang="en-US" smtClean="0"/>
               <a:pPr>
                 <a:defRPr/>
@@ -4052,7 +4052,7 @@
             <a:pPr>
               <a:defRPr/>
             </a:pPr>
-            <a:fld id="{32E7F0F2-7B87-411D-B9A5-C6A258836D84}" type="slidenum">
+            <a:fld id="{6B2782ED-576A-4C26-AB9C-FA464F1F2092}" type="slidenum">
               <a:rPr lang="en-US" smtClean="0"/>
               <a:pPr>
                 <a:defRPr/>
@@ -4139,7 +4139,7 @@
             <a:pPr>
               <a:defRPr/>
             </a:pPr>
-            <a:fld id="{32E7F0F2-7B87-411D-B9A5-C6A258836D84}" type="slidenum">
+            <a:fld id="{6B2782ED-576A-4C26-AB9C-FA464F1F2092}" type="slidenum">
               <a:rPr lang="en-US" smtClean="0"/>
               <a:pPr>
                 <a:defRPr/>
@@ -4226,7 +4226,7 @@
             <a:pPr>
               <a:defRPr/>
             </a:pPr>
-            <a:fld id="{32E7F0F2-7B87-411D-B9A5-C6A258836D84}" type="slidenum">
+            <a:fld id="{6B2782ED-576A-4C26-AB9C-FA464F1F2092}" type="slidenum">
               <a:rPr lang="en-US" smtClean="0"/>
               <a:pPr>
                 <a:defRPr/>
@@ -4313,7 +4313,7 @@
             <a:pPr>
               <a:defRPr/>
             </a:pPr>
-            <a:fld id="{32E7F0F2-7B87-411D-B9A5-C6A258836D84}" type="slidenum">
+            <a:fld id="{6B2782ED-576A-4C26-AB9C-FA464F1F2092}" type="slidenum">
               <a:rPr lang="en-US" smtClean="0"/>
               <a:pPr>
                 <a:defRPr/>
@@ -5503,26 +5503,7 @@
                 </a:solidFill>
                 <a:latin typeface="Calibri"/>
               </a:rPr>
-              <a:t>Multicore </a:t>
-            </a:r>
-            <a:r>
-              <a:rPr lang="en-US" sz="1200" b="1" dirty="0">
-                <a:ln w="10541" cmpd="sng">
-                  <a:solidFill>
-                    <a:srgbClr val="7D7D7D">
-                      <a:tint val="100000"/>
-                      <a:shade val="100000"/>
-                      <a:satMod val="110000"/>
-                    </a:srgbClr>
-                  </a:solidFill>
-                  <a:prstDash val="solid"/>
-                </a:ln>
-                <a:solidFill>
-                  <a:prstClr val="black"/>
-                </a:solidFill>
-                <a:latin typeface="Calibri"/>
-              </a:rPr>
-              <a:t>Training</a:t>
+              <a:t>Multicore Training</a:t>
             </a:r>
           </a:p>
         </p:txBody>
@@ -5997,7 +5978,7 @@
             </a:pPr>
             <a:r>
               <a:rPr lang="en-US" smtClean="0"/>
-              <a:t>CIV Application Team </a:t>
+              <a:t>Multicore Applications</a:t>
             </a:r>
           </a:p>
           <a:p>
@@ -6017,6 +5998,13 @@
   <p:clrMapOvr>
     <a:masterClrMapping/>
   </p:clrMapOvr>
+  <p:timing>
+    <p:tnLst>
+      <p:par>
+        <p:cTn id="1" dur="indefinite" restart="never" nodeType="tmRoot"/>
+      </p:par>
+    </p:tnLst>
+  </p:timing>
 </p:sld>
 </file>
 
@@ -14409,7 +14397,7 @@
           <a:bodyPr/>
           <a:lstStyle/>
           <a:p>
-            <a:fld id="{29D4DD37-91EA-46D1-B7B9-78244388DA15}" type="slidenum">
+            <a:fld id="{B0AEDE00-0461-43DE-B688-4389520B74A7}" type="slidenum">
               <a:rPr lang="en-US"/>
               <a:pPr/>
               <a:t>42</a:t>
@@ -14643,7 +14631,7 @@
           <a:bodyPr/>
           <a:lstStyle/>
           <a:p>
-            <a:fld id="{869E4581-C765-489C-A683-9BE41523C899}" type="slidenum">
+            <a:fld id="{D62CBF34-D977-49AD-B252-D188EFEAD909}" type="slidenum">
               <a:rPr lang="en-US"/>
               <a:pPr/>
               <a:t>43</a:t>
@@ -21166,7 +21154,7 @@
 </file>
 
 <file path=customXml/itemProps3.xml><?xml version="1.0" encoding="utf-8"?>
-<ds:datastoreItem xmlns:ds="http://schemas.openxmlformats.org/officeDocument/2006/customXml" ds:itemID="{719F508D-F8E2-416C-9230-73C19EACD748}">
+<ds:datastoreItem xmlns:ds="http://schemas.openxmlformats.org/officeDocument/2006/customXml" ds:itemID="{20464EE8-13C9-401D-B7DB-F689C5AFC7DF}">
   <ds:schemaRefs>
     <ds:schemaRef ds:uri="http://schemas.microsoft.com/office/2006/metadata/properties"/>
   </ds:schemaRefs>

--- a/slides/Intro to Multicore Navigator.pptx
+++ b/slides/Intro to Multicore Navigator.pptx
@@ -499,7 +499,7 @@
             <a:pPr>
               <a:defRPr/>
             </a:pPr>
-            <a:fld id="{6B2782ED-576A-4C26-AB9C-FA464F1F2092}" type="slidenum">
+            <a:fld id="{F2086891-CAB8-4536-A89A-14CB86540D0B}" type="slidenum">
               <a:rPr lang="en-US"/>
               <a:pPr>
                 <a:defRPr/>
@@ -706,7 +706,7 @@
             <a:pPr>
               <a:defRPr/>
             </a:pPr>
-            <a:fld id="{6B2782ED-576A-4C26-AB9C-FA464F1F2092}" type="slidenum">
+            <a:fld id="{F2086891-CAB8-4536-A89A-14CB86540D0B}" type="slidenum">
               <a:rPr lang="en-US" smtClean="0"/>
               <a:pPr>
                 <a:defRPr/>
@@ -793,7 +793,7 @@
             <a:pPr>
               <a:defRPr/>
             </a:pPr>
-            <a:fld id="{6B2782ED-576A-4C26-AB9C-FA464F1F2092}" type="slidenum">
+            <a:fld id="{F2086891-CAB8-4536-A89A-14CB86540D0B}" type="slidenum">
               <a:rPr lang="en-US" smtClean="0"/>
               <a:pPr>
                 <a:defRPr/>
@@ -1006,7 +1006,7 @@
             <a:pPr>
               <a:defRPr/>
             </a:pPr>
-            <a:fld id="{6B2782ED-576A-4C26-AB9C-FA464F1F2092}" type="slidenum">
+            <a:fld id="{F2086891-CAB8-4536-A89A-14CB86540D0B}" type="slidenum">
               <a:rPr lang="en-US" smtClean="0"/>
               <a:pPr>
                 <a:defRPr/>
@@ -1093,7 +1093,7 @@
             <a:pPr>
               <a:defRPr/>
             </a:pPr>
-            <a:fld id="{6B2782ED-576A-4C26-AB9C-FA464F1F2092}" type="slidenum">
+            <a:fld id="{F2086891-CAB8-4536-A89A-14CB86540D0B}" type="slidenum">
               <a:rPr lang="en-US" smtClean="0"/>
               <a:pPr>
                 <a:defRPr/>
@@ -1185,7 +1185,7 @@
           <a:bodyPr/>
           <a:lstStyle/>
           <a:p>
-            <a:fld id="{66ACF9D3-0DE6-40EB-85DF-C0E6CCAA59B7}" type="slidenum">
+            <a:fld id="{507DE491-F069-48FB-AA52-612349ECD795}" type="slidenum">
               <a:rPr lang="en-US" smtClean="0">
                 <a:latin typeface="Arial" charset="0"/>
               </a:rPr>
@@ -1281,7 +1281,7 @@
           <a:bodyPr/>
           <a:lstStyle/>
           <a:p>
-            <a:fld id="{D3162B26-377D-4695-99B3-F3902C4ADB0D}" type="slidenum">
+            <a:fld id="{C96AACEE-6892-4414-AE37-FEBB945F2DCB}" type="slidenum">
               <a:rPr lang="en-US" smtClean="0">
                 <a:latin typeface="Arial" charset="0"/>
               </a:rPr>
@@ -1370,7 +1370,7 @@
             <a:pPr>
               <a:defRPr/>
             </a:pPr>
-            <a:fld id="{6B2782ED-576A-4C26-AB9C-FA464F1F2092}" type="slidenum">
+            <a:fld id="{F2086891-CAB8-4536-A89A-14CB86540D0B}" type="slidenum">
               <a:rPr lang="en-US" smtClean="0"/>
               <a:pPr>
                 <a:defRPr/>
@@ -1457,7 +1457,7 @@
             <a:pPr>
               <a:defRPr/>
             </a:pPr>
-            <a:fld id="{6B2782ED-576A-4C26-AB9C-FA464F1F2092}" type="slidenum">
+            <a:fld id="{F2086891-CAB8-4536-A89A-14CB86540D0B}" type="slidenum">
               <a:rPr lang="en-US" smtClean="0"/>
               <a:pPr>
                 <a:defRPr/>
@@ -1544,7 +1544,7 @@
             <a:pPr>
               <a:defRPr/>
             </a:pPr>
-            <a:fld id="{6B2782ED-576A-4C26-AB9C-FA464F1F2092}" type="slidenum">
+            <a:fld id="{F2086891-CAB8-4536-A89A-14CB86540D0B}" type="slidenum">
               <a:rPr lang="en-US" smtClean="0"/>
               <a:pPr>
                 <a:defRPr/>
@@ -1631,7 +1631,7 @@
             <a:pPr>
               <a:defRPr/>
             </a:pPr>
-            <a:fld id="{6B2782ED-576A-4C26-AB9C-FA464F1F2092}" type="slidenum">
+            <a:fld id="{F2086891-CAB8-4536-A89A-14CB86540D0B}" type="slidenum">
               <a:rPr lang="en-US" smtClean="0"/>
               <a:pPr>
                 <a:defRPr/>
@@ -1718,7 +1718,7 @@
             <a:pPr>
               <a:defRPr/>
             </a:pPr>
-            <a:fld id="{6B2782ED-576A-4C26-AB9C-FA464F1F2092}" type="slidenum">
+            <a:fld id="{F2086891-CAB8-4536-A89A-14CB86540D0B}" type="slidenum">
               <a:rPr lang="en-US" smtClean="0"/>
               <a:pPr>
                 <a:defRPr/>
@@ -1810,7 +1810,7 @@
           <a:bodyPr/>
           <a:lstStyle/>
           <a:p>
-            <a:fld id="{40B3FF3B-B50E-4E0C-959E-1FFF0C99C001}" type="slidenum">
+            <a:fld id="{39EC303D-612D-4DA7-BA46-8954C1BBB448}" type="slidenum">
               <a:rPr lang="en-US" smtClean="0">
                 <a:latin typeface="Arial" charset="0"/>
               </a:rPr>
@@ -1904,7 +1904,7 @@
           <a:bodyPr/>
           <a:lstStyle/>
           <a:p>
-            <a:fld id="{41C1B430-FF9C-47B4-AC13-684EDAB03EC4}" type="slidenum">
+            <a:fld id="{6C5B4C1E-1B6D-4963-A48F-EC05EDB0AD4C}" type="slidenum">
               <a:rPr lang="en-US" smtClean="0">
                 <a:latin typeface="Arial" charset="0"/>
               </a:rPr>
@@ -1993,7 +1993,7 @@
             <a:pPr>
               <a:defRPr/>
             </a:pPr>
-            <a:fld id="{6B2782ED-576A-4C26-AB9C-FA464F1F2092}" type="slidenum">
+            <a:fld id="{F2086891-CAB8-4536-A89A-14CB86540D0B}" type="slidenum">
               <a:rPr lang="en-US" smtClean="0"/>
               <a:pPr>
                 <a:defRPr/>
@@ -2080,7 +2080,7 @@
             <a:pPr>
               <a:defRPr/>
             </a:pPr>
-            <a:fld id="{6B2782ED-576A-4C26-AB9C-FA464F1F2092}" type="slidenum">
+            <a:fld id="{F2086891-CAB8-4536-A89A-14CB86540D0B}" type="slidenum">
               <a:rPr lang="en-US" smtClean="0"/>
               <a:pPr>
                 <a:defRPr/>
@@ -2167,7 +2167,7 @@
             <a:pPr>
               <a:defRPr/>
             </a:pPr>
-            <a:fld id="{6B2782ED-576A-4C26-AB9C-FA464F1F2092}" type="slidenum">
+            <a:fld id="{F2086891-CAB8-4536-A89A-14CB86540D0B}" type="slidenum">
               <a:rPr lang="en-US" smtClean="0"/>
               <a:pPr>
                 <a:defRPr/>
@@ -2254,7 +2254,7 @@
             <a:pPr>
               <a:defRPr/>
             </a:pPr>
-            <a:fld id="{6B2782ED-576A-4C26-AB9C-FA464F1F2092}" type="slidenum">
+            <a:fld id="{F2086891-CAB8-4536-A89A-14CB86540D0B}" type="slidenum">
               <a:rPr lang="en-US" smtClean="0"/>
               <a:pPr>
                 <a:defRPr/>
@@ -2534,7 +2534,7 @@
           <a:bodyPr/>
           <a:lstStyle/>
           <a:p>
-            <a:fld id="{2065B78A-9517-4FB0-8FA0-08A317401A42}" type="slidenum">
+            <a:fld id="{72E89829-321C-401B-82FE-9CDBC8505B65}" type="slidenum">
               <a:rPr lang="en-US" smtClean="0">
                 <a:latin typeface="Arial" charset="0"/>
               </a:rPr>
@@ -2812,7 +2812,7 @@
             <a:pPr>
               <a:defRPr/>
             </a:pPr>
-            <a:fld id="{6B2782ED-576A-4C26-AB9C-FA464F1F2092}" type="slidenum">
+            <a:fld id="{F2086891-CAB8-4536-A89A-14CB86540D0B}" type="slidenum">
               <a:rPr lang="en-US" smtClean="0"/>
               <a:pPr>
                 <a:defRPr/>
@@ -2899,7 +2899,7 @@
             <a:pPr>
               <a:defRPr/>
             </a:pPr>
-            <a:fld id="{6B2782ED-576A-4C26-AB9C-FA464F1F2092}" type="slidenum">
+            <a:fld id="{F2086891-CAB8-4536-A89A-14CB86540D0B}" type="slidenum">
               <a:rPr lang="en-US" smtClean="0"/>
               <a:pPr>
                 <a:defRPr/>
@@ -2986,7 +2986,7 @@
             <a:pPr>
               <a:defRPr/>
             </a:pPr>
-            <a:fld id="{6B2782ED-576A-4C26-AB9C-FA464F1F2092}" type="slidenum">
+            <a:fld id="{F2086891-CAB8-4536-A89A-14CB86540D0B}" type="slidenum">
               <a:rPr lang="en-US" smtClean="0"/>
               <a:pPr>
                 <a:defRPr/>
@@ -3073,7 +3073,7 @@
             <a:pPr>
               <a:defRPr/>
             </a:pPr>
-            <a:fld id="{6B2782ED-576A-4C26-AB9C-FA464F1F2092}" type="slidenum">
+            <a:fld id="{F2086891-CAB8-4536-A89A-14CB86540D0B}" type="slidenum">
               <a:rPr lang="en-US" smtClean="0"/>
               <a:pPr>
                 <a:defRPr/>
@@ -3160,7 +3160,7 @@
             <a:pPr>
               <a:defRPr/>
             </a:pPr>
-            <a:fld id="{6B2782ED-576A-4C26-AB9C-FA464F1F2092}" type="slidenum">
+            <a:fld id="{F2086891-CAB8-4536-A89A-14CB86540D0B}" type="slidenum">
               <a:rPr lang="en-US" smtClean="0"/>
               <a:pPr>
                 <a:defRPr/>
@@ -3247,7 +3247,7 @@
             <a:pPr>
               <a:defRPr/>
             </a:pPr>
-            <a:fld id="{6B2782ED-576A-4C26-AB9C-FA464F1F2092}" type="slidenum">
+            <a:fld id="{F2086891-CAB8-4536-A89A-14CB86540D0B}" type="slidenum">
               <a:rPr lang="en-US" smtClean="0"/>
               <a:pPr>
                 <a:defRPr/>
@@ -3334,7 +3334,7 @@
             <a:pPr>
               <a:defRPr/>
             </a:pPr>
-            <a:fld id="{6B2782ED-576A-4C26-AB9C-FA464F1F2092}" type="slidenum">
+            <a:fld id="{F2086891-CAB8-4536-A89A-14CB86540D0B}" type="slidenum">
               <a:rPr lang="en-US" smtClean="0"/>
               <a:pPr>
                 <a:defRPr/>
@@ -3421,7 +3421,7 @@
             <a:pPr>
               <a:defRPr/>
             </a:pPr>
-            <a:fld id="{6B2782ED-576A-4C26-AB9C-FA464F1F2092}" type="slidenum">
+            <a:fld id="{F2086891-CAB8-4536-A89A-14CB86540D0B}" type="slidenum">
               <a:rPr lang="en-US" smtClean="0"/>
               <a:pPr>
                 <a:defRPr/>
@@ -3508,7 +3508,7 @@
             <a:pPr>
               <a:defRPr/>
             </a:pPr>
-            <a:fld id="{6B2782ED-576A-4C26-AB9C-FA464F1F2092}" type="slidenum">
+            <a:fld id="{F2086891-CAB8-4536-A89A-14CB86540D0B}" type="slidenum">
               <a:rPr lang="en-US" smtClean="0"/>
               <a:pPr>
                 <a:defRPr/>
@@ -3595,7 +3595,7 @@
             <a:pPr>
               <a:defRPr/>
             </a:pPr>
-            <a:fld id="{6B2782ED-576A-4C26-AB9C-FA464F1F2092}" type="slidenum">
+            <a:fld id="{F2086891-CAB8-4536-A89A-14CB86540D0B}" type="slidenum">
               <a:rPr lang="en-US" smtClean="0"/>
               <a:pPr>
                 <a:defRPr/>
@@ -3648,7 +3648,7 @@
           <a:bodyPr/>
           <a:lstStyle/>
           <a:p>
-            <a:fld id="{806C4099-65B6-4655-800C-A204C5EBC85B}" type="slidenum">
+            <a:fld id="{72419F1B-641B-4DB9-8D4F-19B519902C28}" type="slidenum">
               <a:rPr lang="en-US" smtClean="0">
                 <a:latin typeface="Arial" charset="0"/>
               </a:rPr>
@@ -3746,7 +3746,7 @@
           <a:bodyPr/>
           <a:lstStyle/>
           <a:p>
-            <a:fld id="{0126B9BE-DB37-4A8A-941F-22A545796F6D}" type="slidenum">
+            <a:fld id="{0C5001A3-575F-41DF-A741-EE43D57EA8EA}" type="slidenum">
               <a:rPr lang="en-US" smtClean="0">
                 <a:latin typeface="Arial" charset="0"/>
               </a:rPr>
@@ -3878,7 +3878,7 @@
             <a:pPr>
               <a:defRPr/>
             </a:pPr>
-            <a:fld id="{6B2782ED-576A-4C26-AB9C-FA464F1F2092}" type="slidenum">
+            <a:fld id="{F2086891-CAB8-4536-A89A-14CB86540D0B}" type="slidenum">
               <a:rPr lang="en-US" smtClean="0"/>
               <a:pPr>
                 <a:defRPr/>
@@ -3965,7 +3965,7 @@
             <a:pPr>
               <a:defRPr/>
             </a:pPr>
-            <a:fld id="{6B2782ED-576A-4C26-AB9C-FA464F1F2092}" type="slidenum">
+            <a:fld id="{F2086891-CAB8-4536-A89A-14CB86540D0B}" type="slidenum">
               <a:rPr lang="en-US" smtClean="0"/>
               <a:pPr>
                 <a:defRPr/>
@@ -4052,7 +4052,7 @@
             <a:pPr>
               <a:defRPr/>
             </a:pPr>
-            <a:fld id="{6B2782ED-576A-4C26-AB9C-FA464F1F2092}" type="slidenum">
+            <a:fld id="{F2086891-CAB8-4536-A89A-14CB86540D0B}" type="slidenum">
               <a:rPr lang="en-US" smtClean="0"/>
               <a:pPr>
                 <a:defRPr/>
@@ -4139,7 +4139,7 @@
             <a:pPr>
               <a:defRPr/>
             </a:pPr>
-            <a:fld id="{6B2782ED-576A-4C26-AB9C-FA464F1F2092}" type="slidenum">
+            <a:fld id="{F2086891-CAB8-4536-A89A-14CB86540D0B}" type="slidenum">
               <a:rPr lang="en-US" smtClean="0"/>
               <a:pPr>
                 <a:defRPr/>
@@ -4226,7 +4226,7 @@
             <a:pPr>
               <a:defRPr/>
             </a:pPr>
-            <a:fld id="{6B2782ED-576A-4C26-AB9C-FA464F1F2092}" type="slidenum">
+            <a:fld id="{F2086891-CAB8-4536-A89A-14CB86540D0B}" type="slidenum">
               <a:rPr lang="en-US" smtClean="0"/>
               <a:pPr>
                 <a:defRPr/>
@@ -4313,7 +4313,7 @@
             <a:pPr>
               <a:defRPr/>
             </a:pPr>
-            <a:fld id="{6B2782ED-576A-4C26-AB9C-FA464F1F2092}" type="slidenum">
+            <a:fld id="{F2086891-CAB8-4536-A89A-14CB86540D0B}" type="slidenum">
               <a:rPr lang="en-US" smtClean="0"/>
               <a:pPr>
                 <a:defRPr/>
@@ -14397,7 +14397,7 @@
           <a:bodyPr/>
           <a:lstStyle/>
           <a:p>
-            <a:fld id="{B0AEDE00-0461-43DE-B688-4389520B74A7}" type="slidenum">
+            <a:fld id="{784A1594-E926-4F51-BE44-6397B5AB7182}" type="slidenum">
               <a:rPr lang="en-US"/>
               <a:pPr/>
               <a:t>42</a:t>
@@ -14631,7 +14631,7 @@
           <a:bodyPr/>
           <a:lstStyle/>
           <a:p>
-            <a:fld id="{D62CBF34-D977-49AD-B252-D188EFEAD909}" type="slidenum">
+            <a:fld id="{9F2BA5F7-23F2-4BCE-BEC3-55452EFE40DC}" type="slidenum">
               <a:rPr lang="en-US"/>
               <a:pPr/>
               <a:t>43</a:t>
@@ -21154,7 +21154,7 @@
 </file>
 
 <file path=customXml/itemProps3.xml><?xml version="1.0" encoding="utf-8"?>
-<ds:datastoreItem xmlns:ds="http://schemas.openxmlformats.org/officeDocument/2006/customXml" ds:itemID="{20464EE8-13C9-401D-B7DB-F689C5AFC7DF}">
+<ds:datastoreItem xmlns:ds="http://schemas.openxmlformats.org/officeDocument/2006/customXml" ds:itemID="{D18B2675-1F45-4BE7-8189-2C73D7253E67}">
   <ds:schemaRefs>
     <ds:schemaRef ds:uri="http://schemas.microsoft.com/office/2006/metadata/properties"/>
   </ds:schemaRefs>

--- a/slides/Intro to Multicore Navigator.pptx
+++ b/slides/Intro to Multicore Navigator.pptx
@@ -499,7 +499,7 @@
             <a:pPr>
               <a:defRPr/>
             </a:pPr>
-            <a:fld id="{F2086891-CAB8-4536-A89A-14CB86540D0B}" type="slidenum">
+            <a:fld id="{0F7253B4-DFD1-460D-AF69-DA7B7EAABC0B}" type="slidenum">
               <a:rPr lang="en-US"/>
               <a:pPr>
                 <a:defRPr/>
@@ -706,7 +706,7 @@
             <a:pPr>
               <a:defRPr/>
             </a:pPr>
-            <a:fld id="{F2086891-CAB8-4536-A89A-14CB86540D0B}" type="slidenum">
+            <a:fld id="{0F7253B4-DFD1-460D-AF69-DA7B7EAABC0B}" type="slidenum">
               <a:rPr lang="en-US" smtClean="0"/>
               <a:pPr>
                 <a:defRPr/>
@@ -793,7 +793,7 @@
             <a:pPr>
               <a:defRPr/>
             </a:pPr>
-            <a:fld id="{F2086891-CAB8-4536-A89A-14CB86540D0B}" type="slidenum">
+            <a:fld id="{0F7253B4-DFD1-460D-AF69-DA7B7EAABC0B}" type="slidenum">
               <a:rPr lang="en-US" smtClean="0"/>
               <a:pPr>
                 <a:defRPr/>
@@ -1006,7 +1006,7 @@
             <a:pPr>
               <a:defRPr/>
             </a:pPr>
-            <a:fld id="{F2086891-CAB8-4536-A89A-14CB86540D0B}" type="slidenum">
+            <a:fld id="{0F7253B4-DFD1-460D-AF69-DA7B7EAABC0B}" type="slidenum">
               <a:rPr lang="en-US" smtClean="0"/>
               <a:pPr>
                 <a:defRPr/>
@@ -1093,7 +1093,7 @@
             <a:pPr>
               <a:defRPr/>
             </a:pPr>
-            <a:fld id="{F2086891-CAB8-4536-A89A-14CB86540D0B}" type="slidenum">
+            <a:fld id="{0F7253B4-DFD1-460D-AF69-DA7B7EAABC0B}" type="slidenum">
               <a:rPr lang="en-US" smtClean="0"/>
               <a:pPr>
                 <a:defRPr/>
@@ -1185,7 +1185,7 @@
           <a:bodyPr/>
           <a:lstStyle/>
           <a:p>
-            <a:fld id="{507DE491-F069-48FB-AA52-612349ECD795}" type="slidenum">
+            <a:fld id="{4FC9D9D6-BE92-4B2F-B7DA-E7794C2DB07A}" type="slidenum">
               <a:rPr lang="en-US" smtClean="0">
                 <a:latin typeface="Arial" charset="0"/>
               </a:rPr>
@@ -1281,7 +1281,7 @@
           <a:bodyPr/>
           <a:lstStyle/>
           <a:p>
-            <a:fld id="{C96AACEE-6892-4414-AE37-FEBB945F2DCB}" type="slidenum">
+            <a:fld id="{794C7993-627D-48C7-84E4-8FB7DC699F52}" type="slidenum">
               <a:rPr lang="en-US" smtClean="0">
                 <a:latin typeface="Arial" charset="0"/>
               </a:rPr>
@@ -1370,7 +1370,7 @@
             <a:pPr>
               <a:defRPr/>
             </a:pPr>
-            <a:fld id="{F2086891-CAB8-4536-A89A-14CB86540D0B}" type="slidenum">
+            <a:fld id="{0F7253B4-DFD1-460D-AF69-DA7B7EAABC0B}" type="slidenum">
               <a:rPr lang="en-US" smtClean="0"/>
               <a:pPr>
                 <a:defRPr/>
@@ -1457,7 +1457,7 @@
             <a:pPr>
               <a:defRPr/>
             </a:pPr>
-            <a:fld id="{F2086891-CAB8-4536-A89A-14CB86540D0B}" type="slidenum">
+            <a:fld id="{0F7253B4-DFD1-460D-AF69-DA7B7EAABC0B}" type="slidenum">
               <a:rPr lang="en-US" smtClean="0"/>
               <a:pPr>
                 <a:defRPr/>
@@ -1544,7 +1544,7 @@
             <a:pPr>
               <a:defRPr/>
             </a:pPr>
-            <a:fld id="{F2086891-CAB8-4536-A89A-14CB86540D0B}" type="slidenum">
+            <a:fld id="{0F7253B4-DFD1-460D-AF69-DA7B7EAABC0B}" type="slidenum">
               <a:rPr lang="en-US" smtClean="0"/>
               <a:pPr>
                 <a:defRPr/>
@@ -1631,7 +1631,7 @@
             <a:pPr>
               <a:defRPr/>
             </a:pPr>
-            <a:fld id="{F2086891-CAB8-4536-A89A-14CB86540D0B}" type="slidenum">
+            <a:fld id="{0F7253B4-DFD1-460D-AF69-DA7B7EAABC0B}" type="slidenum">
               <a:rPr lang="en-US" smtClean="0"/>
               <a:pPr>
                 <a:defRPr/>
@@ -1718,7 +1718,7 @@
             <a:pPr>
               <a:defRPr/>
             </a:pPr>
-            <a:fld id="{F2086891-CAB8-4536-A89A-14CB86540D0B}" type="slidenum">
+            <a:fld id="{0F7253B4-DFD1-460D-AF69-DA7B7EAABC0B}" type="slidenum">
               <a:rPr lang="en-US" smtClean="0"/>
               <a:pPr>
                 <a:defRPr/>
@@ -1810,7 +1810,7 @@
           <a:bodyPr/>
           <a:lstStyle/>
           <a:p>
-            <a:fld id="{39EC303D-612D-4DA7-BA46-8954C1BBB448}" type="slidenum">
+            <a:fld id="{9EC2CC08-A903-4025-BFA9-0D88157A695F}" type="slidenum">
               <a:rPr lang="en-US" smtClean="0">
                 <a:latin typeface="Arial" charset="0"/>
               </a:rPr>
@@ -1904,7 +1904,7 @@
           <a:bodyPr/>
           <a:lstStyle/>
           <a:p>
-            <a:fld id="{6C5B4C1E-1B6D-4963-A48F-EC05EDB0AD4C}" type="slidenum">
+            <a:fld id="{FDA4FBFF-1124-49FA-B338-AA8914F62937}" type="slidenum">
               <a:rPr lang="en-US" smtClean="0">
                 <a:latin typeface="Arial" charset="0"/>
               </a:rPr>
@@ -1993,7 +1993,7 @@
             <a:pPr>
               <a:defRPr/>
             </a:pPr>
-            <a:fld id="{F2086891-CAB8-4536-A89A-14CB86540D0B}" type="slidenum">
+            <a:fld id="{0F7253B4-DFD1-460D-AF69-DA7B7EAABC0B}" type="slidenum">
               <a:rPr lang="en-US" smtClean="0"/>
               <a:pPr>
                 <a:defRPr/>
@@ -2080,7 +2080,7 @@
             <a:pPr>
               <a:defRPr/>
             </a:pPr>
-            <a:fld id="{F2086891-CAB8-4536-A89A-14CB86540D0B}" type="slidenum">
+            <a:fld id="{0F7253B4-DFD1-460D-AF69-DA7B7EAABC0B}" type="slidenum">
               <a:rPr lang="en-US" smtClean="0"/>
               <a:pPr>
                 <a:defRPr/>
@@ -2167,7 +2167,7 @@
             <a:pPr>
               <a:defRPr/>
             </a:pPr>
-            <a:fld id="{F2086891-CAB8-4536-A89A-14CB86540D0B}" type="slidenum">
+            <a:fld id="{0F7253B4-DFD1-460D-AF69-DA7B7EAABC0B}" type="slidenum">
               <a:rPr lang="en-US" smtClean="0"/>
               <a:pPr>
                 <a:defRPr/>
@@ -2254,7 +2254,7 @@
             <a:pPr>
               <a:defRPr/>
             </a:pPr>
-            <a:fld id="{F2086891-CAB8-4536-A89A-14CB86540D0B}" type="slidenum">
+            <a:fld id="{0F7253B4-DFD1-460D-AF69-DA7B7EAABC0B}" type="slidenum">
               <a:rPr lang="en-US" smtClean="0"/>
               <a:pPr>
                 <a:defRPr/>
@@ -2534,7 +2534,7 @@
           <a:bodyPr/>
           <a:lstStyle/>
           <a:p>
-            <a:fld id="{72E89829-321C-401B-82FE-9CDBC8505B65}" type="slidenum">
+            <a:fld id="{3C0F0C47-281F-461D-8D58-EC75B7295B0E}" type="slidenum">
               <a:rPr lang="en-US" smtClean="0">
                 <a:latin typeface="Arial" charset="0"/>
               </a:rPr>
@@ -2812,7 +2812,7 @@
             <a:pPr>
               <a:defRPr/>
             </a:pPr>
-            <a:fld id="{F2086891-CAB8-4536-A89A-14CB86540D0B}" type="slidenum">
+            <a:fld id="{0F7253B4-DFD1-460D-AF69-DA7B7EAABC0B}" type="slidenum">
               <a:rPr lang="en-US" smtClean="0"/>
               <a:pPr>
                 <a:defRPr/>
@@ -2899,7 +2899,7 @@
             <a:pPr>
               <a:defRPr/>
             </a:pPr>
-            <a:fld id="{F2086891-CAB8-4536-A89A-14CB86540D0B}" type="slidenum">
+            <a:fld id="{0F7253B4-DFD1-460D-AF69-DA7B7EAABC0B}" type="slidenum">
               <a:rPr lang="en-US" smtClean="0"/>
               <a:pPr>
                 <a:defRPr/>
@@ -2986,7 +2986,7 @@
             <a:pPr>
               <a:defRPr/>
             </a:pPr>
-            <a:fld id="{F2086891-CAB8-4536-A89A-14CB86540D0B}" type="slidenum">
+            <a:fld id="{0F7253B4-DFD1-460D-AF69-DA7B7EAABC0B}" type="slidenum">
               <a:rPr lang="en-US" smtClean="0"/>
               <a:pPr>
                 <a:defRPr/>
@@ -3073,7 +3073,7 @@
             <a:pPr>
               <a:defRPr/>
             </a:pPr>
-            <a:fld id="{F2086891-CAB8-4536-A89A-14CB86540D0B}" type="slidenum">
+            <a:fld id="{0F7253B4-DFD1-460D-AF69-DA7B7EAABC0B}" type="slidenum">
               <a:rPr lang="en-US" smtClean="0"/>
               <a:pPr>
                 <a:defRPr/>
@@ -3160,7 +3160,7 @@
             <a:pPr>
               <a:defRPr/>
             </a:pPr>
-            <a:fld id="{F2086891-CAB8-4536-A89A-14CB86540D0B}" type="slidenum">
+            <a:fld id="{0F7253B4-DFD1-460D-AF69-DA7B7EAABC0B}" type="slidenum">
               <a:rPr lang="en-US" smtClean="0"/>
               <a:pPr>
                 <a:defRPr/>
@@ -3247,7 +3247,7 @@
             <a:pPr>
               <a:defRPr/>
             </a:pPr>
-            <a:fld id="{F2086891-CAB8-4536-A89A-14CB86540D0B}" type="slidenum">
+            <a:fld id="{0F7253B4-DFD1-460D-AF69-DA7B7EAABC0B}" type="slidenum">
               <a:rPr lang="en-US" smtClean="0"/>
               <a:pPr>
                 <a:defRPr/>
@@ -3334,7 +3334,7 @@
             <a:pPr>
               <a:defRPr/>
             </a:pPr>
-            <a:fld id="{F2086891-CAB8-4536-A89A-14CB86540D0B}" type="slidenum">
+            <a:fld id="{0F7253B4-DFD1-460D-AF69-DA7B7EAABC0B}" type="slidenum">
               <a:rPr lang="en-US" smtClean="0"/>
               <a:pPr>
                 <a:defRPr/>
@@ -3421,7 +3421,7 @@
             <a:pPr>
               <a:defRPr/>
             </a:pPr>
-            <a:fld id="{F2086891-CAB8-4536-A89A-14CB86540D0B}" type="slidenum">
+            <a:fld id="{0F7253B4-DFD1-460D-AF69-DA7B7EAABC0B}" type="slidenum">
               <a:rPr lang="en-US" smtClean="0"/>
               <a:pPr>
                 <a:defRPr/>
@@ -3508,7 +3508,7 @@
             <a:pPr>
               <a:defRPr/>
             </a:pPr>
-            <a:fld id="{F2086891-CAB8-4536-A89A-14CB86540D0B}" type="slidenum">
+            <a:fld id="{0F7253B4-DFD1-460D-AF69-DA7B7EAABC0B}" type="slidenum">
               <a:rPr lang="en-US" smtClean="0"/>
               <a:pPr>
                 <a:defRPr/>
@@ -3595,7 +3595,7 @@
             <a:pPr>
               <a:defRPr/>
             </a:pPr>
-            <a:fld id="{F2086891-CAB8-4536-A89A-14CB86540D0B}" type="slidenum">
+            <a:fld id="{0F7253B4-DFD1-460D-AF69-DA7B7EAABC0B}" type="slidenum">
               <a:rPr lang="en-US" smtClean="0"/>
               <a:pPr>
                 <a:defRPr/>
@@ -3648,7 +3648,7 @@
           <a:bodyPr/>
           <a:lstStyle/>
           <a:p>
-            <a:fld id="{72419F1B-641B-4DB9-8D4F-19B519902C28}" type="slidenum">
+            <a:fld id="{9647609C-E4F7-4BB4-964F-2A5701FED589}" type="slidenum">
               <a:rPr lang="en-US" smtClean="0">
                 <a:latin typeface="Arial" charset="0"/>
               </a:rPr>
@@ -3746,7 +3746,7 @@
           <a:bodyPr/>
           <a:lstStyle/>
           <a:p>
-            <a:fld id="{0C5001A3-575F-41DF-A741-EE43D57EA8EA}" type="slidenum">
+            <a:fld id="{FA2F4617-FBFE-4A84-ABA3-4B4AC5FB92FF}" type="slidenum">
               <a:rPr lang="en-US" smtClean="0">
                 <a:latin typeface="Arial" charset="0"/>
               </a:rPr>
@@ -3878,7 +3878,7 @@
             <a:pPr>
               <a:defRPr/>
             </a:pPr>
-            <a:fld id="{F2086891-CAB8-4536-A89A-14CB86540D0B}" type="slidenum">
+            <a:fld id="{0F7253B4-DFD1-460D-AF69-DA7B7EAABC0B}" type="slidenum">
               <a:rPr lang="en-US" smtClean="0"/>
               <a:pPr>
                 <a:defRPr/>
@@ -3965,7 +3965,7 @@
             <a:pPr>
               <a:defRPr/>
             </a:pPr>
-            <a:fld id="{F2086891-CAB8-4536-A89A-14CB86540D0B}" type="slidenum">
+            <a:fld id="{0F7253B4-DFD1-460D-AF69-DA7B7EAABC0B}" type="slidenum">
               <a:rPr lang="en-US" smtClean="0"/>
               <a:pPr>
                 <a:defRPr/>
@@ -4052,7 +4052,7 @@
             <a:pPr>
               <a:defRPr/>
             </a:pPr>
-            <a:fld id="{F2086891-CAB8-4536-A89A-14CB86540D0B}" type="slidenum">
+            <a:fld id="{0F7253B4-DFD1-460D-AF69-DA7B7EAABC0B}" type="slidenum">
               <a:rPr lang="en-US" smtClean="0"/>
               <a:pPr>
                 <a:defRPr/>
@@ -4139,7 +4139,7 @@
             <a:pPr>
               <a:defRPr/>
             </a:pPr>
-            <a:fld id="{F2086891-CAB8-4536-A89A-14CB86540D0B}" type="slidenum">
+            <a:fld id="{0F7253B4-DFD1-460D-AF69-DA7B7EAABC0B}" type="slidenum">
               <a:rPr lang="en-US" smtClean="0"/>
               <a:pPr>
                 <a:defRPr/>
@@ -4226,7 +4226,7 @@
             <a:pPr>
               <a:defRPr/>
             </a:pPr>
-            <a:fld id="{F2086891-CAB8-4536-A89A-14CB86540D0B}" type="slidenum">
+            <a:fld id="{0F7253B4-DFD1-460D-AF69-DA7B7EAABC0B}" type="slidenum">
               <a:rPr lang="en-US" smtClean="0"/>
               <a:pPr>
                 <a:defRPr/>
@@ -4313,7 +4313,7 @@
             <a:pPr>
               <a:defRPr/>
             </a:pPr>
-            <a:fld id="{F2086891-CAB8-4536-A89A-14CB86540D0B}" type="slidenum">
+            <a:fld id="{0F7253B4-DFD1-460D-AF69-DA7B7EAABC0B}" type="slidenum">
               <a:rPr lang="en-US" smtClean="0"/>
               <a:pPr>
                 <a:defRPr/>
@@ -14397,7 +14397,7 @@
           <a:bodyPr/>
           <a:lstStyle/>
           <a:p>
-            <a:fld id="{784A1594-E926-4F51-BE44-6397B5AB7182}" type="slidenum">
+            <a:fld id="{AA4AEFD0-E354-47B5-9CA8-32EB1F55FAFE}" type="slidenum">
               <a:rPr lang="en-US"/>
               <a:pPr/>
               <a:t>42</a:t>
@@ -14631,7 +14631,7 @@
           <a:bodyPr/>
           <a:lstStyle/>
           <a:p>
-            <a:fld id="{9F2BA5F7-23F2-4BCE-BEC3-55452EFE40DC}" type="slidenum">
+            <a:fld id="{DBE2ADD1-CE1B-466B-9C88-A4AB7284BB1F}" type="slidenum">
               <a:rPr lang="en-US"/>
               <a:pPr/>
               <a:t>43</a:t>
@@ -21154,7 +21154,7 @@
 </file>
 
 <file path=customXml/itemProps3.xml><?xml version="1.0" encoding="utf-8"?>
-<ds:datastoreItem xmlns:ds="http://schemas.openxmlformats.org/officeDocument/2006/customXml" ds:itemID="{D18B2675-1F45-4BE7-8189-2C73D7253E67}">
+<ds:datastoreItem xmlns:ds="http://schemas.openxmlformats.org/officeDocument/2006/customXml" ds:itemID="{EFA0F515-20D6-4FFD-AA18-3A8F050DC35F}">
   <ds:schemaRefs>
     <ds:schemaRef ds:uri="http://schemas.microsoft.com/office/2006/metadata/properties"/>
   </ds:schemaRefs>

--- a/slides/Intro to Multicore Navigator.pptx
+++ b/slides/Intro to Multicore Navigator.pptx
@@ -311,7 +311,7 @@
         <p:nvSpPr>
           <p:cNvPr id="47108" name="Rectangle 4"/>
           <p:cNvSpPr>
-            <a:spLocks noRot="1" noChangeArrowheads="1" noTextEdit="1"/>
+            <a:spLocks noGrp="1" noRot="1" noChangeAspect="1" noChangeArrowheads="1" noTextEdit="1"/>
           </p:cNvSpPr>
           <p:nvPr>
             <p:ph type="sldImg" idx="2"/>
@@ -833,7 +833,7 @@
         <p:nvSpPr>
           <p:cNvPr id="49154" name="Rectangle 2"/>
           <p:cNvSpPr>
-            <a:spLocks noRot="1" noChangeArrowheads="1" noTextEdit="1"/>
+            <a:spLocks noGrp="1" noRot="1" noChangeAspect="1" noChangeArrowheads="1" noTextEdit="1"/>
           </p:cNvSpPr>
           <p:nvPr>
             <p:ph type="sldImg"/>
@@ -896,7 +896,7 @@
         <p:nvSpPr>
           <p:cNvPr id="50178" name="Rectangle 2"/>
           <p:cNvSpPr>
-            <a:spLocks noRot="1" noChangeArrowheads="1" noTextEdit="1"/>
+            <a:spLocks noGrp="1" noRot="1" noChangeAspect="1" noChangeArrowheads="1" noTextEdit="1"/>
           </p:cNvSpPr>
           <p:nvPr>
             <p:ph type="sldImg"/>
@@ -2294,7 +2294,7 @@
         <p:nvSpPr>
           <p:cNvPr id="55298" name="Rectangle 2"/>
           <p:cNvSpPr>
-            <a:spLocks noRot="1" noChangeArrowheads="1" noTextEdit="1"/>
+            <a:spLocks noGrp="1" noRot="1" noChangeAspect="1" noChangeArrowheads="1" noTextEdit="1"/>
           </p:cNvSpPr>
           <p:nvPr>
             <p:ph type="sldImg"/>
@@ -2357,7 +2357,7 @@
         <p:nvSpPr>
           <p:cNvPr id="56322" name="Rectangle 2"/>
           <p:cNvSpPr>
-            <a:spLocks noRot="1" noChangeArrowheads="1" noTextEdit="1"/>
+            <a:spLocks noGrp="1" noRot="1" noChangeAspect="1" noChangeArrowheads="1" noTextEdit="1"/>
           </p:cNvSpPr>
           <p:nvPr>
             <p:ph type="sldImg"/>
@@ -2420,7 +2420,7 @@
         <p:nvSpPr>
           <p:cNvPr id="57346" name="Rectangle 2"/>
           <p:cNvSpPr>
-            <a:spLocks noRot="1" noChangeArrowheads="1" noTextEdit="1"/>
+            <a:spLocks noGrp="1" noRot="1" noChangeAspect="1" noChangeArrowheads="1" noTextEdit="1"/>
           </p:cNvSpPr>
           <p:nvPr>
             <p:ph type="sldImg"/>
@@ -2576,7 +2576,7 @@
         <p:nvSpPr>
           <p:cNvPr id="58370" name="Rectangle 2"/>
           <p:cNvSpPr>
-            <a:spLocks noRot="1" noChangeArrowheads="1" noTextEdit="1"/>
+            <a:spLocks noGrp="1" noRot="1" noChangeAspect="1" noChangeArrowheads="1" noTextEdit="1"/>
           </p:cNvSpPr>
           <p:nvPr>
             <p:ph type="sldImg"/>
@@ -2639,7 +2639,7 @@
         <p:nvSpPr>
           <p:cNvPr id="59394" name="Rectangle 2"/>
           <p:cNvSpPr>
-            <a:spLocks noRot="1" noChangeArrowheads="1" noTextEdit="1"/>
+            <a:spLocks noGrp="1" noRot="1" noChangeAspect="1" noChangeArrowheads="1" noTextEdit="1"/>
           </p:cNvSpPr>
           <p:nvPr>
             <p:ph type="sldImg"/>
@@ -2702,7 +2702,7 @@
         <p:nvSpPr>
           <p:cNvPr id="60418" name="Rectangle 2"/>
           <p:cNvSpPr>
-            <a:spLocks noRot="1" noChangeArrowheads="1" noTextEdit="1"/>
+            <a:spLocks noGrp="1" noRot="1" noChangeAspect="1" noChangeArrowheads="1" noTextEdit="1"/>
           </p:cNvSpPr>
           <p:nvPr>
             <p:ph type="sldImg"/>
@@ -8940,13 +8940,13 @@
               </a:lnSpc>
             </a:pPr>
             <a:r>
-              <a:rPr lang="en-US" sz="1400"/>
+              <a:rPr lang="en-US" sz="1400" dirty="0"/>
               <a:t>Multiple Packet DMA instances in KeyStone devices:</a:t>
             </a:r>
             <a:br>
-              <a:rPr lang="en-US" sz="1400"/>
+              <a:rPr lang="en-US" sz="1400" dirty="0"/>
             </a:br>
-            <a:endParaRPr lang="en-US" sz="800"/>
+            <a:endParaRPr lang="en-US" sz="800" dirty="0"/>
           </a:p>
           <a:p>
             <a:pPr lvl="1">
@@ -8957,7 +8957,7 @@
               <a:buChar char="•"/>
             </a:pPr>
             <a:r>
-              <a:rPr lang="en-US" sz="1400"/>
+              <a:rPr lang="en-US" sz="1400" dirty="0"/>
               <a:t> PA and SRIO instances for all KeyStone devices.</a:t>
             </a:r>
           </a:p>
@@ -8969,7 +8969,7 @@
               <a:buFont typeface="Arial" charset="0"/>
               <a:buChar char="•"/>
             </a:pPr>
-            <a:endParaRPr lang="en-US" sz="800"/>
+            <a:endParaRPr lang="en-US" sz="800" dirty="0"/>
           </a:p>
           <a:p>
             <a:pPr lvl="1">
@@ -8980,12 +8980,20 @@
               <a:buChar char="•"/>
             </a:pPr>
             <a:r>
-              <a:rPr lang="en-US" sz="1400"/>
-              <a:t> AIF2 and FFTC (A and B) instances are only in KeyStone devices for wireless applications.</a:t>
-            </a:r>
-          </a:p>
-          <a:p>
-            <a:endParaRPr lang="en-US" sz="1400"/>
+              <a:rPr lang="en-US" sz="1400" dirty="0"/>
+              <a:t> </a:t>
+            </a:r>
+            <a:r>
+              <a:rPr lang="en-US" sz="1400" dirty="0" smtClean="0"/>
+              <a:t>AIF2, BCP and </a:t>
+            </a:r>
+            <a:r>
+              <a:rPr lang="en-US" sz="1400" dirty="0"/>
+              <a:t>FFTC (A and B) instances are only in KeyStone devices for wireless applications.</a:t>
+            </a:r>
+          </a:p>
+          <a:p>
+            <a:endParaRPr lang="en-US" sz="1400" dirty="0"/>
           </a:p>
         </p:txBody>
       </p:sp>
@@ -10114,7 +10122,7 @@
 </file>
 
 <file path=ppt/slides/slide21.xml><?xml version="1.0" encoding="utf-8"?>
-<p:sld xmlns:a="http://schemas.openxmlformats.org/drawingml/2006/main" xmlns:r="http://schemas.openxmlformats.org/officeDocument/2006/relationships" xmlns:p="http://schemas.openxmlformats.org/presentationml/2006/main" show="0">
+<p:sld xmlns:a="http://schemas.openxmlformats.org/drawingml/2006/main" xmlns:r="http://schemas.openxmlformats.org/officeDocument/2006/relationships" xmlns:p="http://schemas.openxmlformats.org/presentationml/2006/main">
   <p:cSld>
     <p:spTree>
       <p:nvGrpSpPr>
@@ -10310,7 +10318,7 @@
 </file>
 
 <file path=ppt/slides/slide22.xml><?xml version="1.0" encoding="utf-8"?>
-<p:sld xmlns:a="http://schemas.openxmlformats.org/drawingml/2006/main" xmlns:r="http://schemas.openxmlformats.org/officeDocument/2006/relationships" xmlns:p="http://schemas.openxmlformats.org/presentationml/2006/main" show="0">
+<p:sld xmlns:a="http://schemas.openxmlformats.org/drawingml/2006/main" xmlns:r="http://schemas.openxmlformats.org/officeDocument/2006/relationships" xmlns:p="http://schemas.openxmlformats.org/presentationml/2006/main">
   <p:cSld>
     <p:spTree>
       <p:nvGrpSpPr>
@@ -11913,62 +11921,67 @@
           <a:p>
             <a:pPr eaLnBrk="1" hangingPunct="1"/>
             <a:r>
-              <a:rPr lang="en-US" sz="2400" smtClean="0"/>
+              <a:rPr lang="en-US" sz="2400" dirty="0" smtClean="0"/>
               <a:t>Multicore Navigator is a hardware mechanism that facilitates  data movement and multicore co-working </a:t>
             </a:r>
           </a:p>
           <a:p>
             <a:pPr eaLnBrk="1" hangingPunct="1"/>
             <a:r>
-              <a:rPr lang="en-US" sz="2400" smtClean="0"/>
+              <a:rPr lang="en-US" sz="2400" dirty="0" smtClean="0"/>
               <a:t>Supports multiple users (players)</a:t>
             </a:r>
           </a:p>
           <a:p>
             <a:pPr lvl="1" eaLnBrk="1" hangingPunct="1"/>
             <a:r>
-              <a:rPr lang="en-US" sz="2000" smtClean="0"/>
+              <a:rPr lang="en-US" sz="2000" dirty="0" smtClean="0"/>
               <a:t>Each core in a multicore system</a:t>
             </a:r>
           </a:p>
           <a:p>
             <a:pPr lvl="1" eaLnBrk="1" hangingPunct="1"/>
             <a:r>
-              <a:rPr lang="en-US" sz="2000" smtClean="0"/>
-              <a:t>High bit-rate peripherals including SRIO,  AIF2, Network Coprocessor (NETCP), and PCIe</a:t>
-            </a:r>
+              <a:rPr lang="en-US" sz="2000" dirty="0" smtClean="0"/>
+              <a:t>High bit-rate peripherals including SRIO,  AIF2, Network Coprocessor (NETCP), </a:t>
+            </a:r>
+            <a:r>
+              <a:rPr lang="en-US" sz="2000" dirty="0" smtClean="0"/>
+              <a:t>and FFTC</a:t>
+            </a:r>
+            <a:endParaRPr lang="en-US" sz="2000" dirty="0" smtClean="0"/>
           </a:p>
           <a:p>
             <a:pPr eaLnBrk="1" hangingPunct="1"/>
             <a:r>
-              <a:rPr lang="en-US" sz="2400" smtClean="0"/>
+              <a:rPr lang="en-US" sz="2400" dirty="0" smtClean="0"/>
               <a:t>Users can think of the Navigator as a mailbox mechanism with many additional and improved functions.</a:t>
             </a:r>
           </a:p>
           <a:p>
             <a:pPr eaLnBrk="1" hangingPunct="1"/>
             <a:r>
-              <a:rPr lang="en-US" sz="2400" smtClean="0"/>
+              <a:rPr lang="en-US" sz="2400" dirty="0" smtClean="0"/>
               <a:t>Designed to be a “fire and forget” system; Load the data and the system handles the rest, without CPU intervention</a:t>
             </a:r>
           </a:p>
           <a:p>
             <a:pPr lvl="1" eaLnBrk="1" hangingPunct="1"/>
             <a:r>
-              <a:rPr lang="en-US" sz="2000" smtClean="0"/>
+              <a:rPr lang="en-US" sz="2000" dirty="0" smtClean="0"/>
               <a:t>Configuration effort is performed during  initialization</a:t>
             </a:r>
           </a:p>
           <a:p>
             <a:pPr lvl="1" eaLnBrk="1" hangingPunct="1"/>
             <a:r>
-              <a:rPr lang="en-US" sz="2000" smtClean="0"/>
+              <a:rPr lang="en-US" sz="2000" dirty="0" smtClean="0"/>
               <a:t>Enables short and fast run-time operation</a:t>
             </a:r>
           </a:p>
           <a:p>
             <a:pPr eaLnBrk="1" hangingPunct="1"/>
-            <a:endParaRPr lang="en-US" sz="2400" smtClean="0"/>
+            <a:endParaRPr lang="en-US" sz="2400" dirty="0" smtClean="0"/>
           </a:p>
         </p:txBody>
       </p:sp>
@@ -14893,44 +14906,48 @@
           <a:p>
             <a:pPr eaLnBrk="1" hangingPunct="1"/>
             <a:r>
-              <a:rPr lang="en-US" sz="2400" smtClean="0"/>
+              <a:rPr lang="en-US" sz="2400" dirty="0" smtClean="0"/>
               <a:t>Hardware-based Queue Manager Sub-System (QMSS)</a:t>
             </a:r>
           </a:p>
           <a:p>
             <a:pPr lvl="1" eaLnBrk="1" hangingPunct="1"/>
             <a:r>
-              <a:rPr lang="en-US" sz="2000" smtClean="0"/>
+              <a:rPr lang="en-US" sz="2000" dirty="0" smtClean="0"/>
               <a:t>One QMSS instance within the Multicore Navigator</a:t>
             </a:r>
           </a:p>
           <a:p>
+            <a:pPr eaLnBrk="1" hangingPunct="1"/>
+            <a:r>
+              <a:rPr lang="en-US" sz="2400" dirty="0" smtClean="0"/>
+              <a:t>Specialized </a:t>
+            </a:r>
+            <a:r>
+              <a:rPr lang="en-US" sz="2400" dirty="0" smtClean="0"/>
+              <a:t>Packet DMAs (PKTDMA)</a:t>
+            </a:r>
+          </a:p>
+          <a:p>
             <a:pPr lvl="1" eaLnBrk="1" hangingPunct="1"/>
             <a:r>
-              <a:rPr lang="en-US" sz="2000" smtClean="0"/>
-              <a:t>One QMSS instance in each of the following modules: SRIO,  AIF2, Network Coprocessor (NETCP), and PCIe</a:t>
-            </a:r>
-            <a:endParaRPr lang="en-US" sz="1600" smtClean="0"/>
-          </a:p>
-          <a:p>
-            <a:pPr eaLnBrk="1" hangingPunct="1"/>
-            <a:r>
-              <a:rPr lang="en-US" sz="2400" smtClean="0"/>
-              <a:t>Specialized Packet DMAs (PKTDMA)</a:t>
+              <a:rPr lang="en-US" sz="2000" dirty="0" smtClean="0"/>
+              <a:t>Commonly referenced in commands and code as CPPI (Communication Peripheral Port Interface) </a:t>
             </a:r>
           </a:p>
           <a:p>
             <a:pPr lvl="1" eaLnBrk="1" hangingPunct="1"/>
             <a:r>
-              <a:rPr lang="en-US" sz="2000" smtClean="0"/>
-              <a:t>Commonly referenced in commands and code as CPPI (Communication Peripheral Port Interface) </a:t>
-            </a:r>
-          </a:p>
-          <a:p>
-            <a:pPr lvl="1" eaLnBrk="1" hangingPunct="1"/>
-            <a:r>
-              <a:rPr lang="en-US" sz="2000" smtClean="0"/>
-              <a:t>Multiple copies reside within each user (all cores, SRIO,  PCIe, NETCP, AIF2, etc.)</a:t>
+              <a:rPr lang="en-US" sz="2000" dirty="0" smtClean="0"/>
+              <a:t>Multiple copies reside within each user (all cores, </a:t>
+            </a:r>
+            <a:r>
+              <a:rPr lang="en-US" sz="2000" dirty="0" smtClean="0"/>
+              <a:t>SRIO, </a:t>
+            </a:r>
+            <a:r>
+              <a:rPr lang="en-US" sz="2000" dirty="0" smtClean="0"/>
+              <a:t>NETCP, AIF2, etc.)</a:t>
             </a:r>
           </a:p>
           <a:p>
@@ -14938,7 +14955,7 @@
               <a:buFont typeface="Arial" charset="0"/>
               <a:buNone/>
             </a:pPr>
-            <a:endParaRPr lang="en-US" sz="2400" smtClean="0"/>
+            <a:endParaRPr lang="en-US" sz="2400" dirty="0" smtClean="0"/>
           </a:p>
         </p:txBody>
       </p:sp>
@@ -15550,7 +15567,7 @@
         </p:nvGraphicFramePr>
         <p:xfrm>
           <a:off x="228600" y="990600"/>
-          <a:ext cx="8669338" cy="5295900"/>
+          <a:ext cx="8669973" cy="5296537"/>
         </p:xfrm>
         <a:graphic>
           <a:graphicData uri="http://schemas.openxmlformats.org/drawingml/2006/table">
@@ -21050,12 +21067,11 @@
 </file>
 
 <file path=customXml/item1.xml><?xml version="1.0" encoding="utf-8"?>
-<?mso-contentType ?>
-<FormTemplates xmlns="http://schemas.microsoft.com/sharepoint/v3/contenttype/forms">
-  <Display>DocumentLibraryForm</Display>
-  <Edit>DocumentLibraryForm</Edit>
-  <New>DocumentLibraryForm</New>
-</FormTemplates>
+<p:properties xmlns:p="http://schemas.microsoft.com/office/2006/metadata/properties" xmlns:xsi="http://www.w3.org/2001/XMLSchema-instance">
+  <documentManagement>
+    <Content_x0020_Owner xmlns="99c847d8-566e-43ce-87b7-3c417d164c47">Dave Woodall</Content_x0020_Owner>
+  </documentManagement>
+</p:properties>
 </file>
 
 <file path=customXml/item2.xml><?xml version="1.0" encoding="utf-8"?>
@@ -21121,17 +21137,19 @@
 </file>
 
 <file path=customXml/item3.xml><?xml version="1.0" encoding="utf-8"?>
-<p:properties xmlns:p="http://schemas.microsoft.com/office/2006/metadata/properties" xmlns:xsi="http://www.w3.org/2001/XMLSchema-instance">
-  <documentManagement>
-    <Content_x0020_Owner xmlns="99c847d8-566e-43ce-87b7-3c417d164c47">Dave Woodall</Content_x0020_Owner>
-  </documentManagement>
-</p:properties>
+<?mso-contentType ?>
+<FormTemplates xmlns="http://schemas.microsoft.com/sharepoint/v3/contenttype/forms">
+  <Display>DocumentLibraryForm</Display>
+  <Edit>DocumentLibraryForm</Edit>
+  <New>DocumentLibraryForm</New>
+</FormTemplates>
 </file>
 
 <file path=customXml/itemProps1.xml><?xml version="1.0" encoding="utf-8"?>
-<ds:datastoreItem xmlns:ds="http://schemas.openxmlformats.org/officeDocument/2006/customXml" ds:itemID="{39C2D05C-3725-4078-A67D-3B4972D05610}">
+<ds:datastoreItem xmlns:ds="http://schemas.openxmlformats.org/officeDocument/2006/customXml" ds:itemID="{EFA0F515-20D6-4FFD-AA18-3A8F050DC35F}">
   <ds:schemaRefs>
-    <ds:schemaRef ds:uri="http://schemas.microsoft.com/sharepoint/v3/contenttype/forms"/>
+    <ds:schemaRef ds:uri="http://schemas.microsoft.com/office/2006/metadata/properties"/>
+    <ds:schemaRef ds:uri="99c847d8-566e-43ce-87b7-3c417d164c47"/>
   </ds:schemaRefs>
 </ds:datastoreItem>
 </file>
@@ -21154,9 +21172,9 @@
 </file>
 
 <file path=customXml/itemProps3.xml><?xml version="1.0" encoding="utf-8"?>
-<ds:datastoreItem xmlns:ds="http://schemas.openxmlformats.org/officeDocument/2006/customXml" ds:itemID="{EFA0F515-20D6-4FFD-AA18-3A8F050DC35F}">
+<ds:datastoreItem xmlns:ds="http://schemas.openxmlformats.org/officeDocument/2006/customXml" ds:itemID="{39C2D05C-3725-4078-A67D-3B4972D05610}">
   <ds:schemaRefs>
-    <ds:schemaRef ds:uri="http://schemas.microsoft.com/office/2006/metadata/properties"/>
+    <ds:schemaRef ds:uri="http://schemas.microsoft.com/sharepoint/v3/contenttype/forms"/>
   </ds:schemaRefs>
 </ds:datastoreItem>
 </file>
--- a/slides/Intro to Multicore Navigator.pptx
+++ b/slides/Intro to Multicore Navigator.pptx
@@ -27,9 +27,9 @@
     <p:sldId id="408" r:id="rId21"/>
     <p:sldId id="442" r:id="rId22"/>
     <p:sldId id="476" r:id="rId23"/>
-    <p:sldId id="409" r:id="rId24"/>
-    <p:sldId id="443" r:id="rId25"/>
-    <p:sldId id="445" r:id="rId26"/>
+    <p:sldId id="443" r:id="rId24"/>
+    <p:sldId id="445" r:id="rId25"/>
+    <p:sldId id="478" r:id="rId26"/>
     <p:sldId id="475" r:id="rId27"/>
     <p:sldId id="415" r:id="rId28"/>
     <p:sldId id="458" r:id="rId29"/>
@@ -1669,19 +1669,21 @@
       </p:grpSpPr>
       <p:sp>
         <p:nvSpPr>
-          <p:cNvPr id="2" name="Slide Image Placeholder 1"/>
-          <p:cNvSpPr>
-            <a:spLocks noGrp="1" noRot="1" noChangeAspect="1"/>
+          <p:cNvPr id="53250" name="Slide Image Placeholder 1"/>
+          <p:cNvSpPr>
+            <a:spLocks noGrp="1" noRot="1" noChangeAspect="1" noTextEdit="1"/>
           </p:cNvSpPr>
           <p:nvPr>
             <p:ph type="sldImg"/>
           </p:nvPr>
         </p:nvSpPr>
-        <p:spPr/>
-      </p:sp>
-      <p:sp>
-        <p:nvSpPr>
-          <p:cNvPr id="3" name="Notes Placeholder 2"/>
+        <p:spPr>
+          <a:ln/>
+        </p:spPr>
+      </p:sp>
+      <p:sp>
+        <p:nvSpPr>
+          <p:cNvPr id="53251" name="Notes Placeholder 2"/>
           <p:cNvSpPr>
             <a:spLocks noGrp="1"/>
           </p:cNvSpPr>
@@ -1689,43 +1691,48 @@
             <p:ph type="body" idx="1"/>
           </p:nvPr>
         </p:nvSpPr>
-        <p:spPr/>
-        <p:txBody>
-          <a:bodyPr>
-            <a:normAutofit/>
-          </a:bodyPr>
-          <a:lstStyle/>
-          <a:p>
-            <a:endParaRPr lang="en-US"/>
-          </a:p>
-        </p:txBody>
-      </p:sp>
-      <p:sp>
-        <p:nvSpPr>
-          <p:cNvPr id="4" name="Slide Number Placeholder 3"/>
+        <p:spPr>
+          <a:noFill/>
+          <a:ln/>
+        </p:spPr>
+        <p:txBody>
+          <a:bodyPr/>
+          <a:lstStyle/>
+          <a:p>
+            <a:pPr eaLnBrk="1" hangingPunct="1"/>
+            <a:endParaRPr lang="en-US" smtClean="0">
+              <a:latin typeface="Arial" charset="0"/>
+            </a:endParaRPr>
+          </a:p>
+        </p:txBody>
+      </p:sp>
+      <p:sp>
+        <p:nvSpPr>
+          <p:cNvPr id="53252" name="Slide Number Placeholder 3"/>
           <p:cNvSpPr>
             <a:spLocks noGrp="1"/>
           </p:cNvSpPr>
           <p:nvPr>
-            <p:ph type="sldNum" sz="quarter" idx="10"/>
-          </p:nvPr>
-        </p:nvSpPr>
-        <p:spPr/>
+            <p:ph type="sldNum" sz="quarter" idx="5"/>
+          </p:nvPr>
+        </p:nvSpPr>
+        <p:spPr>
+          <a:noFill/>
+        </p:spPr>
         <p:txBody>
           <a:bodyPr/>
           <a:lstStyle/>
           <a:p>
-            <a:pPr>
-              <a:defRPr/>
-            </a:pPr>
-            <a:fld id="{0F7253B4-DFD1-460D-AF69-DA7B7EAABC0B}" type="slidenum">
-              <a:rPr lang="en-US" smtClean="0"/>
-              <a:pPr>
-                <a:defRPr/>
-              </a:pPr>
+            <a:fld id="{9EC2CC08-A903-4025-BFA9-0D88157A695F}" type="slidenum">
+              <a:rPr lang="en-US" smtClean="0">
+                <a:latin typeface="Arial" charset="0"/>
+              </a:rPr>
+              <a:pPr/>
               <a:t>20</a:t>
             </a:fld>
-            <a:endParaRPr lang="en-US"/>
+            <a:endParaRPr lang="en-US" smtClean="0">
+              <a:latin typeface="Arial" charset="0"/>
+            </a:endParaRPr>
           </a:p>
         </p:txBody>
       </p:sp>
@@ -1756,7 +1763,7 @@
       </p:grpSpPr>
       <p:sp>
         <p:nvSpPr>
-          <p:cNvPr id="53250" name="Slide Image Placeholder 1"/>
+          <p:cNvPr id="54274" name="Slide Image Placeholder 1"/>
           <p:cNvSpPr>
             <a:spLocks noGrp="1" noRot="1" noChangeAspect="1" noTextEdit="1"/>
           </p:cNvSpPr>
@@ -1770,7 +1777,7 @@
       </p:sp>
       <p:sp>
         <p:nvSpPr>
-          <p:cNvPr id="53251" name="Notes Placeholder 2"/>
+          <p:cNvPr id="54275" name="Notes Placeholder 2"/>
           <p:cNvSpPr>
             <a:spLocks noGrp="1"/>
           </p:cNvSpPr>
@@ -1795,7 +1802,7 @@
       </p:sp>
       <p:sp>
         <p:nvSpPr>
-          <p:cNvPr id="53252" name="Slide Number Placeholder 3"/>
+          <p:cNvPr id="54276" name="Slide Number Placeholder 3"/>
           <p:cNvSpPr>
             <a:spLocks noGrp="1"/>
           </p:cNvSpPr>
@@ -1810,7 +1817,7 @@
           <a:bodyPr/>
           <a:lstStyle/>
           <a:p>
-            <a:fld id="{9EC2CC08-A903-4025-BFA9-0D88157A695F}" type="slidenum">
+            <a:fld id="{FDA4FBFF-1124-49FA-B338-AA8914F62937}" type="slidenum">
               <a:rPr lang="en-US" smtClean="0">
                 <a:latin typeface="Arial" charset="0"/>
               </a:rPr>
@@ -1850,21 +1857,19 @@
       </p:grpSpPr>
       <p:sp>
         <p:nvSpPr>
-          <p:cNvPr id="54274" name="Slide Image Placeholder 1"/>
-          <p:cNvSpPr>
-            <a:spLocks noGrp="1" noRot="1" noChangeAspect="1" noTextEdit="1"/>
+          <p:cNvPr id="2" name="Slide Image Placeholder 1"/>
+          <p:cNvSpPr>
+            <a:spLocks noGrp="1" noRot="1" noChangeAspect="1"/>
           </p:cNvSpPr>
           <p:nvPr>
             <p:ph type="sldImg"/>
           </p:nvPr>
         </p:nvSpPr>
-        <p:spPr>
-          <a:ln/>
-        </p:spPr>
-      </p:sp>
-      <p:sp>
-        <p:nvSpPr>
-          <p:cNvPr id="54275" name="Notes Placeholder 2"/>
+        <p:spPr/>
+      </p:sp>
+      <p:sp>
+        <p:nvSpPr>
+          <p:cNvPr id="3" name="Notes Placeholder 2"/>
           <p:cNvSpPr>
             <a:spLocks noGrp="1"/>
           </p:cNvSpPr>
@@ -1872,48 +1877,43 @@
             <p:ph type="body" idx="1"/>
           </p:nvPr>
         </p:nvSpPr>
-        <p:spPr>
-          <a:noFill/>
-          <a:ln/>
-        </p:spPr>
+        <p:spPr/>
+        <p:txBody>
+          <a:bodyPr>
+            <a:normAutofit/>
+          </a:bodyPr>
+          <a:lstStyle/>
+          <a:p>
+            <a:endParaRPr lang="en-US"/>
+          </a:p>
+        </p:txBody>
+      </p:sp>
+      <p:sp>
+        <p:nvSpPr>
+          <p:cNvPr id="4" name="Slide Number Placeholder 3"/>
+          <p:cNvSpPr>
+            <a:spLocks noGrp="1"/>
+          </p:cNvSpPr>
+          <p:nvPr>
+            <p:ph type="sldNum" sz="quarter" idx="10"/>
+          </p:nvPr>
+        </p:nvSpPr>
+        <p:spPr/>
         <p:txBody>
           <a:bodyPr/>
           <a:lstStyle/>
           <a:p>
-            <a:pPr eaLnBrk="1" hangingPunct="1"/>
-            <a:endParaRPr lang="en-US" smtClean="0">
-              <a:latin typeface="Arial" charset="0"/>
-            </a:endParaRPr>
-          </a:p>
-        </p:txBody>
-      </p:sp>
-      <p:sp>
-        <p:nvSpPr>
-          <p:cNvPr id="54276" name="Slide Number Placeholder 3"/>
-          <p:cNvSpPr>
-            <a:spLocks noGrp="1"/>
-          </p:cNvSpPr>
-          <p:nvPr>
-            <p:ph type="sldNum" sz="quarter" idx="5"/>
-          </p:nvPr>
-        </p:nvSpPr>
-        <p:spPr>
-          <a:noFill/>
-        </p:spPr>
-        <p:txBody>
-          <a:bodyPr/>
-          <a:lstStyle/>
-          <a:p>
-            <a:fld id="{FDA4FBFF-1124-49FA-B338-AA8914F62937}" type="slidenum">
-              <a:rPr lang="en-US" smtClean="0">
-                <a:latin typeface="Arial" charset="0"/>
-              </a:rPr>
-              <a:pPr/>
+            <a:pPr>
+              <a:defRPr/>
+            </a:pPr>
+            <a:fld id="{0F7253B4-DFD1-460D-AF69-DA7B7EAABC0B}" type="slidenum">
+              <a:rPr lang="en-US" smtClean="0"/>
+              <a:pPr>
+                <a:defRPr/>
+              </a:pPr>
               <a:t>22</a:t>
             </a:fld>
-            <a:endParaRPr lang="en-US" smtClean="0">
-              <a:latin typeface="Arial" charset="0"/>
-            </a:endParaRPr>
+            <a:endParaRPr lang="en-US"/>
           </a:p>
         </p:txBody>
       </p:sp>
@@ -5977,7 +5977,7 @@
               <a:buNone/>
             </a:pPr>
             <a:r>
-              <a:rPr lang="en-US" smtClean="0"/>
+              <a:rPr lang="en-US" dirty="0" smtClean="0"/>
               <a:t>Multicore Applications</a:t>
             </a:r>
           </a:p>
@@ -5987,8 +5987,12 @@
               <a:buNone/>
             </a:pPr>
             <a:r>
-              <a:rPr lang="en-US" smtClean="0"/>
-              <a:t>January 2012</a:t>
+              <a:rPr lang="en-US" dirty="0" smtClean="0"/>
+              <a:t>March </a:t>
+            </a:r>
+            <a:r>
+              <a:rPr lang="en-US" dirty="0" smtClean="0"/>
+              <a:t>2012</a:t>
             </a:r>
           </a:p>
         </p:txBody>
@@ -9875,242 +9879,197 @@
       </p:grpSpPr>
       <p:sp>
         <p:nvSpPr>
-          <p:cNvPr id="22530" name="Rectangle 2"/>
-          <p:cNvSpPr>
-            <a:spLocks noGrp="1" noChangeArrowheads="1"/>
+          <p:cNvPr id="23554" name="TextBox 5"/>
+          <p:cNvSpPr txBox="1">
+            <a:spLocks noChangeArrowheads="1"/>
+          </p:cNvSpPr>
+          <p:nvPr/>
+        </p:nvSpPr>
+        <p:spPr bwMode="auto">
+          <a:xfrm>
+            <a:off x="228600" y="6434138"/>
+            <a:ext cx="8763000" cy="369887"/>
+          </a:xfrm>
+          <a:prstGeom prst="rect">
+            <a:avLst/>
+          </a:prstGeom>
+          <a:solidFill>
+            <a:schemeClr val="bg1"/>
+          </a:solidFill>
+          <a:ln w="9525">
+            <a:noFill/>
+            <a:miter lim="800000"/>
+            <a:headEnd/>
+            <a:tailEnd/>
+          </a:ln>
+        </p:spPr>
+        <p:txBody>
+          <a:bodyPr>
+            <a:spAutoFit/>
+          </a:bodyPr>
+          <a:lstStyle/>
+          <a:p>
+            <a:endParaRPr lang="en-US"/>
+          </a:p>
+        </p:txBody>
+      </p:sp>
+      <p:sp>
+        <p:nvSpPr>
+          <p:cNvPr id="23555" name="Title 1"/>
+          <p:cNvSpPr>
+            <a:spLocks noGrp="1"/>
           </p:cNvSpPr>
           <p:nvPr>
             <p:ph type="title"/>
+          </p:nvPr>
+        </p:nvSpPr>
+        <p:spPr/>
+        <p:txBody>
+          <a:bodyPr/>
+          <a:lstStyle/>
+          <a:p>
+            <a:pPr eaLnBrk="1" hangingPunct="1"/>
+            <a:r>
+              <a:rPr lang="en-US" smtClean="0"/>
+              <a:t>Receive Example</a:t>
+            </a:r>
+          </a:p>
+        </p:txBody>
+      </p:sp>
+      <p:sp>
+        <p:nvSpPr>
+          <p:cNvPr id="23556" name="Content Placeholder 2"/>
+          <p:cNvSpPr>
+            <a:spLocks noGrp="1"/>
+          </p:cNvSpPr>
+          <p:nvPr>
+            <p:ph sz="half" idx="1"/>
           </p:nvPr>
         </p:nvSpPr>
         <p:spPr>
           <a:xfrm>
-            <a:off x="152400" y="152400"/>
-            <a:ext cx="8686800" cy="762000"/>
+            <a:off x="333375" y="822325"/>
+            <a:ext cx="8472488" cy="1920875"/>
           </a:xfrm>
         </p:spPr>
         <p:txBody>
           <a:bodyPr/>
           <a:lstStyle/>
           <a:p>
+            <a:pPr eaLnBrk="1" hangingPunct="1">
+              <a:spcBef>
+                <a:spcPts val="600"/>
+              </a:spcBef>
+            </a:pPr>
+            <a:r>
+              <a:rPr lang="en-US" sz="1800" dirty="0" smtClean="0"/>
+              <a:t>Rx CDMA receives packet data from Rx Streaming I/F.</a:t>
+            </a:r>
+          </a:p>
+          <a:p>
+            <a:pPr eaLnBrk="1" hangingPunct="1">
+              <a:spcBef>
+                <a:spcPts val="600"/>
+              </a:spcBef>
+            </a:pPr>
+            <a:r>
+              <a:rPr lang="en-US" sz="1800" dirty="0" smtClean="0"/>
+              <a:t>Using an Rx Flow, the </a:t>
+            </a:r>
+            <a:r>
+              <a:rPr lang="en-US" sz="1800" dirty="0" smtClean="0"/>
+              <a:t>PKTDMA </a:t>
+            </a:r>
+            <a:r>
+              <a:rPr lang="en-US" sz="1800" dirty="0" smtClean="0"/>
+              <a:t>pops an Rx FDQ.</a:t>
+            </a:r>
+          </a:p>
+          <a:p>
+            <a:pPr eaLnBrk="1" hangingPunct="1">
+              <a:spcBef>
+                <a:spcPts val="600"/>
+              </a:spcBef>
+            </a:pPr>
+            <a:r>
+              <a:rPr lang="en-US" sz="1800" dirty="0" smtClean="0"/>
+              <a:t>Data are written out to the descriptor’s buffer.</a:t>
+            </a:r>
+          </a:p>
+          <a:p>
+            <a:pPr eaLnBrk="1" hangingPunct="1">
+              <a:spcBef>
+                <a:spcPts val="600"/>
+              </a:spcBef>
+            </a:pPr>
+            <a:r>
+              <a:rPr lang="en-US" sz="1800" dirty="0" smtClean="0"/>
+              <a:t>When done, the </a:t>
+            </a:r>
+            <a:r>
+              <a:rPr lang="en-US" sz="1800" dirty="0" smtClean="0"/>
+              <a:t>PKTDMA </a:t>
+            </a:r>
+            <a:r>
+              <a:rPr lang="en-US" sz="1800" dirty="0" smtClean="0"/>
+              <a:t>pushes the finished descriptor to the indicated Rx queue.</a:t>
+            </a:r>
+          </a:p>
+          <a:p>
+            <a:pPr eaLnBrk="1" hangingPunct="1">
+              <a:spcBef>
+                <a:spcPts val="600"/>
+              </a:spcBef>
+            </a:pPr>
+            <a:r>
+              <a:rPr lang="en-US" sz="1800" dirty="0" smtClean="0"/>
+              <a:t>A core that receive the descriptor</a:t>
+            </a:r>
+            <a:r>
+              <a:rPr lang="en-US" sz="1800" dirty="0" smtClean="0"/>
+              <a:t> </a:t>
+            </a:r>
+            <a:r>
+              <a:rPr lang="en-US" sz="1800" dirty="0" smtClean="0"/>
+              <a:t>must recycle the descriptor back to an Rx FDQ.</a:t>
+            </a:r>
+          </a:p>
+          <a:p>
             <a:pPr eaLnBrk="1" hangingPunct="1"/>
-            <a:r>
-              <a:rPr lang="en-US" smtClean="0"/>
-              <a:t>How Does it Work During Run Time?</a:t>
-            </a:r>
-          </a:p>
-        </p:txBody>
-      </p:sp>
-      <p:sp>
-        <p:nvSpPr>
-          <p:cNvPr id="22531" name="Rectangle 3"/>
-          <p:cNvSpPr>
-            <a:spLocks noGrp="1" noChangeArrowheads="1"/>
-          </p:cNvSpPr>
-          <p:nvPr>
-            <p:ph idx="1"/>
-          </p:nvPr>
-        </p:nvSpPr>
+            <a:endParaRPr lang="en-US" sz="1800" dirty="0" smtClean="0"/>
+          </a:p>
+        </p:txBody>
+      </p:sp>
+      <p:pic>
+        <p:nvPicPr>
+          <p:cNvPr id="23557" name="Picture 4"/>
+          <p:cNvPicPr>
+            <a:picLocks noGrp="1" noChangeAspect="1" noChangeArrowheads="1"/>
+          </p:cNvPicPr>
+          <p:nvPr>
+            <p:ph sz="half" idx="2"/>
+          </p:nvPr>
+        </p:nvPicPr>
+        <p:blipFill>
+          <a:blip r:embed="rId3" cstate="print"/>
+          <a:srcRect/>
+          <a:stretch>
+            <a:fillRect/>
+          </a:stretch>
+        </p:blipFill>
         <p:spPr>
           <a:xfrm>
-            <a:off x="333375" y="1033463"/>
-            <a:ext cx="8467725" cy="5138737"/>
+            <a:off x="1143000" y="2743200"/>
+            <a:ext cx="6843713" cy="4044950"/>
           </a:xfrm>
         </p:spPr>
-        <p:txBody>
-          <a:bodyPr/>
-          <a:lstStyle/>
-          <a:p>
-            <a:pPr algn="ctr" eaLnBrk="1" hangingPunct="1">
-              <a:lnSpc>
-                <a:spcPct val="90000"/>
-              </a:lnSpc>
-              <a:buFont typeface="Arial" charset="0"/>
-              <a:buNone/>
-            </a:pPr>
-            <a:r>
-              <a:rPr lang="en-US" sz="2400" smtClean="0"/>
-              <a:t>For example, core A wants to send a message to core B</a:t>
-            </a:r>
-          </a:p>
-          <a:p>
-            <a:pPr algn="ctr" eaLnBrk="1" hangingPunct="1">
-              <a:lnSpc>
-                <a:spcPct val="90000"/>
-              </a:lnSpc>
-              <a:buFont typeface="Arial" charset="0"/>
-              <a:buNone/>
-            </a:pPr>
-            <a:endParaRPr lang="en-US" sz="2400" smtClean="0"/>
-          </a:p>
-          <a:p>
-            <a:pPr eaLnBrk="1" hangingPunct="1">
-              <a:lnSpc>
-                <a:spcPct val="90000"/>
-              </a:lnSpc>
-            </a:pPr>
-            <a:r>
-              <a:rPr lang="en-US" sz="2400" smtClean="0"/>
-              <a:t>Core A picks available descriptor (you can call it a message structure) </a:t>
-            </a:r>
-            <a:r>
-              <a:rPr lang="en-US" sz="2000" smtClean="0"/>
-              <a:t> </a:t>
-            </a:r>
-            <a:r>
-              <a:rPr lang="en-US" sz="2400" smtClean="0"/>
-              <a:t>that is partially or completely pre-built</a:t>
-            </a:r>
-            <a:endParaRPr lang="en-US" sz="2000" smtClean="0"/>
-          </a:p>
-          <a:p>
-            <a:pPr lvl="1" eaLnBrk="1" hangingPunct="1">
-              <a:lnSpc>
-                <a:spcPct val="90000"/>
-              </a:lnSpc>
-            </a:pPr>
-            <a:r>
-              <a:rPr lang="en-US" sz="2000" smtClean="0"/>
-              <a:t> </a:t>
-            </a:r>
-            <a:r>
-              <a:rPr lang="en-US" sz="1600" smtClean="0"/>
-              <a:t>If need core A adds missing information</a:t>
-            </a:r>
-          </a:p>
-          <a:p>
-            <a:pPr eaLnBrk="1" hangingPunct="1">
-              <a:lnSpc>
-                <a:spcPct val="90000"/>
-              </a:lnSpc>
-            </a:pPr>
-            <a:r>
-              <a:rPr lang="en-US" sz="2400" smtClean="0"/>
-              <a:t>Core A pushes the descriptor into a queue</a:t>
-            </a:r>
-          </a:p>
-          <a:p>
-            <a:pPr lvl="1" eaLnBrk="1" hangingPunct="1">
-              <a:lnSpc>
-                <a:spcPct val="90000"/>
-              </a:lnSpc>
-            </a:pPr>
-            <a:r>
-              <a:rPr lang="en-US" sz="1600" smtClean="0"/>
-              <a:t>At this point core A is done</a:t>
-            </a:r>
-          </a:p>
-          <a:p>
-            <a:pPr eaLnBrk="1" hangingPunct="1">
-              <a:lnSpc>
-                <a:spcPct val="90000"/>
-              </a:lnSpc>
-            </a:pPr>
-            <a:r>
-              <a:rPr lang="en-US" sz="2400" smtClean="0"/>
-              <a:t>The Navigator process the message and send it to a queue in the  receive side of core B where it follows a set of pre-defined instructions (Rx flow) such as</a:t>
-            </a:r>
-          </a:p>
-          <a:p>
-            <a:pPr lvl="1" eaLnBrk="1" hangingPunct="1">
-              <a:lnSpc>
-                <a:spcPct val="90000"/>
-              </a:lnSpc>
-            </a:pPr>
-            <a:r>
-              <a:rPr lang="en-US" sz="1600" smtClean="0"/>
-              <a:t>Interrupt core B and tell it to process the message</a:t>
-            </a:r>
-          </a:p>
-          <a:p>
-            <a:pPr lvl="1" eaLnBrk="1" hangingPunct="1">
-              <a:lnSpc>
-                <a:spcPct val="90000"/>
-              </a:lnSpc>
-            </a:pPr>
-            <a:r>
-              <a:rPr lang="en-US" sz="1600" smtClean="0"/>
-              <a:t>Set a flag so core B can pull , change a flag value that core B synchronizes on </a:t>
-            </a:r>
-          </a:p>
-          <a:p>
-            <a:pPr lvl="1" eaLnBrk="1" hangingPunct="1">
-              <a:lnSpc>
-                <a:spcPct val="90000"/>
-              </a:lnSpc>
-            </a:pPr>
-            <a:r>
-              <a:rPr lang="en-US" sz="1600" smtClean="0"/>
-              <a:t>Move buffer into core B memory space and interrupt the core</a:t>
-            </a:r>
-          </a:p>
-          <a:p>
-            <a:pPr eaLnBrk="1" hangingPunct="1">
-              <a:lnSpc>
-                <a:spcPct val="90000"/>
-              </a:lnSpc>
-            </a:pPr>
-            <a:r>
-              <a:rPr lang="en-US" sz="2000" smtClean="0"/>
-              <a:t>After usage, the navigator recycles the descriptors  (and any buffer associated with) to prevent memory leak</a:t>
-            </a:r>
-          </a:p>
-          <a:p>
-            <a:pPr algn="ctr" eaLnBrk="1" hangingPunct="1">
-              <a:lnSpc>
-                <a:spcPct val="90000"/>
-              </a:lnSpc>
-              <a:buFont typeface="Arial" charset="0"/>
-              <a:buNone/>
-            </a:pPr>
-            <a:endParaRPr lang="en-US" sz="2400" smtClean="0"/>
-          </a:p>
-          <a:p>
-            <a:pPr eaLnBrk="1" hangingPunct="1">
-              <a:lnSpc>
-                <a:spcPct val="90000"/>
-              </a:lnSpc>
-              <a:buFont typeface="Arial" charset="0"/>
-              <a:buNone/>
-            </a:pPr>
-            <a:endParaRPr lang="en-US" sz="2000" smtClean="0"/>
-          </a:p>
-          <a:p>
-            <a:pPr eaLnBrk="1" hangingPunct="1">
-              <a:lnSpc>
-                <a:spcPct val="90000"/>
-              </a:lnSpc>
-            </a:pPr>
-            <a:endParaRPr lang="en-US" sz="2000" smtClean="0"/>
-          </a:p>
-          <a:p>
-            <a:pPr eaLnBrk="1" hangingPunct="1">
-              <a:lnSpc>
-                <a:spcPct val="90000"/>
-              </a:lnSpc>
-              <a:buFont typeface="Arial" charset="0"/>
-              <a:buNone/>
-            </a:pPr>
-            <a:endParaRPr lang="en-US" sz="2000" smtClean="0"/>
-          </a:p>
-          <a:p>
-            <a:pPr lvl="1" eaLnBrk="1" hangingPunct="1">
-              <a:lnSpc>
-                <a:spcPct val="90000"/>
-              </a:lnSpc>
-            </a:pPr>
-            <a:endParaRPr lang="en-US" sz="1600" smtClean="0"/>
-          </a:p>
-        </p:txBody>
-      </p:sp>
+      </p:pic>
     </p:spTree>
-    <p:custDataLst>
-      <p:tags r:id="rId1"/>
-    </p:custDataLst>
   </p:cSld>
   <p:clrMapOvr>
     <a:masterClrMapping/>
   </p:clrMapOvr>
+  <p:transition/>
   <p:timing>
     <p:tnLst>
       <p:par>
@@ -10140,7 +10099,7 @@
       </p:grpSpPr>
       <p:sp>
         <p:nvSpPr>
-          <p:cNvPr id="23554" name="TextBox 5"/>
+          <p:cNvPr id="24578" name="TextBox 5"/>
           <p:cNvSpPr txBox="1">
             <a:spLocks noChangeArrowheads="1"/>
           </p:cNvSpPr>
@@ -10148,8 +10107,8 @@
         </p:nvSpPr>
         <p:spPr bwMode="auto">
           <a:xfrm>
-            <a:off x="228600" y="6434138"/>
-            <a:ext cx="8763000" cy="369887"/>
+            <a:off x="304800" y="6443663"/>
+            <a:ext cx="8686800" cy="368300"/>
           </a:xfrm>
           <a:prstGeom prst="rect">
             <a:avLst/>
@@ -10176,110 +10135,172 @@
       </p:sp>
       <p:sp>
         <p:nvSpPr>
-          <p:cNvPr id="23555" name="Title 1"/>
+          <p:cNvPr id="24579" name="Title 1"/>
           <p:cNvSpPr>
             <a:spLocks noGrp="1"/>
           </p:cNvSpPr>
           <p:nvPr>
             <p:ph type="title"/>
-          </p:nvPr>
-        </p:nvSpPr>
-        <p:spPr/>
-        <p:txBody>
-          <a:bodyPr/>
-          <a:lstStyle/>
-          <a:p>
-            <a:pPr eaLnBrk="1" hangingPunct="1"/>
-            <a:r>
-              <a:rPr lang="en-US" smtClean="0"/>
-              <a:t>Receive Example</a:t>
-            </a:r>
-          </a:p>
-        </p:txBody>
-      </p:sp>
-      <p:sp>
-        <p:nvSpPr>
-          <p:cNvPr id="23556" name="Content Placeholder 2"/>
-          <p:cNvSpPr>
-            <a:spLocks noGrp="1"/>
-          </p:cNvSpPr>
-          <p:nvPr>
-            <p:ph sz="half" idx="1"/>
           </p:nvPr>
         </p:nvSpPr>
         <p:spPr>
           <a:xfrm>
-            <a:off x="333375" y="822325"/>
-            <a:ext cx="8472488" cy="1920875"/>
+            <a:off x="304800" y="7938"/>
+            <a:ext cx="8382000" cy="838200"/>
           </a:xfrm>
         </p:spPr>
         <p:txBody>
           <a:bodyPr/>
           <a:lstStyle/>
           <a:p>
+            <a:pPr eaLnBrk="1" hangingPunct="1"/>
+            <a:r>
+              <a:rPr lang="en-US" sz="4000" smtClean="0"/>
+              <a:t>Core-to-Core (Infrastructure) Example</a:t>
+            </a:r>
+          </a:p>
+        </p:txBody>
+      </p:sp>
+      <p:sp>
+        <p:nvSpPr>
+          <p:cNvPr id="24580" name="Content Placeholder 2"/>
+          <p:cNvSpPr>
+            <a:spLocks noGrp="1"/>
+          </p:cNvSpPr>
+          <p:nvPr>
+            <p:ph sz="half" idx="1"/>
+          </p:nvPr>
+        </p:nvSpPr>
+        <p:spPr>
+          <a:xfrm>
+            <a:off x="333375" y="830263"/>
+            <a:ext cx="8472488" cy="2243137"/>
+          </a:xfrm>
+        </p:spPr>
+        <p:txBody>
+          <a:bodyPr/>
+          <a:lstStyle/>
+          <a:p>
             <a:pPr eaLnBrk="1" hangingPunct="1">
+              <a:lnSpc>
+                <a:spcPct val="80000"/>
+              </a:lnSpc>
               <a:spcBef>
                 <a:spcPts val="600"/>
               </a:spcBef>
             </a:pPr>
             <a:r>
-              <a:rPr lang="en-US" sz="1800" smtClean="0"/>
-              <a:t>Rx CDMA receives packet data from Rx Streaming I/F.</a:t>
+              <a:rPr lang="en-US" sz="1800" dirty="0" smtClean="0"/>
+              <a:t>The DSP (or a peripheral) pushes a descriptor onto a Tx queue of the QMSS </a:t>
+            </a:r>
+            <a:r>
+              <a:rPr lang="en-US" sz="1800" dirty="0" smtClean="0"/>
+              <a:t>PKTDMA</a:t>
+            </a:r>
+            <a:r>
+              <a:rPr lang="en-US" sz="1800" dirty="0" smtClean="0"/>
+              <a:t>.</a:t>
             </a:r>
           </a:p>
           <a:p>
             <a:pPr eaLnBrk="1" hangingPunct="1">
+              <a:lnSpc>
+                <a:spcPct val="80000"/>
+              </a:lnSpc>
               <a:spcBef>
                 <a:spcPts val="600"/>
               </a:spcBef>
             </a:pPr>
             <a:r>
-              <a:rPr lang="en-US" sz="1800" smtClean="0"/>
-              <a:t>Using an Rx Flow, the CDMA pops an Rx FDQ.</a:t>
+              <a:rPr lang="en-US" sz="1800" dirty="0" smtClean="0"/>
+              <a:t>The Tx </a:t>
+            </a:r>
+            <a:r>
+              <a:rPr lang="en-US" sz="1800" dirty="0" smtClean="0"/>
+              <a:t>PKTDMA </a:t>
+            </a:r>
+            <a:r>
+              <a:rPr lang="en-US" sz="1800" dirty="0" smtClean="0"/>
+              <a:t>pops the descriptor, sends the data out the Streaming I/F, and recycles the descriptor.</a:t>
             </a:r>
           </a:p>
           <a:p>
             <a:pPr eaLnBrk="1" hangingPunct="1">
+              <a:lnSpc>
+                <a:spcPct val="80000"/>
+              </a:lnSpc>
               <a:spcBef>
                 <a:spcPts val="600"/>
               </a:spcBef>
             </a:pPr>
             <a:r>
-              <a:rPr lang="en-US" sz="1800" smtClean="0"/>
-              <a:t>Data are written out to the descriptor’s buffer.</a:t>
+              <a:rPr lang="en-US" sz="1800" dirty="0" smtClean="0"/>
+              <a:t>The Rx </a:t>
+            </a:r>
+            <a:r>
+              <a:rPr lang="en-US" sz="1800" dirty="0" smtClean="0"/>
+              <a:t>PKTDMA </a:t>
+            </a:r>
+            <a:r>
+              <a:rPr lang="en-US" sz="1800" dirty="0" smtClean="0"/>
+              <a:t>is triggered by the incoming Streaming I/F data and pops an Rx FDQ.</a:t>
             </a:r>
           </a:p>
           <a:p>
             <a:pPr eaLnBrk="1" hangingPunct="1">
+              <a:lnSpc>
+                <a:spcPct val="80000"/>
+              </a:lnSpc>
               <a:spcBef>
                 <a:spcPts val="600"/>
               </a:spcBef>
             </a:pPr>
             <a:r>
-              <a:rPr lang="en-US" sz="1800" smtClean="0"/>
-              <a:t>When done, the CDMA pushes the finished descriptor to the indicated Rx queue.</a:t>
+              <a:rPr lang="en-US" sz="1800" dirty="0" smtClean="0"/>
+              <a:t>The Rx </a:t>
+            </a:r>
+            <a:r>
+              <a:rPr lang="en-US" sz="1800" dirty="0" smtClean="0"/>
+              <a:t>PKTDMA </a:t>
+            </a:r>
+            <a:r>
+              <a:rPr lang="en-US" sz="1800" dirty="0" smtClean="0"/>
+              <a:t>then pushes the finished descriptor to an Rx queue.</a:t>
             </a:r>
           </a:p>
           <a:p>
             <a:pPr eaLnBrk="1" hangingPunct="1">
+              <a:lnSpc>
+                <a:spcPct val="80000"/>
+              </a:lnSpc>
               <a:spcBef>
                 <a:spcPts val="600"/>
               </a:spcBef>
             </a:pPr>
             <a:r>
-              <a:rPr lang="en-US" sz="1800" smtClean="0"/>
-              <a:t>The DSP must recycle the descriptor back to an Rx FDQ.</a:t>
-            </a:r>
-          </a:p>
-          <a:p>
-            <a:pPr eaLnBrk="1" hangingPunct="1"/>
-            <a:endParaRPr lang="en-US" sz="1800" smtClean="0"/>
+              <a:rPr lang="en-US" sz="1800" dirty="0" smtClean="0"/>
+              <a:t>If the Rx queue is an Accumulation queue, the accumulator pops queue and eventually interrupts the DSP with the accumulated list.</a:t>
+            </a:r>
+          </a:p>
+          <a:p>
+            <a:pPr eaLnBrk="1" hangingPunct="1">
+              <a:lnSpc>
+                <a:spcPct val="80000"/>
+              </a:lnSpc>
+              <a:spcBef>
+                <a:spcPts val="600"/>
+              </a:spcBef>
+            </a:pPr>
+            <a:r>
+              <a:rPr lang="en-US" sz="1800" dirty="0" smtClean="0"/>
+              <a:t>The destination DSP consumes the descriptors and pushes them back to an Rx FDQ.</a:t>
+            </a:r>
           </a:p>
         </p:txBody>
       </p:sp>
       <p:pic>
         <p:nvPicPr>
-          <p:cNvPr id="23557" name="Picture 4"/>
+          <p:cNvPr id="24581" name="Picture 4"/>
           <p:cNvPicPr>
             <a:picLocks noGrp="1" noChangeAspect="1" noChangeArrowheads="1"/>
           </p:cNvPicPr>
@@ -10296,8 +10317,8 @@
         </p:blipFill>
         <p:spPr>
           <a:xfrm>
-            <a:off x="1143000" y="2743200"/>
-            <a:ext cx="6843713" cy="4044950"/>
+            <a:off x="1997075" y="3157538"/>
+            <a:ext cx="5135563" cy="3646487"/>
           </a:xfrm>
         </p:spPr>
       </p:pic>
@@ -10336,45 +10357,9 @@
       </p:grpSpPr>
       <p:sp>
         <p:nvSpPr>
-          <p:cNvPr id="24578" name="TextBox 5"/>
-          <p:cNvSpPr txBox="1">
-            <a:spLocks noChangeArrowheads="1"/>
-          </p:cNvSpPr>
-          <p:nvPr/>
-        </p:nvSpPr>
-        <p:spPr bwMode="auto">
-          <a:xfrm>
-            <a:off x="304800" y="6443663"/>
-            <a:ext cx="8686800" cy="368300"/>
-          </a:xfrm>
-          <a:prstGeom prst="rect">
-            <a:avLst/>
-          </a:prstGeom>
-          <a:solidFill>
-            <a:schemeClr val="bg1"/>
-          </a:solidFill>
-          <a:ln w="9525">
-            <a:noFill/>
-            <a:miter lim="800000"/>
-            <a:headEnd/>
-            <a:tailEnd/>
-          </a:ln>
-        </p:spPr>
-        <p:txBody>
-          <a:bodyPr>
-            <a:spAutoFit/>
-          </a:bodyPr>
-          <a:lstStyle/>
-          <a:p>
-            <a:endParaRPr lang="en-US"/>
-          </a:p>
-        </p:txBody>
-      </p:sp>
-      <p:sp>
-        <p:nvSpPr>
-          <p:cNvPr id="24579" name="Title 1"/>
-          <p:cNvSpPr>
-            <a:spLocks noGrp="1"/>
+          <p:cNvPr id="22530" name="Rectangle 2"/>
+          <p:cNvSpPr>
+            <a:spLocks noGrp="1" noChangeArrowheads="1"/>
           </p:cNvSpPr>
           <p:nvPr>
             <p:ph type="title"/>
@@ -10382,8 +10367,8 @@
         </p:nvSpPr>
         <p:spPr>
           <a:xfrm>
-            <a:off x="304800" y="7938"/>
-            <a:ext cx="8382000" cy="838200"/>
+            <a:off x="152400" y="152400"/>
+            <a:ext cx="8686800" cy="762000"/>
           </a:xfrm>
         </p:spPr>
         <p:txBody>
@@ -10392,147 +10377,234 @@
           <a:p>
             <a:pPr eaLnBrk="1" hangingPunct="1"/>
             <a:r>
-              <a:rPr lang="en-US" sz="4000" smtClean="0"/>
-              <a:t>Core-to-Core (Infrastructure) Example</a:t>
-            </a:r>
-          </a:p>
-        </p:txBody>
-      </p:sp>
-      <p:sp>
-        <p:nvSpPr>
-          <p:cNvPr id="24580" name="Content Placeholder 2"/>
-          <p:cNvSpPr>
-            <a:spLocks noGrp="1"/>
-          </p:cNvSpPr>
-          <p:nvPr>
-            <p:ph sz="half" idx="1"/>
+              <a:rPr lang="en-US" dirty="0" smtClean="0"/>
+              <a:t>How Does it Work During Run Time?</a:t>
+            </a:r>
+          </a:p>
+        </p:txBody>
+      </p:sp>
+      <p:sp>
+        <p:nvSpPr>
+          <p:cNvPr id="22531" name="Rectangle 3"/>
+          <p:cNvSpPr>
+            <a:spLocks noGrp="1" noChangeArrowheads="1"/>
+          </p:cNvSpPr>
+          <p:nvPr>
+            <p:ph idx="1"/>
           </p:nvPr>
         </p:nvSpPr>
         <p:spPr>
           <a:xfrm>
-            <a:off x="333375" y="830263"/>
-            <a:ext cx="8472488" cy="2243137"/>
+            <a:off x="333375" y="1033463"/>
+            <a:ext cx="8467725" cy="5138737"/>
           </a:xfrm>
         </p:spPr>
         <p:txBody>
           <a:bodyPr/>
           <a:lstStyle/>
           <a:p>
+            <a:pPr algn="ctr" eaLnBrk="1" hangingPunct="1">
+              <a:lnSpc>
+                <a:spcPct val="90000"/>
+              </a:lnSpc>
+              <a:buFont typeface="Arial" charset="0"/>
+              <a:buNone/>
+            </a:pPr>
+            <a:r>
+              <a:rPr lang="en-US" sz="2400" dirty="0" smtClean="0"/>
+              <a:t>For example, core A wants to send a message to core B</a:t>
+            </a:r>
+          </a:p>
+          <a:p>
+            <a:pPr algn="ctr" eaLnBrk="1" hangingPunct="1">
+              <a:lnSpc>
+                <a:spcPct val="90000"/>
+              </a:lnSpc>
+              <a:buFont typeface="Arial" charset="0"/>
+              <a:buNone/>
+            </a:pPr>
+            <a:endParaRPr lang="en-US" sz="2400" dirty="0" smtClean="0"/>
+          </a:p>
+          <a:p>
             <a:pPr eaLnBrk="1" hangingPunct="1">
               <a:lnSpc>
-                <a:spcPct val="80000"/>
+                <a:spcPct val="90000"/>
               </a:lnSpc>
-              <a:spcBef>
-                <a:spcPts val="600"/>
-              </a:spcBef>
-            </a:pPr>
-            <a:r>
-              <a:rPr lang="en-US" sz="1800" smtClean="0"/>
-              <a:t>The DSP (or a peripheral) pushes a descriptor onto a Tx queue of the QMSS CDMA.</a:t>
+            </a:pPr>
+            <a:r>
+              <a:rPr lang="en-US" sz="2400" dirty="0" smtClean="0"/>
+              <a:t>Core A picks available descriptor (you can call it a message structure) </a:t>
+            </a:r>
+            <a:r>
+              <a:rPr lang="en-US" sz="2000" dirty="0" smtClean="0"/>
+              <a:t> </a:t>
+            </a:r>
+            <a:r>
+              <a:rPr lang="en-US" sz="2400" dirty="0" smtClean="0"/>
+              <a:t>that is partially or completely pre-built</a:t>
+            </a:r>
+            <a:endParaRPr lang="en-US" sz="2000" dirty="0" smtClean="0"/>
+          </a:p>
+          <a:p>
+            <a:pPr lvl="1" eaLnBrk="1" hangingPunct="1">
+              <a:lnSpc>
+                <a:spcPct val="90000"/>
+              </a:lnSpc>
+            </a:pPr>
+            <a:r>
+              <a:rPr lang="en-US" sz="2000" dirty="0" smtClean="0"/>
+              <a:t> </a:t>
+            </a:r>
+            <a:r>
+              <a:rPr lang="en-US" sz="1600" dirty="0" smtClean="0"/>
+              <a:t>If need core A adds missing information</a:t>
             </a:r>
           </a:p>
           <a:p>
             <a:pPr eaLnBrk="1" hangingPunct="1">
               <a:lnSpc>
-                <a:spcPct val="80000"/>
+                <a:spcPct val="90000"/>
               </a:lnSpc>
-              <a:spcBef>
-                <a:spcPts val="600"/>
-              </a:spcBef>
-            </a:pPr>
-            <a:r>
-              <a:rPr lang="en-US" sz="1800" smtClean="0"/>
-              <a:t>The Tx CDMA pops the descriptor, sends the data out the Streaming I/F, and recycles the descriptor.</a:t>
+            </a:pPr>
+            <a:r>
+              <a:rPr lang="en-US" sz="2400" dirty="0" smtClean="0"/>
+              <a:t>Core A pushes the descriptor into a queue</a:t>
+            </a:r>
+          </a:p>
+          <a:p>
+            <a:pPr lvl="1" eaLnBrk="1" hangingPunct="1">
+              <a:lnSpc>
+                <a:spcPct val="90000"/>
+              </a:lnSpc>
+            </a:pPr>
+            <a:r>
+              <a:rPr lang="en-US" sz="1600" dirty="0" smtClean="0"/>
+              <a:t>At this point core A is done</a:t>
             </a:r>
           </a:p>
           <a:p>
             <a:pPr eaLnBrk="1" hangingPunct="1">
               <a:lnSpc>
-                <a:spcPct val="80000"/>
+                <a:spcPct val="90000"/>
               </a:lnSpc>
-              <a:spcBef>
-                <a:spcPts val="600"/>
-              </a:spcBef>
-            </a:pPr>
-            <a:r>
-              <a:rPr lang="en-US" sz="1800" smtClean="0"/>
-              <a:t>The Rx CDMA is triggered by the incoming Streaming I/F data and pops an Rx FDQ.</a:t>
+            </a:pPr>
+            <a:r>
+              <a:rPr lang="en-US" sz="2400" dirty="0" smtClean="0"/>
+              <a:t>The Navigator process the message and send it to a queue in the  receive side of core B where it follows a set of pre-defined instructions (Rx flow) such as</a:t>
+            </a:r>
+          </a:p>
+          <a:p>
+            <a:pPr lvl="1" eaLnBrk="1" hangingPunct="1">
+              <a:lnSpc>
+                <a:spcPct val="90000"/>
+              </a:lnSpc>
+            </a:pPr>
+            <a:r>
+              <a:rPr lang="en-US" sz="1600" dirty="0" smtClean="0"/>
+              <a:t>Interrupt core B and tell it to process the message</a:t>
+            </a:r>
+          </a:p>
+          <a:p>
+            <a:pPr lvl="1" eaLnBrk="1" hangingPunct="1">
+              <a:lnSpc>
+                <a:spcPct val="90000"/>
+              </a:lnSpc>
+            </a:pPr>
+            <a:r>
+              <a:rPr lang="en-US" sz="1600" dirty="0" smtClean="0"/>
+              <a:t>Set a flag so core B can pull , change a flag value that core B synchronizes on </a:t>
+            </a:r>
+          </a:p>
+          <a:p>
+            <a:pPr lvl="1" eaLnBrk="1" hangingPunct="1">
+              <a:lnSpc>
+                <a:spcPct val="90000"/>
+              </a:lnSpc>
+            </a:pPr>
+            <a:r>
+              <a:rPr lang="en-US" sz="1600" dirty="0" smtClean="0"/>
+              <a:t>Move buffer into core B memory space and interrupt the core</a:t>
             </a:r>
           </a:p>
           <a:p>
             <a:pPr eaLnBrk="1" hangingPunct="1">
               <a:lnSpc>
-                <a:spcPct val="80000"/>
+                <a:spcPct val="90000"/>
               </a:lnSpc>
-              <a:spcBef>
-                <a:spcPts val="600"/>
-              </a:spcBef>
-            </a:pPr>
-            <a:r>
-              <a:rPr lang="en-US" sz="1800" smtClean="0"/>
-              <a:t>The Rx CDMA then pushes the finished descriptor to an Rx queue.</a:t>
-            </a:r>
+            </a:pPr>
+            <a:r>
+              <a:rPr lang="en-US" sz="2000" dirty="0" smtClean="0"/>
+              <a:t>After usage, the </a:t>
+            </a:r>
+            <a:r>
+              <a:rPr lang="en-US" sz="2000" dirty="0" smtClean="0"/>
+              <a:t>receive core</a:t>
+            </a:r>
+            <a:r>
+              <a:rPr lang="en-US" sz="2000" dirty="0" smtClean="0"/>
+              <a:t> </a:t>
+            </a:r>
+            <a:r>
+              <a:rPr lang="en-US" sz="2000" dirty="0" smtClean="0"/>
+              <a:t>recycles the descriptors  (and any buffer associated with) to prevent memory leak</a:t>
+            </a:r>
+          </a:p>
+          <a:p>
+            <a:pPr algn="ctr" eaLnBrk="1" hangingPunct="1">
+              <a:lnSpc>
+                <a:spcPct val="90000"/>
+              </a:lnSpc>
+              <a:buFont typeface="Arial" charset="0"/>
+              <a:buNone/>
+            </a:pPr>
+            <a:endParaRPr lang="en-US" sz="2400" dirty="0" smtClean="0"/>
           </a:p>
           <a:p>
             <a:pPr eaLnBrk="1" hangingPunct="1">
               <a:lnSpc>
-                <a:spcPct val="80000"/>
+                <a:spcPct val="90000"/>
               </a:lnSpc>
-              <a:spcBef>
-                <a:spcPts val="600"/>
-              </a:spcBef>
-            </a:pPr>
-            <a:r>
-              <a:rPr lang="en-US" sz="1800" smtClean="0"/>
-              <a:t>If the Rx queue is an Accumulation queue, the accumulator pops queue and eventually interrupts the DSP with the accumulated list.</a:t>
-            </a:r>
+              <a:buFont typeface="Arial" charset="0"/>
+              <a:buNone/>
+            </a:pPr>
+            <a:endParaRPr lang="en-US" sz="2000" dirty="0" smtClean="0"/>
           </a:p>
           <a:p>
             <a:pPr eaLnBrk="1" hangingPunct="1">
               <a:lnSpc>
-                <a:spcPct val="80000"/>
+                <a:spcPct val="90000"/>
               </a:lnSpc>
-              <a:spcBef>
-                <a:spcPts val="600"/>
-              </a:spcBef>
-            </a:pPr>
-            <a:r>
-              <a:rPr lang="en-US" sz="1800" smtClean="0"/>
-              <a:t>The destination DSP consumes the descriptors and pushes them back to an Rx FDQ.</a:t>
-            </a:r>
-          </a:p>
-        </p:txBody>
-      </p:sp>
-      <p:pic>
-        <p:nvPicPr>
-          <p:cNvPr id="24581" name="Picture 4"/>
-          <p:cNvPicPr>
-            <a:picLocks noGrp="1" noChangeAspect="1" noChangeArrowheads="1"/>
-          </p:cNvPicPr>
-          <p:nvPr>
-            <p:ph sz="half" idx="2"/>
-          </p:nvPr>
-        </p:nvPicPr>
-        <p:blipFill>
-          <a:blip r:embed="rId3" cstate="print"/>
-          <a:srcRect/>
-          <a:stretch>
-            <a:fillRect/>
-          </a:stretch>
-        </p:blipFill>
-        <p:spPr>
-          <a:xfrm>
-            <a:off x="1997075" y="3157538"/>
-            <a:ext cx="5135563" cy="3646487"/>
-          </a:xfrm>
-        </p:spPr>
-      </p:pic>
+            </a:pPr>
+            <a:endParaRPr lang="en-US" sz="2000" dirty="0" smtClean="0"/>
+          </a:p>
+          <a:p>
+            <a:pPr eaLnBrk="1" hangingPunct="1">
+              <a:lnSpc>
+                <a:spcPct val="90000"/>
+              </a:lnSpc>
+              <a:buFont typeface="Arial" charset="0"/>
+              <a:buNone/>
+            </a:pPr>
+            <a:endParaRPr lang="en-US" sz="2000" dirty="0" smtClean="0"/>
+          </a:p>
+          <a:p>
+            <a:pPr lvl="1" eaLnBrk="1" hangingPunct="1">
+              <a:lnSpc>
+                <a:spcPct val="90000"/>
+              </a:lnSpc>
+            </a:pPr>
+            <a:endParaRPr lang="en-US" sz="1600" dirty="0" smtClean="0"/>
+          </a:p>
+        </p:txBody>
+      </p:sp>
     </p:spTree>
+    <p:custDataLst>
+      <p:tags r:id="rId1"/>
+    </p:custDataLst>
   </p:cSld>
   <p:clrMapOvr>
     <a:masterClrMapping/>
   </p:clrMapOvr>
-  <p:transition/>
   <p:timing>
     <p:tnLst>
       <p:par>
@@ -11943,13 +12015,8 @@
             <a:pPr lvl="1" eaLnBrk="1" hangingPunct="1"/>
             <a:r>
               <a:rPr lang="en-US" sz="2000" dirty="0" smtClean="0"/>
-              <a:t>High bit-rate peripherals including SRIO,  AIF2, Network Coprocessor (NETCP), </a:t>
-            </a:r>
-            <a:r>
-              <a:rPr lang="en-US" sz="2000" dirty="0" smtClean="0"/>
-              <a:t>and FFTC</a:t>
-            </a:r>
-            <a:endParaRPr lang="en-US" sz="2000" dirty="0" smtClean="0"/>
+              <a:t>High bit-rate peripherals including SRIO,  AIF2, Network Coprocessor (NETCP), and FFTC</a:t>
+            </a:r>
           </a:p>
           <a:p>
             <a:pPr eaLnBrk="1" hangingPunct="1"/>
@@ -13660,42 +13727,14 @@
                 <a:latin typeface="Courier New" pitchFamily="49" charset="0"/>
                 <a:cs typeface="Courier New" pitchFamily="49" charset="0"/>
               </a:rPr>
-              <a:t>	pdk_C6678_1_0_0_18\packages\</a:t>
-            </a:r>
-            <a:r>
-              <a:rPr lang="en-US" sz="1800" b="1" dirty="0" err="1" smtClean="0">
-                <a:latin typeface="Courier New" pitchFamily="49" charset="0"/>
-                <a:cs typeface="Courier New" pitchFamily="49" charset="0"/>
-              </a:rPr>
-              <a:t>ti</a:t>
+              <a:t>	</a:t>
             </a:r>
             <a:r>
               <a:rPr lang="en-US" sz="1800" b="1" dirty="0" smtClean="0">
                 <a:latin typeface="Courier New" pitchFamily="49" charset="0"/>
                 <a:cs typeface="Courier New" pitchFamily="49" charset="0"/>
               </a:rPr>
-              <a:t>\</a:t>
-            </a:r>
-            <a:r>
-              <a:rPr lang="en-US" sz="1800" b="1" dirty="0" err="1" smtClean="0">
-                <a:latin typeface="Courier New" pitchFamily="49" charset="0"/>
-                <a:cs typeface="Courier New" pitchFamily="49" charset="0"/>
-              </a:rPr>
-              <a:t>drv</a:t>
-            </a:r>
-            <a:r>
-              <a:rPr lang="en-US" sz="1800" b="1" dirty="0" smtClean="0">
-                <a:latin typeface="Courier New" pitchFamily="49" charset="0"/>
-                <a:cs typeface="Courier New" pitchFamily="49" charset="0"/>
-              </a:rPr>
-              <a:t>\</a:t>
-            </a:r>
-            <a:r>
-              <a:rPr lang="en-US" sz="1800" b="1" dirty="0" err="1" smtClean="0">
-                <a:latin typeface="Courier New" pitchFamily="49" charset="0"/>
-                <a:cs typeface="Courier New" pitchFamily="49" charset="0"/>
-              </a:rPr>
-              <a:t>exampleProjects</a:t>
+              <a:t>pdk_C6678_1_0_0_19\packages\ti\drv\exampleProjects</a:t>
             </a:r>
             <a:r>
               <a:rPr lang="en-US" sz="1800" b="1" dirty="0" smtClean="0">
@@ -14911,13 +14950,6 @@
             </a:r>
           </a:p>
           <a:p>
-            <a:pPr lvl="1" eaLnBrk="1" hangingPunct="1"/>
-            <a:r>
-              <a:rPr lang="en-US" sz="2000" dirty="0" smtClean="0"/>
-              <a:t>One QMSS instance within the Multicore Navigator</a:t>
-            </a:r>
-          </a:p>
-          <a:p>
             <a:pPr eaLnBrk="1" hangingPunct="1"/>
             <a:r>
               <a:rPr lang="en-US" sz="2400" dirty="0" smtClean="0"/>
@@ -14939,15 +14971,15 @@
             <a:pPr lvl="1" eaLnBrk="1" hangingPunct="1"/>
             <a:r>
               <a:rPr lang="en-US" sz="2000" dirty="0" smtClean="0"/>
-              <a:t>Multiple copies reside within each user (all cores, </a:t>
+              <a:t>Multiple copies reside within each user </a:t>
             </a:r>
             <a:r>
               <a:rPr lang="en-US" sz="2000" dirty="0" smtClean="0"/>
-              <a:t>SRIO, </a:t>
+              <a:t>(QMSS, SRIO</a:t>
             </a:r>
             <a:r>
               <a:rPr lang="en-US" sz="2000" dirty="0" smtClean="0"/>
-              <a:t>NETCP, AIF2, etc.)</a:t>
+              <a:t>, NETCP, AIF2, etc.)</a:t>
             </a:r>
           </a:p>
           <a:p>
@@ -21067,11 +21099,12 @@
 </file>
 
 <file path=customXml/item1.xml><?xml version="1.0" encoding="utf-8"?>
-<p:properties xmlns:p="http://schemas.microsoft.com/office/2006/metadata/properties" xmlns:xsi="http://www.w3.org/2001/XMLSchema-instance">
-  <documentManagement>
-    <Content_x0020_Owner xmlns="99c847d8-566e-43ce-87b7-3c417d164c47">Dave Woodall</Content_x0020_Owner>
-  </documentManagement>
-</p:properties>
+<?mso-contentType ?>
+<FormTemplates xmlns="http://schemas.microsoft.com/sharepoint/v3/contenttype/forms">
+  <Display>DocumentLibraryForm</Display>
+  <Edit>DocumentLibraryForm</Edit>
+  <New>DocumentLibraryForm</New>
+</FormTemplates>
 </file>
 
 <file path=customXml/item2.xml><?xml version="1.0" encoding="utf-8"?>
@@ -21137,19 +21170,17 @@
 </file>
 
 <file path=customXml/item3.xml><?xml version="1.0" encoding="utf-8"?>
-<?mso-contentType ?>
-<FormTemplates xmlns="http://schemas.microsoft.com/sharepoint/v3/contenttype/forms">
-  <Display>DocumentLibraryForm</Display>
-  <Edit>DocumentLibraryForm</Edit>
-  <New>DocumentLibraryForm</New>
-</FormTemplates>
+<p:properties xmlns:p="http://schemas.microsoft.com/office/2006/metadata/properties" xmlns:xsi="http://www.w3.org/2001/XMLSchema-instance">
+  <documentManagement>
+    <Content_x0020_Owner xmlns="99c847d8-566e-43ce-87b7-3c417d164c47">Dave Woodall</Content_x0020_Owner>
+  </documentManagement>
+</p:properties>
 </file>
 
 <file path=customXml/itemProps1.xml><?xml version="1.0" encoding="utf-8"?>
-<ds:datastoreItem xmlns:ds="http://schemas.openxmlformats.org/officeDocument/2006/customXml" ds:itemID="{EFA0F515-20D6-4FFD-AA18-3A8F050DC35F}">
+<ds:datastoreItem xmlns:ds="http://schemas.openxmlformats.org/officeDocument/2006/customXml" ds:itemID="{39C2D05C-3725-4078-A67D-3B4972D05610}">
   <ds:schemaRefs>
-    <ds:schemaRef ds:uri="http://schemas.microsoft.com/office/2006/metadata/properties"/>
-    <ds:schemaRef ds:uri="99c847d8-566e-43ce-87b7-3c417d164c47"/>
+    <ds:schemaRef ds:uri="http://schemas.microsoft.com/sharepoint/v3/contenttype/forms"/>
   </ds:schemaRefs>
 </ds:datastoreItem>
 </file>
@@ -21172,9 +21203,10 @@
 </file>
 
 <file path=customXml/itemProps3.xml><?xml version="1.0" encoding="utf-8"?>
-<ds:datastoreItem xmlns:ds="http://schemas.openxmlformats.org/officeDocument/2006/customXml" ds:itemID="{39C2D05C-3725-4078-A67D-3B4972D05610}">
+<ds:datastoreItem xmlns:ds="http://schemas.openxmlformats.org/officeDocument/2006/customXml" ds:itemID="{EFA0F515-20D6-4FFD-AA18-3A8F050DC35F}">
   <ds:schemaRefs>
-    <ds:schemaRef ds:uri="http://schemas.microsoft.com/sharepoint/v3/contenttype/forms"/>
+    <ds:schemaRef ds:uri="http://schemas.microsoft.com/office/2006/metadata/properties"/>
+    <ds:schemaRef ds:uri="99c847d8-566e-43ce-87b7-3c417d164c47"/>
   </ds:schemaRefs>
 </ds:datastoreItem>
 </file>
--- a/slides/Intro to Multicore Navigator.pptx
+++ b/slides/Intro to Multicore Navigator.pptx
@@ -11093,7 +11093,7 @@
             </a:pPr>
             <a:r>
               <a:rPr lang="en-US" sz="2400" dirty="0" smtClean="0"/>
-              <a:t>1 or 2 link RAM that (link list) to index the descriptors (internal memory to QMSS or other memory)</a:t>
+              <a:t>1 or 2 linking RAMs that (link list) index the descriptors (internal memory to QMSS or other memory)</a:t>
             </a:r>
           </a:p>
           <a:p>
@@ -11236,7 +11236,7 @@
         </p:xfrm>
         <a:graphic>
           <a:graphicData uri="http://schemas.openxmlformats.org/presentationml/2006/ole">
-            <p:oleObj spid="_x0000_s3074" name="Visio" r:id="rId5" imgW="1627632" imgH="2363203" progId="Visio.Drawing.11">
+            <p:oleObj spid="_x0000_s3074" name="Visio" r:id="rId5" imgW="1627632" imgH="2363203" progId="">
               <p:embed/>
             </p:oleObj>
           </a:graphicData>
@@ -11531,7 +11531,7 @@
         </p:xfrm>
         <a:graphic>
           <a:graphicData uri="http://schemas.openxmlformats.org/presentationml/2006/ole">
-            <p:oleObj spid="_x0000_s4098" name="Visio" r:id="rId5" imgW="5792343" imgH="2749296" progId="Visio.Drawing.11">
+            <p:oleObj spid="_x0000_s4098" name="Visio" r:id="rId5" imgW="5792343" imgH="2749296" progId="">
               <p:embed/>
             </p:oleObj>
           </a:graphicData>
@@ -11752,7 +11752,7 @@
         </p:xfrm>
         <a:graphic>
           <a:graphicData uri="http://schemas.openxmlformats.org/presentationml/2006/ole">
-            <p:oleObj spid="_x0000_s5122" name="Visio" r:id="rId5" imgW="2591991" imgH="1928991" progId="Visio.Drawing.11">
+            <p:oleObj spid="_x0000_s5122" name="Visio" r:id="rId5" imgW="2591991" imgH="1928991" progId="">
               <p:embed/>
             </p:oleObj>
           </a:graphicData>
@@ -11774,7 +11774,7 @@
         </p:xfrm>
         <a:graphic>
           <a:graphicData uri="http://schemas.openxmlformats.org/presentationml/2006/ole">
-            <p:oleObj spid="_x0000_s5123" name="Visio" r:id="rId6" imgW="1037630" imgH="1265992" progId="Visio.Drawing.11">
+            <p:oleObj spid="_x0000_s5123" name="Visio" r:id="rId6" imgW="1037630" imgH="1265992" progId="">
               <p:embed/>
             </p:oleObj>
           </a:graphicData>
@@ -11958,7 +11958,7 @@
         </p:xfrm>
         <a:graphic>
           <a:graphicData uri="http://schemas.openxmlformats.org/presentationml/2006/ole">
-            <p:oleObj spid="_x0000_s6146" name="Visio" r:id="rId5" imgW="6119515" imgH="7714298" progId="Visio.Drawing.11">
+            <p:oleObj spid="_x0000_s6146" name="Visio" r:id="rId5" imgW="6119515" imgH="7714298" progId="">
               <p:embed/>
             </p:oleObj>
           </a:graphicData>
@@ -12223,7 +12223,7 @@
         </p:xfrm>
         <a:graphic>
           <a:graphicData uri="http://schemas.openxmlformats.org/presentationml/2006/ole">
-            <p:oleObj spid="_x0000_s7170" name="Visio" r:id="rId4" imgW="1771858" imgH="2191051" progId="Visio.Drawing.11">
+            <p:oleObj spid="_x0000_s7170" name="Visio" r:id="rId4" imgW="1771858" imgH="2191051" progId="">
               <p:embed/>
             </p:oleObj>
           </a:graphicData>
@@ -12245,7 +12245,7 @@
         </p:xfrm>
         <a:graphic>
           <a:graphicData uri="http://schemas.openxmlformats.org/presentationml/2006/ole">
-            <p:oleObj spid="_x0000_s7171" name="Visio" r:id="rId5" imgW="1771858" imgH="2191051" progId="Visio.Drawing.11">
+            <p:oleObj spid="_x0000_s7171" name="Visio" r:id="rId5" imgW="1771858" imgH="2191051" progId="">
               <p:embed/>
             </p:oleObj>
           </a:graphicData>
@@ -14945,6 +14945,13 @@
   <p:clrMapOvr>
     <a:masterClrMapping/>
   </p:clrMapOvr>
+  <p:timing>
+    <p:tnLst>
+      <p:par>
+        <p:cTn id="1" dur="indefinite" restart="never" nodeType="tmRoot"/>
+      </p:par>
+    </p:tnLst>
+  </p:timing>
 </p:sld>
 </file>
 
@@ -15116,6 +15123,13 @@
   <p:clrMapOvr>
     <a:masterClrMapping/>
   </p:clrMapOvr>
+  <p:timing>
+    <p:tnLst>
+      <p:par>
+        <p:cTn id="1" dur="indefinite" restart="never" nodeType="tmRoot"/>
+      </p:par>
+    </p:tnLst>
+  </p:timing>
 </p:sld>
 </file>
 
@@ -15206,7 +15220,7 @@
         </p:xfrm>
         <a:graphic>
           <a:graphicData uri="http://schemas.openxmlformats.org/presentationml/2006/ole">
-            <p:oleObj spid="_x0000_s98306" name="Visio" r:id="rId5" imgW="8057007" imgH="6545961" progId="Visio.Drawing.11">
+            <p:oleObj spid="_x0000_s98306" name="Visio" r:id="rId5" imgW="8057007" imgH="6545961" progId="">
               <p:embed/>
             </p:oleObj>
           </a:graphicData>
@@ -37329,6 +37343,13 @@
   <p:clrMapOvr>
     <a:masterClrMapping/>
   </p:clrMapOvr>
+  <p:timing>
+    <p:tnLst>
+      <p:par>
+        <p:cTn id="1" dur="indefinite" restart="never" nodeType="tmRoot"/>
+      </p:par>
+    </p:tnLst>
+  </p:timing>
 </p:sld>
 </file>
 
@@ -42019,7 +42040,7 @@
         </p:xfrm>
         <a:graphic>
           <a:graphicData uri="http://schemas.openxmlformats.org/presentationml/2006/ole">
-            <p:oleObj spid="_x0000_s8194" name="Visio" r:id="rId5" imgW="6685407" imgH="4742307" progId="Visio.Drawing.11">
+            <p:oleObj spid="_x0000_s8194" name="Visio" r:id="rId5" imgW="6685407" imgH="4742307" progId="">
               <p:embed/>
             </p:oleObj>
           </a:graphicData>
@@ -42041,7 +42062,7 @@
         </p:xfrm>
         <a:graphic>
           <a:graphicData uri="http://schemas.openxmlformats.org/presentationml/2006/ole">
-            <p:oleObj spid="_x0000_s8195" name="Visio" r:id="rId6" imgW="8057007" imgH="4754880" progId="Visio.Drawing.11">
+            <p:oleObj spid="_x0000_s8195" name="Visio" r:id="rId6" imgW="8057007" imgH="4754880" progId="">
               <p:embed/>
             </p:oleObj>
           </a:graphicData>
@@ -42282,7 +42303,7 @@
         </p:xfrm>
         <a:graphic>
           <a:graphicData uri="http://schemas.openxmlformats.org/presentationml/2006/ole">
-            <p:oleObj spid="_x0000_s1026" name="Visio" r:id="rId5" imgW="7349777" imgH="5155389" progId="Visio.Drawing.11">
+            <p:oleObj spid="_x0000_s1026" name="Visio" r:id="rId5" imgW="7349777" imgH="5155389" progId="">
               <p:embed/>
             </p:oleObj>
           </a:graphicData>
@@ -42304,7 +42325,7 @@
           </a:prstGeom>
           <a:solidFill>
             <a:schemeClr val="bg1">
-              <a:lumMod val="85000"/>
+              <a:lumMod val="95000"/>
             </a:schemeClr>
           </a:solidFill>
         </p:spPr>
@@ -42407,7 +42428,7 @@
         </p:xfrm>
         <a:graphic>
           <a:graphicData uri="http://schemas.openxmlformats.org/presentationml/2006/ole">
-            <p:oleObj spid="_x0000_s2050" name="Visio" r:id="rId5" imgW="7349777" imgH="5155389" progId="Visio.Drawing.11">
+            <p:oleObj spid="_x0000_s2050" name="Visio" r:id="rId5" imgW="7349777" imgH="5155389" progId="">
               <p:embed/>
             </p:oleObj>
           </a:graphicData>
@@ -42579,7 +42600,7 @@
           </a:prstGeom>
           <a:solidFill>
             <a:schemeClr val="bg1">
-              <a:lumMod val="85000"/>
+              <a:lumMod val="95000"/>
             </a:schemeClr>
           </a:solidFill>
         </p:spPr>
@@ -42747,7 +42768,7 @@
         </p:xfrm>
         <a:graphic>
           <a:graphicData uri="http://schemas.openxmlformats.org/presentationml/2006/ole">
-            <p:oleObj spid="_x0000_s99330" name="Visio" r:id="rId5" imgW="2866263" imgH="3232023" progId="Visio.Drawing.11">
+            <p:oleObj spid="_x0000_s99330" name="Visio" r:id="rId5" imgW="2866263" imgH="3232023" progId="">
               <p:embed/>
             </p:oleObj>
           </a:graphicData>
@@ -43804,14 +43825,6 @@
 </file>
 
 <file path=customXml/item1.xml><?xml version="1.0" encoding="utf-8"?>
-<p:properties xmlns:p="http://schemas.microsoft.com/office/2006/metadata/properties" xmlns:xsi="http://www.w3.org/2001/XMLSchema-instance">
-  <documentManagement>
-    <Content_x0020_Owner xmlns="99c847d8-566e-43ce-87b7-3c417d164c47">Dave Woodall</Content_x0020_Owner>
-  </documentManagement>
-</p:properties>
-</file>
-
-<file path=customXml/item2.xml><?xml version="1.0" encoding="utf-8"?>
 <ct:contentTypeSchema xmlns:ct="http://schemas.microsoft.com/office/2006/metadata/contentType" xmlns:ma="http://schemas.microsoft.com/office/2006/metadata/properties/metaAttributes" ct:_="" ma:_="" ma:contentTypeName="Document" ma:contentTypeID="0x0101006BF34EDD2AB14F49969AD5B68D65D28C" ma:contentTypeVersion="1" ma:contentTypeDescription="Create a new document." ma:contentTypeScope="" ma:versionID="aec3fda75a9471671297bbb4606d1d91">
   <xsd:schema xmlns:xsd="http://www.w3.org/2001/XMLSchema" xmlns:p="http://schemas.microsoft.com/office/2006/metadata/properties" xmlns:ns2="99c847d8-566e-43ce-87b7-3c417d164c47" targetNamespace="http://schemas.microsoft.com/office/2006/metadata/properties" ma:root="true" ma:fieldsID="6b49c4b1e87cfd71c9528e3cb8636bc2" ns2:_="">
     <xsd:import namespace="99c847d8-566e-43ce-87b7-3c417d164c47"/>
@@ -43873,6 +43886,14 @@
 </ct:contentTypeSchema>
 </file>
 
+<file path=customXml/item2.xml><?xml version="1.0" encoding="utf-8"?>
+<p:properties xmlns:p="http://schemas.microsoft.com/office/2006/metadata/properties" xmlns:xsi="http://www.w3.org/2001/XMLSchema-instance">
+  <documentManagement>
+    <Content_x0020_Owner xmlns="99c847d8-566e-43ce-87b7-3c417d164c47">Dave Woodall</Content_x0020_Owner>
+  </documentManagement>
+</p:properties>
+</file>
+
 <file path=customXml/item3.xml><?xml version="1.0" encoding="utf-8"?>
 <?mso-contentType ?>
 <FormTemplates xmlns="http://schemas.microsoft.com/sharepoint/v3/contenttype/forms">
@@ -43883,15 +43904,6 @@
 </file>
 
 <file path=customXml/itemProps1.xml><?xml version="1.0" encoding="utf-8"?>
-<ds:datastoreItem xmlns:ds="http://schemas.openxmlformats.org/officeDocument/2006/customXml" ds:itemID="{EFA0F515-20D6-4FFD-AA18-3A8F050DC35F}">
-  <ds:schemaRefs>
-    <ds:schemaRef ds:uri="http://schemas.microsoft.com/office/2006/metadata/properties"/>
-    <ds:schemaRef ds:uri="99c847d8-566e-43ce-87b7-3c417d164c47"/>
-  </ds:schemaRefs>
-</ds:datastoreItem>
-</file>
-
-<file path=customXml/itemProps2.xml><?xml version="1.0" encoding="utf-8"?>
 <ds:datastoreItem xmlns:ds="http://schemas.openxmlformats.org/officeDocument/2006/customXml" ds:itemID="{557188FD-3D88-4CDB-A1CD-FD90E93E7744}">
   <ds:schemaRefs>
     <ds:schemaRef ds:uri="http://schemas.microsoft.com/office/2006/metadata/contentType"/>
@@ -43908,6 +43920,15 @@
 </ds:datastoreItem>
 </file>
 
+<file path=customXml/itemProps2.xml><?xml version="1.0" encoding="utf-8"?>
+<ds:datastoreItem xmlns:ds="http://schemas.openxmlformats.org/officeDocument/2006/customXml" ds:itemID="{EFA0F515-20D6-4FFD-AA18-3A8F050DC35F}">
+  <ds:schemaRefs>
+    <ds:schemaRef ds:uri="http://schemas.microsoft.com/office/2006/metadata/properties"/>
+    <ds:schemaRef ds:uri="99c847d8-566e-43ce-87b7-3c417d164c47"/>
+  </ds:schemaRefs>
+</ds:datastoreItem>
+</file>
+
 <file path=customXml/itemProps3.xml><?xml version="1.0" encoding="utf-8"?>
 <ds:datastoreItem xmlns:ds="http://schemas.openxmlformats.org/officeDocument/2006/customXml" ds:itemID="{39C2D05C-3725-4078-A67D-3B4972D05610}">
   <ds:schemaRefs>

--- a/slides/Intro to Multicore Navigator.pptx
+++ b/slides/Intro to Multicore Navigator.pptx
@@ -43825,6 +43825,14 @@
 </file>
 
 <file path=customXml/item1.xml><?xml version="1.0" encoding="utf-8"?>
+<p:properties xmlns:p="http://schemas.microsoft.com/office/2006/metadata/properties" xmlns:xsi="http://www.w3.org/2001/XMLSchema-instance">
+  <documentManagement>
+    <Content_x0020_Owner xmlns="99c847d8-566e-43ce-87b7-3c417d164c47">Dave Woodall</Content_x0020_Owner>
+  </documentManagement>
+</p:properties>
+</file>
+
+<file path=customXml/item2.xml><?xml version="1.0" encoding="utf-8"?>
 <ct:contentTypeSchema xmlns:ct="http://schemas.microsoft.com/office/2006/metadata/contentType" xmlns:ma="http://schemas.microsoft.com/office/2006/metadata/properties/metaAttributes" ct:_="" ma:_="" ma:contentTypeName="Document" ma:contentTypeID="0x0101006BF34EDD2AB14F49969AD5B68D65D28C" ma:contentTypeVersion="1" ma:contentTypeDescription="Create a new document." ma:contentTypeScope="" ma:versionID="aec3fda75a9471671297bbb4606d1d91">
   <xsd:schema xmlns:xsd="http://www.w3.org/2001/XMLSchema" xmlns:p="http://schemas.microsoft.com/office/2006/metadata/properties" xmlns:ns2="99c847d8-566e-43ce-87b7-3c417d164c47" targetNamespace="http://schemas.microsoft.com/office/2006/metadata/properties" ma:root="true" ma:fieldsID="6b49c4b1e87cfd71c9528e3cb8636bc2" ns2:_="">
     <xsd:import namespace="99c847d8-566e-43ce-87b7-3c417d164c47"/>
@@ -43886,14 +43894,6 @@
 </ct:contentTypeSchema>
 </file>
 
-<file path=customXml/item2.xml><?xml version="1.0" encoding="utf-8"?>
-<p:properties xmlns:p="http://schemas.microsoft.com/office/2006/metadata/properties" xmlns:xsi="http://www.w3.org/2001/XMLSchema-instance">
-  <documentManagement>
-    <Content_x0020_Owner xmlns="99c847d8-566e-43ce-87b7-3c417d164c47">Dave Woodall</Content_x0020_Owner>
-  </documentManagement>
-</p:properties>
-</file>
-
 <file path=customXml/item3.xml><?xml version="1.0" encoding="utf-8"?>
 <?mso-contentType ?>
 <FormTemplates xmlns="http://schemas.microsoft.com/sharepoint/v3/contenttype/forms">
@@ -43904,6 +43904,15 @@
 </file>
 
 <file path=customXml/itemProps1.xml><?xml version="1.0" encoding="utf-8"?>
+<ds:datastoreItem xmlns:ds="http://schemas.openxmlformats.org/officeDocument/2006/customXml" ds:itemID="{EFA0F515-20D6-4FFD-AA18-3A8F050DC35F}">
+  <ds:schemaRefs>
+    <ds:schemaRef ds:uri="http://schemas.microsoft.com/office/2006/metadata/properties"/>
+    <ds:schemaRef ds:uri="99c847d8-566e-43ce-87b7-3c417d164c47"/>
+  </ds:schemaRefs>
+</ds:datastoreItem>
+</file>
+
+<file path=customXml/itemProps2.xml><?xml version="1.0" encoding="utf-8"?>
 <ds:datastoreItem xmlns:ds="http://schemas.openxmlformats.org/officeDocument/2006/customXml" ds:itemID="{557188FD-3D88-4CDB-A1CD-FD90E93E7744}">
   <ds:schemaRefs>
     <ds:schemaRef ds:uri="http://schemas.microsoft.com/office/2006/metadata/contentType"/>
@@ -43920,15 +43929,6 @@
 </ds:datastoreItem>
 </file>
 
-<file path=customXml/itemProps2.xml><?xml version="1.0" encoding="utf-8"?>
-<ds:datastoreItem xmlns:ds="http://schemas.openxmlformats.org/officeDocument/2006/customXml" ds:itemID="{EFA0F515-20D6-4FFD-AA18-3A8F050DC35F}">
-  <ds:schemaRefs>
-    <ds:schemaRef ds:uri="http://schemas.microsoft.com/office/2006/metadata/properties"/>
-    <ds:schemaRef ds:uri="99c847d8-566e-43ce-87b7-3c417d164c47"/>
-  </ds:schemaRefs>
-</ds:datastoreItem>
-</file>
-
 <file path=customXml/itemProps3.xml><?xml version="1.0" encoding="utf-8"?>
 <ds:datastoreItem xmlns:ds="http://schemas.openxmlformats.org/officeDocument/2006/customXml" ds:itemID="{39C2D05C-3725-4078-A67D-3B4972D05610}">
   <ds:schemaRefs>
